--- a/강화학습 발표.pptx
+++ b/강화학습 발표.pptx
@@ -247,7 +247,7 @@
           <a:p>
             <a:fld id="{A9EAE85A-839E-4C59-A065-63A62781CAE0}" type="datetimeFigureOut">
               <a:rPr lang="ko-KR" altLang="en-US" smtClean="0"/>
-              <a:t>2019-09-05</a:t>
+              <a:t>2019-09-09</a:t>
             </a:fld>
             <a:endParaRPr lang="ko-KR" altLang="en-US"/>
           </a:p>
@@ -908,6 +908,37 @@
             </a:r>
             <a:endParaRPr lang="en-US" altLang="ko-KR" dirty="0"/>
           </a:p>
+          <a:p>
+            <a:pPr marL="0" marR="0" lvl="0" indent="0" algn="l" defTabSz="914400" rtl="0" eaLnBrk="1" fontAlgn="auto" latinLnBrk="1" hangingPunct="1">
+              <a:lnSpc>
+                <a:spcPct val="100000"/>
+              </a:lnSpc>
+              <a:spcBef>
+                <a:spcPts val="0"/>
+              </a:spcBef>
+              <a:spcAft>
+                <a:spcPts val="0"/>
+              </a:spcAft>
+              <a:buClrTx/>
+              <a:buSzTx/>
+              <a:buFontTx/>
+              <a:buNone/>
+              <a:tabLst/>
+              <a:defRPr/>
+            </a:pPr>
+            <a:r>
+              <a:rPr lang="ko-KR" altLang="en-US" dirty="0"/>
+              <a:t>몬테카를로 근사 </a:t>
+            </a:r>
+            <a:r>
+              <a:rPr lang="en-US" altLang="ko-KR" dirty="0"/>
+              <a:t>: </a:t>
+            </a:r>
+            <a:r>
+              <a:rPr lang="ko-KR" altLang="en-US" dirty="0"/>
+              <a:t>원래의 값은 모르지만 샘플을 통해 원래의 값에 대해 이럴 것 이다라고 추측하는 것</a:t>
+            </a:r>
+          </a:p>
         </p:txBody>
       </p:sp>
       <p:sp>
@@ -937,6 +968,1832 @@
     <p:extLst>
       <p:ext uri="{BB962C8B-B14F-4D97-AF65-F5344CB8AC3E}">
         <p14:creationId xmlns:p14="http://schemas.microsoft.com/office/powerpoint/2010/main" val="3865421584"/>
+      </p:ext>
+    </p:extLst>
+  </p:cSld>
+  <p:clrMapOvr>
+    <a:masterClrMapping/>
+  </p:clrMapOvr>
+</p:notes>
+</file>
+
+<file path=ppt/notesSlides/notesSlide4.xml><?xml version="1.0" encoding="utf-8"?>
+<p:notes xmlns:a="http://schemas.openxmlformats.org/drawingml/2006/main" xmlns:r="http://schemas.openxmlformats.org/officeDocument/2006/relationships" xmlns:p="http://schemas.openxmlformats.org/presentationml/2006/main">
+  <p:cSld>
+    <p:spTree>
+      <p:nvGrpSpPr>
+        <p:cNvPr id="1" name=""/>
+        <p:cNvGrpSpPr/>
+        <p:nvPr/>
+      </p:nvGrpSpPr>
+      <p:grpSpPr>
+        <a:xfrm>
+          <a:off x="0" y="0"/>
+          <a:ext cx="0" cy="0"/>
+          <a:chOff x="0" y="0"/>
+          <a:chExt cx="0" cy="0"/>
+        </a:xfrm>
+      </p:grpSpPr>
+      <p:sp>
+        <p:nvSpPr>
+          <p:cNvPr id="2" name="슬라이드 이미지 개체 틀 1"/>
+          <p:cNvSpPr>
+            <a:spLocks noGrp="1" noRot="1" noChangeAspect="1"/>
+          </p:cNvSpPr>
+          <p:nvPr>
+            <p:ph type="sldImg"/>
+          </p:nvPr>
+        </p:nvSpPr>
+        <p:spPr/>
+      </p:sp>
+      <mc:AlternateContent xmlns:mc="http://schemas.openxmlformats.org/markup-compatibility/2006">
+        <mc:Choice xmlns:a14="http://schemas.microsoft.com/office/drawing/2010/main" Requires="a14">
+          <p:sp>
+            <p:nvSpPr>
+              <p:cNvPr id="3" name="슬라이드 노트 개체 틀 2"/>
+              <p:cNvSpPr>
+                <a:spLocks noGrp="1"/>
+              </p:cNvSpPr>
+              <p:nvPr>
+                <p:ph type="body" idx="1"/>
+              </p:nvPr>
+            </p:nvSpPr>
+            <p:spPr/>
+            <p:txBody>
+              <a:bodyPr/>
+              <a:lstStyle/>
+              <a:p>
+                <a:r>
+                  <a:rPr lang="ko-KR" altLang="en-US" dirty="0"/>
+                  <a:t>몬테카를로 근사에서 샘플들의 평균을 통해 결과를 추정했는데 이를 강화학습에 적용시키면</a:t>
+                </a:r>
+                <a:endParaRPr lang="en-US" altLang="ko-KR" dirty="0"/>
+              </a:p>
+              <a:p>
+                <a:r>
+                  <a:rPr lang="ko-KR" altLang="en-US" dirty="0"/>
+                  <a:t>가치함수를 추정할 때 에이전트가 한 번 환경에서 에피소드를 진행하는 것을 샘플링으로 이들의 평균으로</a:t>
+                </a:r>
+                <a:endParaRPr lang="en-US" altLang="ko-KR" dirty="0"/>
+              </a:p>
+              <a:p>
+                <a:r>
+                  <a:rPr lang="ko-KR" altLang="en-US" dirty="0"/>
+                  <a:t>참 가치함수의 값을 추정한다 이를 몬테카를로 예측이라고 한다</a:t>
+                </a:r>
+                <a:endParaRPr lang="en-US" altLang="ko-KR" dirty="0"/>
+              </a:p>
+              <a:p>
+                <a14:m>
+                  <m:oMath xmlns:m="http://schemas.openxmlformats.org/officeDocument/2006/math">
+                    <m:sSub>
+                      <m:sSubPr>
+                        <m:ctrlPr>
+                          <a:rPr lang="en-US" altLang="ko-KR" sz="1200" i="1" dirty="0" smtClean="0">
+                            <a:latin typeface="Cambria Math" panose="02040503050406030204" pitchFamily="18" charset="0"/>
+                          </a:rPr>
+                        </m:ctrlPr>
+                      </m:sSubPr>
+                      <m:e>
+                        <m:r>
+                          <a:rPr lang="en-US" altLang="ko-KR" sz="1200" b="0" i="1" dirty="0" smtClean="0">
+                            <a:latin typeface="Cambria Math"/>
+                          </a:rPr>
+                          <m:t>𝐺</m:t>
+                        </m:r>
+                      </m:e>
+                      <m:sub>
+                        <m:r>
+                          <a:rPr lang="en-US" altLang="ko-KR" sz="1200" b="0" i="1" dirty="0" smtClean="0">
+                            <a:latin typeface="Cambria Math"/>
+                          </a:rPr>
+                          <m:t>𝑛</m:t>
+                        </m:r>
+                      </m:sub>
+                    </m:sSub>
+                    <m:r>
+                      <a:rPr lang="en-US" altLang="ko-KR" sz="1200" b="0" i="1" dirty="0" smtClean="0">
+                        <a:latin typeface="Cambria Math"/>
+                      </a:rPr>
+                      <m:t>−</m:t>
+                    </m:r>
+                    <m:sSub>
+                      <m:sSubPr>
+                        <m:ctrlPr>
+                          <a:rPr lang="en-US" altLang="ko-KR" sz="1200" b="0" i="1" dirty="0" smtClean="0">
+                            <a:latin typeface="Cambria Math" panose="02040503050406030204" pitchFamily="18" charset="0"/>
+                          </a:rPr>
+                        </m:ctrlPr>
+                      </m:sSubPr>
+                      <m:e>
+                        <m:r>
+                          <a:rPr lang="en-US" altLang="ko-KR" sz="1200" b="0" i="1" dirty="0" smtClean="0">
+                            <a:latin typeface="Cambria Math"/>
+                          </a:rPr>
+                          <m:t>𝑉</m:t>
+                        </m:r>
+                      </m:e>
+                      <m:sub>
+                        <m:r>
+                          <a:rPr lang="en-US" altLang="ko-KR" sz="1200" b="0" i="1" dirty="0" smtClean="0">
+                            <a:latin typeface="Cambria Math"/>
+                          </a:rPr>
+                          <m:t>𝑛</m:t>
+                        </m:r>
+                      </m:sub>
+                    </m:sSub>
+                  </m:oMath>
+                </a14:m>
+                <a:r>
+                  <a:rPr lang="ko-KR" altLang="en-US" dirty="0"/>
+                  <a:t>를 오차라고 하며 </a:t>
+                </a:r>
+                <a:r>
+                  <a:rPr lang="en-US" altLang="ko-KR" dirty="0"/>
+                  <a:t>1/n</a:t>
+                </a:r>
+                <a:r>
+                  <a:rPr lang="ko-KR" altLang="en-US" dirty="0"/>
+                  <a:t>은 스텝사이즈로서 업데이트할 때 오차의 얼마를 가지고 업데이트할지 정하는 것</a:t>
+                </a:r>
+                <a:endParaRPr lang="en-US" altLang="ko-KR" dirty="0"/>
+              </a:p>
+            </p:txBody>
+          </p:sp>
+        </mc:Choice>
+        <mc:Fallback>
+          <p:sp>
+            <p:nvSpPr>
+              <p:cNvPr id="3" name="슬라이드 노트 개체 틀 2"/>
+              <p:cNvSpPr>
+                <a:spLocks noGrp="1"/>
+              </p:cNvSpPr>
+              <p:nvPr>
+                <p:ph type="body" idx="1"/>
+              </p:nvPr>
+            </p:nvSpPr>
+            <p:spPr/>
+            <p:txBody>
+              <a:bodyPr/>
+              <a:lstStyle/>
+              <a:p>
+                <a:r>
+                  <a:rPr lang="ko-KR" altLang="en-US" dirty="0"/>
+                  <a:t>몬테카를로 근사에서 샘플들의 평균을 통해 결과를 추정했는데 이를 강화학습에 적용시키면</a:t>
+                </a:r>
+                <a:endParaRPr lang="en-US" altLang="ko-KR" dirty="0"/>
+              </a:p>
+              <a:p>
+                <a:r>
+                  <a:rPr lang="ko-KR" altLang="en-US" dirty="0"/>
+                  <a:t>가치함수를 추정할 때 에이전트가 한 번 환경에서 에피소드를 진행하는 것을 샘플링으로 이들의 평균으로</a:t>
+                </a:r>
+                <a:endParaRPr lang="en-US" altLang="ko-KR" dirty="0"/>
+              </a:p>
+              <a:p>
+                <a:r>
+                  <a:rPr lang="ko-KR" altLang="en-US" dirty="0"/>
+                  <a:t>참 가치함수의 값을 추정한다 이를 몬테카를로 예측이라고 한다</a:t>
+                </a:r>
+                <a:endParaRPr lang="en-US" altLang="ko-KR" dirty="0"/>
+              </a:p>
+              <a:p>
+                <a:r>
+                  <a:rPr lang="en-US" altLang="ko-KR" sz="1200" b="0" i="0" dirty="0">
+                    <a:latin typeface="Cambria Math"/>
+                  </a:rPr>
+                  <a:t>𝐺</a:t>
+                </a:r>
+                <a:r>
+                  <a:rPr lang="en-US" altLang="ko-KR" sz="1200" b="0" i="0" dirty="0">
+                    <a:latin typeface="Cambria Math" panose="02040503050406030204" pitchFamily="18" charset="0"/>
+                  </a:rPr>
+                  <a:t>_</a:t>
+                </a:r>
+                <a:r>
+                  <a:rPr lang="en-US" altLang="ko-KR" sz="1200" b="0" i="0" dirty="0">
+                    <a:latin typeface="Cambria Math"/>
+                  </a:rPr>
+                  <a:t>𝑛−𝑉</a:t>
+                </a:r>
+                <a:r>
+                  <a:rPr lang="en-US" altLang="ko-KR" sz="1200" b="0" i="0" dirty="0">
+                    <a:latin typeface="Cambria Math" panose="02040503050406030204" pitchFamily="18" charset="0"/>
+                  </a:rPr>
+                  <a:t>_</a:t>
+                </a:r>
+                <a:r>
+                  <a:rPr lang="en-US" altLang="ko-KR" sz="1200" b="0" i="0" dirty="0">
+                    <a:latin typeface="Cambria Math"/>
+                  </a:rPr>
+                  <a:t>𝑛</a:t>
+                </a:r>
+                <a:r>
+                  <a:rPr lang="ko-KR" altLang="en-US" dirty="0"/>
+                  <a:t>를 오차라고 하며 </a:t>
+                </a:r>
+                <a:r>
+                  <a:rPr lang="en-US" altLang="ko-KR" dirty="0"/>
+                  <a:t>1/n</a:t>
+                </a:r>
+                <a:r>
+                  <a:rPr lang="ko-KR" altLang="en-US" dirty="0"/>
+                  <a:t>은 스텝사이즈로서 업데이트할 때 오차의 얼마를 가지고 업데이트할지 정하는 것</a:t>
+                </a:r>
+                <a:endParaRPr lang="en-US" altLang="ko-KR" dirty="0"/>
+              </a:p>
+            </p:txBody>
+          </p:sp>
+        </mc:Fallback>
+      </mc:AlternateContent>
+      <p:sp>
+        <p:nvSpPr>
+          <p:cNvPr id="4" name="슬라이드 번호 개체 틀 3"/>
+          <p:cNvSpPr>
+            <a:spLocks noGrp="1"/>
+          </p:cNvSpPr>
+          <p:nvPr>
+            <p:ph type="sldNum" sz="quarter" idx="5"/>
+          </p:nvPr>
+        </p:nvSpPr>
+        <p:spPr/>
+        <p:txBody>
+          <a:bodyPr/>
+          <a:lstStyle/>
+          <a:p>
+            <a:fld id="{D9DA5618-798F-4F1B-8031-90869F9747A6}" type="slidenum">
+              <a:rPr lang="ko-KR" altLang="en-US" smtClean="0"/>
+              <a:t>10</a:t>
+            </a:fld>
+            <a:endParaRPr lang="ko-KR" altLang="en-US"/>
+          </a:p>
+        </p:txBody>
+      </p:sp>
+    </p:spTree>
+    <p:extLst>
+      <p:ext uri="{BB962C8B-B14F-4D97-AF65-F5344CB8AC3E}">
+        <p14:creationId xmlns:p14="http://schemas.microsoft.com/office/powerpoint/2010/main" val="1986728797"/>
+      </p:ext>
+    </p:extLst>
+  </p:cSld>
+  <p:clrMapOvr>
+    <a:masterClrMapping/>
+  </p:clrMapOvr>
+</p:notes>
+</file>
+
+<file path=ppt/notesSlides/notesSlide5.xml><?xml version="1.0" encoding="utf-8"?>
+<p:notes xmlns:a="http://schemas.openxmlformats.org/drawingml/2006/main" xmlns:r="http://schemas.openxmlformats.org/officeDocument/2006/relationships" xmlns:p="http://schemas.openxmlformats.org/presentationml/2006/main">
+  <p:cSld>
+    <p:spTree>
+      <p:nvGrpSpPr>
+        <p:cNvPr id="1" name=""/>
+        <p:cNvGrpSpPr/>
+        <p:nvPr/>
+      </p:nvGrpSpPr>
+      <p:grpSpPr>
+        <a:xfrm>
+          <a:off x="0" y="0"/>
+          <a:ext cx="0" cy="0"/>
+          <a:chOff x="0" y="0"/>
+          <a:chExt cx="0" cy="0"/>
+        </a:xfrm>
+      </p:grpSpPr>
+      <p:sp>
+        <p:nvSpPr>
+          <p:cNvPr id="2" name="슬라이드 이미지 개체 틀 1"/>
+          <p:cNvSpPr>
+            <a:spLocks noGrp="1" noRot="1" noChangeAspect="1"/>
+          </p:cNvSpPr>
+          <p:nvPr>
+            <p:ph type="sldImg"/>
+          </p:nvPr>
+        </p:nvSpPr>
+        <p:spPr/>
+      </p:sp>
+      <p:sp>
+        <p:nvSpPr>
+          <p:cNvPr id="3" name="슬라이드 노트 개체 틀 2"/>
+          <p:cNvSpPr>
+            <a:spLocks noGrp="1"/>
+          </p:cNvSpPr>
+          <p:nvPr>
+            <p:ph type="body" idx="1"/>
+          </p:nvPr>
+        </p:nvSpPr>
+        <p:spPr/>
+        <p:txBody>
+          <a:bodyPr/>
+          <a:lstStyle/>
+          <a:p>
+            <a:r>
+              <a:rPr lang="ko-KR" altLang="en-US" dirty="0"/>
+              <a:t>스텝사이즈는 </a:t>
+            </a:r>
+            <a:r>
+              <a:rPr lang="en-US" altLang="ko-KR" dirty="0"/>
+              <a:t>1/n</a:t>
+            </a:r>
+            <a:r>
+              <a:rPr lang="ko-KR" altLang="en-US" dirty="0"/>
+              <a:t>일 수도 있고 시간에 따라서 변하지 않는 일정한 숫자일 수도 있다</a:t>
+            </a:r>
+            <a:r>
+              <a:rPr lang="en-US" altLang="ko-KR" dirty="0"/>
+              <a:t>.</a:t>
+            </a:r>
+          </a:p>
+          <a:p>
+            <a:r>
+              <a:rPr lang="ko-KR" altLang="en-US" dirty="0"/>
+              <a:t>이때 일정한 숫자의 크기가 크면 수렴하지 못하고 너무 작으면 수렴의 속도가 느리다</a:t>
+            </a:r>
+            <a:r>
+              <a:rPr lang="en-US" altLang="ko-KR" dirty="0"/>
+              <a:t>.</a:t>
+            </a:r>
+          </a:p>
+          <a:p>
+            <a:r>
+              <a:rPr lang="ko-KR" altLang="en-US" dirty="0"/>
+              <a:t>몬테카를로 예측 이후의 모든 강화학습 방법에서 가치함수를 업데이트하는 것은 위 수식의 변형일 뿐이다</a:t>
+            </a:r>
+            <a:r>
+              <a:rPr lang="en-US" altLang="ko-KR" dirty="0"/>
+              <a:t>.</a:t>
+            </a:r>
+          </a:p>
+          <a:p>
+            <a:r>
+              <a:rPr lang="ko-KR" altLang="en-US" dirty="0"/>
+              <a:t>가치함수는 이 목표로 감으로써 자신을 업데이트하는데 한 번에 목표점으로 가는 것이 아니고 스텝사이즈를 곱한 만큼만 가는 것이다</a:t>
+            </a:r>
+            <a:endParaRPr lang="en-US" altLang="ko-KR" dirty="0"/>
+          </a:p>
+          <a:p>
+            <a:r>
+              <a:rPr lang="ko-KR" altLang="en-US" dirty="0"/>
+              <a:t>에이전트는 이 업데이트 식을 통해 에피소드 동안 경험했던 모든 상태에 대해 가치함수를 업데이트한다</a:t>
+            </a:r>
+            <a:endParaRPr lang="en-US" altLang="ko-KR" dirty="0"/>
+          </a:p>
+          <a:p>
+            <a:r>
+              <a:rPr lang="ko-KR" altLang="en-US" dirty="0"/>
+              <a:t>어떠한 상태의 가치함수가 업데이트될 수록 가치함수는 현재 정책에 대한 참 가치함수에 수렴해간다</a:t>
+            </a:r>
+            <a:endParaRPr lang="en-US" altLang="ko-KR" dirty="0"/>
+          </a:p>
+          <a:p>
+            <a:r>
+              <a:rPr lang="ko-KR" altLang="en-US" dirty="0"/>
+              <a:t>시간차 예측에서는 업데이트의 목표만 변한다</a:t>
+            </a:r>
+            <a:r>
+              <a:rPr lang="en-US" altLang="ko-KR" dirty="0"/>
+              <a:t>.</a:t>
+            </a:r>
+          </a:p>
+          <a:p>
+            <a:endParaRPr lang="ko-KR" altLang="en-US" dirty="0"/>
+          </a:p>
+        </p:txBody>
+      </p:sp>
+      <p:sp>
+        <p:nvSpPr>
+          <p:cNvPr id="4" name="슬라이드 번호 개체 틀 3"/>
+          <p:cNvSpPr>
+            <a:spLocks noGrp="1"/>
+          </p:cNvSpPr>
+          <p:nvPr>
+            <p:ph type="sldNum" sz="quarter" idx="5"/>
+          </p:nvPr>
+        </p:nvSpPr>
+        <p:spPr/>
+        <p:txBody>
+          <a:bodyPr/>
+          <a:lstStyle/>
+          <a:p>
+            <a:fld id="{D9DA5618-798F-4F1B-8031-90869F9747A6}" type="slidenum">
+              <a:rPr lang="ko-KR" altLang="en-US" smtClean="0"/>
+              <a:t>11</a:t>
+            </a:fld>
+            <a:endParaRPr lang="ko-KR" altLang="en-US"/>
+          </a:p>
+        </p:txBody>
+      </p:sp>
+    </p:spTree>
+    <p:extLst>
+      <p:ext uri="{BB962C8B-B14F-4D97-AF65-F5344CB8AC3E}">
+        <p14:creationId xmlns:p14="http://schemas.microsoft.com/office/powerpoint/2010/main" val="306869755"/>
+      </p:ext>
+    </p:extLst>
+  </p:cSld>
+  <p:clrMapOvr>
+    <a:masterClrMapping/>
+  </p:clrMapOvr>
+</p:notes>
+</file>
+
+<file path=ppt/notesSlides/notesSlide6.xml><?xml version="1.0" encoding="utf-8"?>
+<p:notes xmlns:a="http://schemas.openxmlformats.org/drawingml/2006/main" xmlns:r="http://schemas.openxmlformats.org/officeDocument/2006/relationships" xmlns:p="http://schemas.openxmlformats.org/presentationml/2006/main">
+  <p:cSld>
+    <p:spTree>
+      <p:nvGrpSpPr>
+        <p:cNvPr id="1" name=""/>
+        <p:cNvGrpSpPr/>
+        <p:nvPr/>
+      </p:nvGrpSpPr>
+      <p:grpSpPr>
+        <a:xfrm>
+          <a:off x="0" y="0"/>
+          <a:ext cx="0" cy="0"/>
+          <a:chOff x="0" y="0"/>
+          <a:chExt cx="0" cy="0"/>
+        </a:xfrm>
+      </p:grpSpPr>
+      <p:sp>
+        <p:nvSpPr>
+          <p:cNvPr id="2" name="슬라이드 이미지 개체 틀 1"/>
+          <p:cNvSpPr>
+            <a:spLocks noGrp="1" noRot="1" noChangeAspect="1"/>
+          </p:cNvSpPr>
+          <p:nvPr>
+            <p:ph type="sldImg"/>
+          </p:nvPr>
+        </p:nvSpPr>
+        <p:spPr/>
+      </p:sp>
+      <mc:AlternateContent xmlns:mc="http://schemas.openxmlformats.org/markup-compatibility/2006">
+        <mc:Choice xmlns:a14="http://schemas.microsoft.com/office/drawing/2010/main" Requires="a14">
+          <p:sp>
+            <p:nvSpPr>
+              <p:cNvPr id="3" name="슬라이드 노트 개체 틀 2"/>
+              <p:cNvSpPr>
+                <a:spLocks noGrp="1"/>
+              </p:cNvSpPr>
+              <p:nvPr>
+                <p:ph type="body" idx="1"/>
+              </p:nvPr>
+            </p:nvSpPr>
+            <p:spPr/>
+            <p:txBody>
+              <a:bodyPr/>
+              <a:lstStyle/>
+              <a:p>
+                <a:r>
+                  <a:rPr lang="ko-KR" altLang="en-US" dirty="0"/>
+                  <a:t>시간차 예측에서는 비슷하지만 </a:t>
+                </a:r>
+                <a14:m>
+                  <m:oMath xmlns:m="http://schemas.openxmlformats.org/officeDocument/2006/math">
+                    <m:r>
+                      <a:rPr lang="en-US" altLang="ko-KR" sz="1200" b="0" i="1" smtClean="0">
+                        <a:latin typeface="Cambria Math"/>
+                        <a:ea typeface="Cambria Math"/>
+                      </a:rPr>
+                      <m:t>𝐺</m:t>
+                    </m:r>
+                    <m:d>
+                      <m:dPr>
+                        <m:ctrlPr>
+                          <a:rPr lang="en-US" altLang="ko-KR" sz="1200" b="0" i="1" smtClean="0">
+                            <a:latin typeface="Cambria Math" panose="02040503050406030204" pitchFamily="18" charset="0"/>
+                            <a:ea typeface="Cambria Math"/>
+                          </a:rPr>
+                        </m:ctrlPr>
+                      </m:dPr>
+                      <m:e>
+                        <m:r>
+                          <a:rPr lang="en-US" altLang="ko-KR" sz="1200" b="0" i="1" smtClean="0">
+                            <a:latin typeface="Cambria Math"/>
+                            <a:ea typeface="Cambria Math"/>
+                          </a:rPr>
+                          <m:t>𝑠</m:t>
+                        </m:r>
+                      </m:e>
+                    </m:d>
+                  </m:oMath>
+                </a14:m>
+                <a:r>
+                  <a:rPr lang="ko-KR" altLang="en-US" dirty="0"/>
+                  <a:t> 대신 </a:t>
+                </a:r>
+                <a14:m>
+                  <m:oMath xmlns:m="http://schemas.openxmlformats.org/officeDocument/2006/math">
+                    <m:r>
+                      <a:rPr lang="en-US" altLang="ko-KR" sz="1200" b="0" i="1" smtClean="0">
+                        <a:solidFill>
+                          <a:srgbClr val="FF0000"/>
+                        </a:solidFill>
+                        <a:latin typeface="Cambria Math"/>
+                        <a:ea typeface="Cambria Math"/>
+                      </a:rPr>
+                      <m:t>𝑅</m:t>
+                    </m:r>
+                    <m:r>
+                      <a:rPr lang="en-US" altLang="ko-KR" sz="1200" i="1">
+                        <a:solidFill>
+                          <a:srgbClr val="FF0000"/>
+                        </a:solidFill>
+                        <a:latin typeface="Cambria Math"/>
+                      </a:rPr>
+                      <m:t>+</m:t>
+                    </m:r>
+                    <m:r>
+                      <a:rPr lang="ko-KR" altLang="en-US" sz="1200" i="1">
+                        <a:solidFill>
+                          <a:srgbClr val="FF0000"/>
+                        </a:solidFill>
+                        <a:latin typeface="Cambria Math"/>
+                      </a:rPr>
+                      <m:t>𝛾</m:t>
+                    </m:r>
+                    <m:sSub>
+                      <m:sSubPr>
+                        <m:ctrlPr>
+                          <a:rPr lang="en-US" altLang="ko-KR" sz="1200" i="1">
+                            <a:solidFill>
+                              <a:srgbClr val="FF0000"/>
+                            </a:solidFill>
+                            <a:latin typeface="Cambria Math" panose="02040503050406030204" pitchFamily="18" charset="0"/>
+                          </a:rPr>
+                        </m:ctrlPr>
+                      </m:sSubPr>
+                      <m:e>
+                        <m:r>
+                          <a:rPr lang="en-US" altLang="ko-KR" sz="1200" i="1">
+                            <a:solidFill>
+                              <a:srgbClr val="FF0000"/>
+                            </a:solidFill>
+                            <a:latin typeface="Cambria Math"/>
+                          </a:rPr>
+                          <m:t>𝑣</m:t>
+                        </m:r>
+                      </m:e>
+                      <m:sub>
+                        <m:r>
+                          <a:rPr lang="ko-KR" altLang="en-US" sz="1200" i="1">
+                            <a:solidFill>
+                              <a:srgbClr val="FF0000"/>
+                            </a:solidFill>
+                            <a:latin typeface="Cambria Math"/>
+                          </a:rPr>
+                          <m:t>𝜋</m:t>
+                        </m:r>
+                      </m:sub>
+                    </m:sSub>
+                    <m:r>
+                      <a:rPr lang="en-US" altLang="ko-KR" sz="1200" b="0" i="1" smtClean="0">
+                        <a:solidFill>
+                          <a:srgbClr val="FF0000"/>
+                        </a:solidFill>
+                        <a:latin typeface="Cambria Math"/>
+                      </a:rPr>
+                      <m:t>(</m:t>
+                    </m:r>
+                    <m:sSub>
+                      <m:sSubPr>
+                        <m:ctrlPr>
+                          <a:rPr lang="en-US" altLang="ko-KR" sz="1200" b="0" i="1" smtClean="0">
+                            <a:solidFill>
+                              <a:srgbClr val="FF0000"/>
+                            </a:solidFill>
+                            <a:latin typeface="Cambria Math" panose="02040503050406030204" pitchFamily="18" charset="0"/>
+                          </a:rPr>
+                        </m:ctrlPr>
+                      </m:sSubPr>
+                      <m:e>
+                        <m:r>
+                          <a:rPr lang="en-US" altLang="ko-KR" sz="1200" b="0" i="1" smtClean="0">
+                            <a:solidFill>
+                              <a:srgbClr val="FF0000"/>
+                            </a:solidFill>
+                            <a:latin typeface="Cambria Math"/>
+                          </a:rPr>
+                          <m:t>𝑆</m:t>
+                        </m:r>
+                      </m:e>
+                      <m:sub>
+                        <m:r>
+                          <a:rPr lang="en-US" altLang="ko-KR" sz="1200" b="0" i="1" smtClean="0">
+                            <a:solidFill>
+                              <a:srgbClr val="FF0000"/>
+                            </a:solidFill>
+                            <a:latin typeface="Cambria Math"/>
+                          </a:rPr>
+                          <m:t>𝑡</m:t>
+                        </m:r>
+                        <m:r>
+                          <a:rPr lang="en-US" altLang="ko-KR" sz="1200" b="0" i="1" smtClean="0">
+                            <a:solidFill>
+                              <a:srgbClr val="FF0000"/>
+                            </a:solidFill>
+                            <a:latin typeface="Cambria Math"/>
+                          </a:rPr>
+                          <m:t>+1</m:t>
+                        </m:r>
+                      </m:sub>
+                    </m:sSub>
+                    <m:r>
+                      <a:rPr lang="en-US" altLang="ko-KR" sz="1200" b="0" i="1" smtClean="0">
+                        <a:solidFill>
+                          <a:srgbClr val="FF0000"/>
+                        </a:solidFill>
+                        <a:latin typeface="Cambria Math"/>
+                      </a:rPr>
+                      <m:t>)</m:t>
+                    </m:r>
+                  </m:oMath>
+                </a14:m>
+                <a:r>
+                  <a:rPr lang="ko-KR" altLang="en-US" dirty="0"/>
+                  <a:t>으로 나타낸 가치함수의 정의로 나타낸 식을 사용한다</a:t>
+                </a:r>
+                <a:r>
+                  <a:rPr lang="en-US" altLang="ko-KR" dirty="0"/>
+                  <a:t>.</a:t>
+                </a:r>
+              </a:p>
+              <a:p>
+                <a:r>
+                  <a:rPr lang="ko-KR" altLang="en-US" dirty="0"/>
+                  <a:t>다이나믹 프로그래밍처럼 </a:t>
+                </a:r>
+                <a:r>
+                  <a:rPr lang="ko-KR" altLang="en-US" dirty="0" err="1"/>
+                  <a:t>기댓값을</a:t>
+                </a:r>
+                <a:r>
+                  <a:rPr lang="ko-KR" altLang="en-US" dirty="0"/>
+                  <a:t> 계산하지 않고 </a:t>
+                </a:r>
+                <a14:m>
+                  <m:oMath xmlns:m="http://schemas.openxmlformats.org/officeDocument/2006/math">
+                    <m:r>
+                      <a:rPr lang="en-US" altLang="ko-KR" sz="1200" b="0" i="1" smtClean="0">
+                        <a:solidFill>
+                          <a:srgbClr val="FF0000"/>
+                        </a:solidFill>
+                        <a:latin typeface="Cambria Math"/>
+                        <a:ea typeface="Cambria Math"/>
+                      </a:rPr>
+                      <m:t>𝑅</m:t>
+                    </m:r>
+                    <m:r>
+                      <a:rPr lang="en-US" altLang="ko-KR" sz="1200" i="1">
+                        <a:solidFill>
+                          <a:srgbClr val="FF0000"/>
+                        </a:solidFill>
+                        <a:latin typeface="Cambria Math"/>
+                      </a:rPr>
+                      <m:t>+</m:t>
+                    </m:r>
+                    <m:r>
+                      <a:rPr lang="ko-KR" altLang="en-US" sz="1200" i="1">
+                        <a:solidFill>
+                          <a:srgbClr val="FF0000"/>
+                        </a:solidFill>
+                        <a:latin typeface="Cambria Math"/>
+                      </a:rPr>
+                      <m:t>𝛾</m:t>
+                    </m:r>
+                    <m:sSub>
+                      <m:sSubPr>
+                        <m:ctrlPr>
+                          <a:rPr lang="en-US" altLang="ko-KR" sz="1200" i="1">
+                            <a:solidFill>
+                              <a:srgbClr val="FF0000"/>
+                            </a:solidFill>
+                            <a:latin typeface="Cambria Math" panose="02040503050406030204" pitchFamily="18" charset="0"/>
+                          </a:rPr>
+                        </m:ctrlPr>
+                      </m:sSubPr>
+                      <m:e>
+                        <m:r>
+                          <a:rPr lang="en-US" altLang="ko-KR" sz="1200" i="1">
+                            <a:solidFill>
+                              <a:srgbClr val="FF0000"/>
+                            </a:solidFill>
+                            <a:latin typeface="Cambria Math"/>
+                          </a:rPr>
+                          <m:t>𝑣</m:t>
+                        </m:r>
+                      </m:e>
+                      <m:sub>
+                        <m:r>
+                          <a:rPr lang="ko-KR" altLang="en-US" sz="1200" i="1">
+                            <a:solidFill>
+                              <a:srgbClr val="FF0000"/>
+                            </a:solidFill>
+                            <a:latin typeface="Cambria Math"/>
+                          </a:rPr>
+                          <m:t>𝜋</m:t>
+                        </m:r>
+                      </m:sub>
+                    </m:sSub>
+                    <m:r>
+                      <a:rPr lang="en-US" altLang="ko-KR" sz="1200" b="0" i="1" smtClean="0">
+                        <a:solidFill>
+                          <a:srgbClr val="FF0000"/>
+                        </a:solidFill>
+                        <a:latin typeface="Cambria Math"/>
+                      </a:rPr>
+                      <m:t>(</m:t>
+                    </m:r>
+                    <m:sSub>
+                      <m:sSubPr>
+                        <m:ctrlPr>
+                          <a:rPr lang="en-US" altLang="ko-KR" sz="1200" b="0" i="1" smtClean="0">
+                            <a:solidFill>
+                              <a:srgbClr val="FF0000"/>
+                            </a:solidFill>
+                            <a:latin typeface="Cambria Math" panose="02040503050406030204" pitchFamily="18" charset="0"/>
+                          </a:rPr>
+                        </m:ctrlPr>
+                      </m:sSubPr>
+                      <m:e>
+                        <m:r>
+                          <a:rPr lang="en-US" altLang="ko-KR" sz="1200" b="0" i="1" smtClean="0">
+                            <a:solidFill>
+                              <a:srgbClr val="FF0000"/>
+                            </a:solidFill>
+                            <a:latin typeface="Cambria Math"/>
+                          </a:rPr>
+                          <m:t>𝑆</m:t>
+                        </m:r>
+                      </m:e>
+                      <m:sub>
+                        <m:r>
+                          <a:rPr lang="en-US" altLang="ko-KR" sz="1200" b="0" i="1" smtClean="0">
+                            <a:solidFill>
+                              <a:srgbClr val="FF0000"/>
+                            </a:solidFill>
+                            <a:latin typeface="Cambria Math"/>
+                          </a:rPr>
+                          <m:t>𝑡</m:t>
+                        </m:r>
+                        <m:r>
+                          <a:rPr lang="en-US" altLang="ko-KR" sz="1200" b="0" i="1" smtClean="0">
+                            <a:solidFill>
+                              <a:srgbClr val="FF0000"/>
+                            </a:solidFill>
+                            <a:latin typeface="Cambria Math"/>
+                          </a:rPr>
+                          <m:t>+1</m:t>
+                        </m:r>
+                      </m:sub>
+                    </m:sSub>
+                    <m:r>
+                      <a:rPr lang="en-US" altLang="ko-KR" sz="1200" b="0" i="1" smtClean="0">
+                        <a:solidFill>
+                          <a:srgbClr val="FF0000"/>
+                        </a:solidFill>
+                        <a:latin typeface="Cambria Math"/>
+                      </a:rPr>
+                      <m:t>)</m:t>
+                    </m:r>
+                  </m:oMath>
+                </a14:m>
+                <a:r>
+                  <a:rPr lang="ko-KR" altLang="en-US" dirty="0"/>
+                  <a:t>값을 샘플링해서 그 값으로 현재의 가치함수를 업데이트한다</a:t>
+                </a:r>
+                <a:r>
+                  <a:rPr lang="en-US" altLang="ko-KR" dirty="0"/>
+                  <a:t>.</a:t>
+                </a:r>
+              </a:p>
+              <a:p>
+                <a14:m>
+                  <m:oMath xmlns:m="http://schemas.openxmlformats.org/officeDocument/2006/math">
+                    <m:r>
+                      <a:rPr lang="en-US" altLang="ko-KR" i="1" smtClean="0">
+                        <a:solidFill>
+                          <a:schemeClr val="tx1"/>
+                        </a:solidFill>
+                        <a:latin typeface="Cambria Math"/>
+                        <a:ea typeface="Cambria Math"/>
+                      </a:rPr>
+                      <m:t>𝑅</m:t>
+                    </m:r>
+                    <m:r>
+                      <a:rPr lang="en-US" altLang="ko-KR" i="1">
+                        <a:solidFill>
+                          <a:schemeClr val="tx1"/>
+                        </a:solidFill>
+                        <a:latin typeface="Cambria Math"/>
+                      </a:rPr>
+                      <m:t>+</m:t>
+                    </m:r>
+                    <m:r>
+                      <a:rPr lang="ko-KR" altLang="en-US" i="1">
+                        <a:solidFill>
+                          <a:schemeClr val="tx1"/>
+                        </a:solidFill>
+                        <a:latin typeface="Cambria Math"/>
+                      </a:rPr>
+                      <m:t>𝛾</m:t>
+                    </m:r>
+                    <m:sSub>
+                      <m:sSubPr>
+                        <m:ctrlPr>
+                          <a:rPr lang="en-US" altLang="ko-KR" i="1">
+                            <a:solidFill>
+                              <a:schemeClr val="tx1"/>
+                            </a:solidFill>
+                            <a:latin typeface="Cambria Math" panose="02040503050406030204" pitchFamily="18" charset="0"/>
+                          </a:rPr>
+                        </m:ctrlPr>
+                      </m:sSubPr>
+                      <m:e>
+                        <m:r>
+                          <a:rPr lang="en-US" altLang="ko-KR" i="1">
+                            <a:solidFill>
+                              <a:schemeClr val="tx1"/>
+                            </a:solidFill>
+                            <a:latin typeface="Cambria Math"/>
+                          </a:rPr>
+                          <m:t>𝑣</m:t>
+                        </m:r>
+                      </m:e>
+                      <m:sub>
+                        <m:r>
+                          <a:rPr lang="ko-KR" altLang="en-US" i="1">
+                            <a:solidFill>
+                              <a:schemeClr val="tx1"/>
+                            </a:solidFill>
+                            <a:latin typeface="Cambria Math"/>
+                          </a:rPr>
+                          <m:t>𝜋</m:t>
+                        </m:r>
+                      </m:sub>
+                    </m:sSub>
+                    <m:r>
+                      <a:rPr lang="en-US" altLang="ko-KR" i="1">
+                        <a:solidFill>
+                          <a:schemeClr val="tx1"/>
+                        </a:solidFill>
+                        <a:latin typeface="Cambria Math"/>
+                      </a:rPr>
+                      <m:t>(</m:t>
+                    </m:r>
+                    <m:sSub>
+                      <m:sSubPr>
+                        <m:ctrlPr>
+                          <a:rPr lang="en-US" altLang="ko-KR" i="1">
+                            <a:solidFill>
+                              <a:schemeClr val="tx1"/>
+                            </a:solidFill>
+                            <a:latin typeface="Cambria Math" panose="02040503050406030204" pitchFamily="18" charset="0"/>
+                          </a:rPr>
+                        </m:ctrlPr>
+                      </m:sSubPr>
+                      <m:e>
+                        <m:r>
+                          <a:rPr lang="en-US" altLang="ko-KR" i="1">
+                            <a:solidFill>
+                              <a:schemeClr val="tx1"/>
+                            </a:solidFill>
+                            <a:latin typeface="Cambria Math"/>
+                          </a:rPr>
+                          <m:t>𝑆</m:t>
+                        </m:r>
+                      </m:e>
+                      <m:sub>
+                        <m:r>
+                          <a:rPr lang="en-US" altLang="ko-KR" i="1">
+                            <a:solidFill>
+                              <a:schemeClr val="tx1"/>
+                            </a:solidFill>
+                            <a:latin typeface="Cambria Math"/>
+                          </a:rPr>
+                          <m:t>𝑡</m:t>
+                        </m:r>
+                        <m:r>
+                          <a:rPr lang="en-US" altLang="ko-KR" i="1">
+                            <a:solidFill>
+                              <a:schemeClr val="tx1"/>
+                            </a:solidFill>
+                            <a:latin typeface="Cambria Math"/>
+                          </a:rPr>
+                          <m:t>+1</m:t>
+                        </m:r>
+                      </m:sub>
+                    </m:sSub>
+                    <m:r>
+                      <a:rPr lang="en-US" altLang="ko-KR" i="1">
+                        <a:solidFill>
+                          <a:schemeClr val="tx1"/>
+                        </a:solidFill>
+                        <a:latin typeface="Cambria Math"/>
+                      </a:rPr>
+                      <m:t>)</m:t>
+                    </m:r>
+                  </m:oMath>
+                </a14:m>
+                <a:r>
+                  <a:rPr lang="ko-KR" altLang="en-US" dirty="0"/>
+                  <a:t>은 몬테카를로 예측에서의 경우와 같이 </a:t>
+                </a:r>
+                <a:r>
+                  <a:rPr lang="ko-KR" altLang="en-US" dirty="0" err="1"/>
+                  <a:t>실제값인</a:t>
+                </a:r>
+                <a:r>
+                  <a:rPr lang="ko-KR" altLang="en-US" dirty="0"/>
+                  <a:t> </a:t>
+                </a:r>
+                <a:r>
+                  <a:rPr lang="ko-KR" altLang="en-US" dirty="0" err="1">
+                    <a:solidFill>
+                      <a:schemeClr val="tx1"/>
+                    </a:solidFill>
+                  </a:rPr>
+                  <a:t>반환값이</a:t>
+                </a:r>
+                <a:r>
+                  <a:rPr lang="ko-KR" altLang="en-US" dirty="0">
+                    <a:solidFill>
+                      <a:schemeClr val="tx1"/>
+                    </a:solidFill>
+                  </a:rPr>
+                  <a:t> 아닌 현재 에이전트가 가지고 있는 값이다</a:t>
+                </a:r>
+                <a:r>
+                  <a:rPr lang="en-US" altLang="ko-KR" dirty="0">
+                    <a:solidFill>
+                      <a:schemeClr val="tx1"/>
+                    </a:solidFill>
+                  </a:rPr>
+                  <a:t>.</a:t>
+                </a:r>
+              </a:p>
+              <a:p>
+                <a:r>
+                  <a:rPr lang="ko-KR" altLang="en-US" dirty="0">
+                    <a:solidFill>
+                      <a:schemeClr val="tx1"/>
+                    </a:solidFill>
+                  </a:rPr>
+                  <a:t>현재 에이전트는 </a:t>
+                </a:r>
+                <a14:m>
+                  <m:oMath xmlns:m="http://schemas.openxmlformats.org/officeDocument/2006/math">
+                    <m:sSub>
+                      <m:sSubPr>
+                        <m:ctrlPr>
+                          <a:rPr lang="en-US" altLang="ko-KR" i="1" smtClean="0">
+                            <a:solidFill>
+                              <a:schemeClr val="tx1"/>
+                            </a:solidFill>
+                            <a:latin typeface="Cambria Math" panose="02040503050406030204" pitchFamily="18" charset="0"/>
+                          </a:rPr>
+                        </m:ctrlPr>
+                      </m:sSubPr>
+                      <m:e>
+                        <m:r>
+                          <a:rPr lang="en-US" altLang="ko-KR" i="1">
+                            <a:solidFill>
+                              <a:schemeClr val="tx1"/>
+                            </a:solidFill>
+                            <a:latin typeface="Cambria Math"/>
+                          </a:rPr>
+                          <m:t>𝑣</m:t>
+                        </m:r>
+                      </m:e>
+                      <m:sub>
+                        <m:r>
+                          <a:rPr lang="ko-KR" altLang="en-US" i="1">
+                            <a:solidFill>
+                              <a:schemeClr val="tx1"/>
+                            </a:solidFill>
+                            <a:latin typeface="Cambria Math"/>
+                          </a:rPr>
+                          <m:t>𝜋</m:t>
+                        </m:r>
+                      </m:sub>
+                    </m:sSub>
+                    <m:r>
+                      <a:rPr lang="en-US" altLang="ko-KR" i="1">
+                        <a:solidFill>
+                          <a:schemeClr val="tx1"/>
+                        </a:solidFill>
+                        <a:latin typeface="Cambria Math"/>
+                      </a:rPr>
+                      <m:t>(</m:t>
+                    </m:r>
+                    <m:sSub>
+                      <m:sSubPr>
+                        <m:ctrlPr>
+                          <a:rPr lang="en-US" altLang="ko-KR" i="1">
+                            <a:solidFill>
+                              <a:schemeClr val="tx1"/>
+                            </a:solidFill>
+                            <a:latin typeface="Cambria Math" panose="02040503050406030204" pitchFamily="18" charset="0"/>
+                          </a:rPr>
+                        </m:ctrlPr>
+                      </m:sSubPr>
+                      <m:e>
+                        <m:r>
+                          <a:rPr lang="en-US" altLang="ko-KR" i="1">
+                            <a:solidFill>
+                              <a:schemeClr val="tx1"/>
+                            </a:solidFill>
+                            <a:latin typeface="Cambria Math"/>
+                          </a:rPr>
+                          <m:t>𝑆</m:t>
+                        </m:r>
+                      </m:e>
+                      <m:sub>
+                        <m:r>
+                          <a:rPr lang="en-US" altLang="ko-KR" i="1">
+                            <a:solidFill>
+                              <a:schemeClr val="tx1"/>
+                            </a:solidFill>
+                            <a:latin typeface="Cambria Math"/>
+                          </a:rPr>
+                          <m:t>𝑡</m:t>
+                        </m:r>
+                        <m:r>
+                          <a:rPr lang="en-US" altLang="ko-KR" i="1">
+                            <a:solidFill>
+                              <a:schemeClr val="tx1"/>
+                            </a:solidFill>
+                            <a:latin typeface="Cambria Math"/>
+                          </a:rPr>
+                          <m:t>+1</m:t>
+                        </m:r>
+                      </m:sub>
+                    </m:sSub>
+                    <m:r>
+                      <a:rPr lang="en-US" altLang="ko-KR" i="1">
+                        <a:solidFill>
+                          <a:schemeClr val="tx1"/>
+                        </a:solidFill>
+                        <a:latin typeface="Cambria Math"/>
+                      </a:rPr>
+                      <m:t>)</m:t>
+                    </m:r>
+                  </m:oMath>
+                </a14:m>
+                <a:r>
+                  <a:rPr lang="ko-KR" altLang="en-US" dirty="0">
+                    <a:solidFill>
+                      <a:schemeClr val="tx1"/>
+                    </a:solidFill>
+                  </a:rPr>
+                  <a:t> 이 값을 </a:t>
+                </a:r>
+                <a14:m>
+                  <m:oMath xmlns:m="http://schemas.openxmlformats.org/officeDocument/2006/math">
+                    <m:sSub>
+                      <m:sSubPr>
+                        <m:ctrlPr>
+                          <a:rPr lang="en-US" altLang="ko-KR" i="1" smtClean="0">
+                            <a:solidFill>
+                              <a:schemeClr val="tx1"/>
+                            </a:solidFill>
+                            <a:latin typeface="Cambria Math" panose="02040503050406030204" pitchFamily="18" charset="0"/>
+                          </a:rPr>
+                        </m:ctrlPr>
+                      </m:sSubPr>
+                      <m:e>
+                        <m:r>
+                          <a:rPr lang="en-US" altLang="ko-KR" i="1">
+                            <a:solidFill>
+                              <a:schemeClr val="tx1"/>
+                            </a:solidFill>
+                            <a:latin typeface="Cambria Math"/>
+                          </a:rPr>
+                          <m:t>𝑆</m:t>
+                        </m:r>
+                      </m:e>
+                      <m:sub>
+                        <m:r>
+                          <a:rPr lang="en-US" altLang="ko-KR" i="1">
+                            <a:solidFill>
+                              <a:schemeClr val="tx1"/>
+                            </a:solidFill>
+                            <a:latin typeface="Cambria Math"/>
+                          </a:rPr>
+                          <m:t>𝑡</m:t>
+                        </m:r>
+                        <m:r>
+                          <a:rPr lang="en-US" altLang="ko-KR" i="1">
+                            <a:solidFill>
+                              <a:schemeClr val="tx1"/>
+                            </a:solidFill>
+                            <a:latin typeface="Cambria Math"/>
+                          </a:rPr>
+                          <m:t>+1</m:t>
+                        </m:r>
+                      </m:sub>
+                    </m:sSub>
+                  </m:oMath>
+                </a14:m>
+                <a:r>
+                  <a:rPr lang="ko-KR" altLang="en-US" dirty="0"/>
+                  <a:t>의 가치함수일 것이라고 예측하고 있다</a:t>
+                </a:r>
+                <a:endParaRPr lang="en-US" altLang="ko-KR" dirty="0"/>
+              </a:p>
+              <a:p>
+                <a:r>
+                  <a:rPr lang="ko-KR" altLang="en-US" dirty="0"/>
+                  <a:t>다른 상태의 가치함수 </a:t>
+                </a:r>
+                <a:r>
+                  <a:rPr lang="ko-KR" altLang="en-US" dirty="0" err="1"/>
+                  <a:t>예측값을</a:t>
+                </a:r>
+                <a:r>
+                  <a:rPr lang="ko-KR" altLang="en-US" dirty="0"/>
+                  <a:t> 통해 지금 상태의 가치함수를 예측하는 이러한 방식을 부트스트랩</a:t>
+                </a:r>
+                <a:r>
+                  <a:rPr lang="en-US" altLang="ko-KR" dirty="0"/>
+                  <a:t>(Bootstrap)</a:t>
+                </a:r>
+                <a:r>
+                  <a:rPr lang="ko-KR" altLang="en-US" dirty="0"/>
+                  <a:t>이라고 한다</a:t>
+                </a:r>
+                <a:r>
+                  <a:rPr lang="en-US" altLang="ko-KR" dirty="0"/>
+                  <a:t>.</a:t>
+                </a:r>
+              </a:p>
+              <a:p>
+                <a:r>
+                  <a:rPr lang="ko-KR" altLang="en-US" dirty="0"/>
+                  <a:t>즉</a:t>
+                </a:r>
+                <a:r>
+                  <a:rPr lang="en-US" altLang="ko-KR" dirty="0"/>
+                  <a:t>, </a:t>
+                </a:r>
+                <a:r>
+                  <a:rPr lang="ko-KR" altLang="en-US" dirty="0"/>
+                  <a:t>업데이트 목표도 정확하지 않은 상황에서 가치함수를 업데이트 하는 것</a:t>
+                </a:r>
+                <a:endParaRPr lang="en-US" altLang="ko-KR" dirty="0"/>
+              </a:p>
+              <a:p>
+                <a:r>
+                  <a:rPr lang="ko-KR" altLang="en-US" dirty="0"/>
+                  <a:t>시간차 예측은 충분히 많은 샘플링을 통해 업데이트 하면 참 가치함수에 수렴하며</a:t>
+                </a:r>
+                <a:endParaRPr lang="en-US" altLang="ko-KR" dirty="0"/>
+              </a:p>
+              <a:p>
+                <a:r>
+                  <a:rPr lang="ko-KR" altLang="en-US" dirty="0"/>
+                  <a:t>많은 경우에 몬테카를로 예측보다 더 효율적으로 빠른 시간 안에 참 가치함수에 근접한다</a:t>
+                </a:r>
+                <a:endParaRPr lang="en-US" altLang="ko-KR" dirty="0"/>
+              </a:p>
+            </p:txBody>
+          </p:sp>
+        </mc:Choice>
+        <mc:Fallback>
+          <p:sp>
+            <p:nvSpPr>
+              <p:cNvPr id="3" name="슬라이드 노트 개체 틀 2"/>
+              <p:cNvSpPr>
+                <a:spLocks noGrp="1"/>
+              </p:cNvSpPr>
+              <p:nvPr>
+                <p:ph type="body" idx="1"/>
+              </p:nvPr>
+            </p:nvSpPr>
+            <p:spPr/>
+            <p:txBody>
+              <a:bodyPr/>
+              <a:lstStyle/>
+              <a:p>
+                <a:r>
+                  <a:rPr lang="ko-KR" altLang="en-US" dirty="0"/>
+                  <a:t>시간차 예측에서는 비슷하지만 </a:t>
+                </a:r>
+                <a:r>
+                  <a:rPr lang="en-US" altLang="ko-KR" sz="1200" b="0" i="0">
+                    <a:latin typeface="Cambria Math"/>
+                    <a:ea typeface="Cambria Math"/>
+                  </a:rPr>
+                  <a:t>𝐺</a:t>
+                </a:r>
+                <a:r>
+                  <a:rPr lang="en-US" altLang="ko-KR" sz="1200" b="0" i="0">
+                    <a:latin typeface="Cambria Math" panose="02040503050406030204" pitchFamily="18" charset="0"/>
+                    <a:ea typeface="Cambria Math"/>
+                  </a:rPr>
+                  <a:t>(</a:t>
+                </a:r>
+                <a:r>
+                  <a:rPr lang="en-US" altLang="ko-KR" sz="1200" b="0" i="0">
+                    <a:latin typeface="Cambria Math"/>
+                    <a:ea typeface="Cambria Math"/>
+                  </a:rPr>
+                  <a:t>𝑠</a:t>
+                </a:r>
+                <a:r>
+                  <a:rPr lang="en-US" altLang="ko-KR" sz="1200" b="0" i="0">
+                    <a:latin typeface="Cambria Math" panose="02040503050406030204" pitchFamily="18" charset="0"/>
+                    <a:ea typeface="Cambria Math"/>
+                  </a:rPr>
+                  <a:t>)</a:t>
+                </a:r>
+                <a:r>
+                  <a:rPr lang="ko-KR" altLang="en-US" dirty="0"/>
+                  <a:t> 대신 </a:t>
+                </a:r>
+                <a:r>
+                  <a:rPr lang="en-US" altLang="ko-KR" sz="1200" b="0" i="0">
+                    <a:solidFill>
+                      <a:srgbClr val="FF0000"/>
+                    </a:solidFill>
+                    <a:latin typeface="Cambria Math"/>
+                    <a:ea typeface="Cambria Math"/>
+                  </a:rPr>
+                  <a:t>𝑅</a:t>
+                </a:r>
+                <a:r>
+                  <a:rPr lang="en-US" altLang="ko-KR" sz="1200" i="0">
+                    <a:solidFill>
+                      <a:srgbClr val="FF0000"/>
+                    </a:solidFill>
+                    <a:latin typeface="Cambria Math"/>
+                  </a:rPr>
+                  <a:t>+</a:t>
+                </a:r>
+                <a:r>
+                  <a:rPr lang="ko-KR" altLang="en-US" sz="1200" i="0">
+                    <a:solidFill>
+                      <a:srgbClr val="FF0000"/>
+                    </a:solidFill>
+                    <a:latin typeface="Cambria Math"/>
+                  </a:rPr>
+                  <a:t>𝛾</a:t>
+                </a:r>
+                <a:r>
+                  <a:rPr lang="en-US" altLang="ko-KR" sz="1200" i="0">
+                    <a:solidFill>
+                      <a:srgbClr val="FF0000"/>
+                    </a:solidFill>
+                    <a:latin typeface="Cambria Math"/>
+                  </a:rPr>
+                  <a:t>𝑣</a:t>
+                </a:r>
+                <a:r>
+                  <a:rPr lang="en-US" altLang="ko-KR" sz="1200" i="0">
+                    <a:solidFill>
+                      <a:srgbClr val="FF0000"/>
+                    </a:solidFill>
+                    <a:latin typeface="Cambria Math" panose="02040503050406030204" pitchFamily="18" charset="0"/>
+                  </a:rPr>
+                  <a:t>_</a:t>
+                </a:r>
+                <a:r>
+                  <a:rPr lang="ko-KR" altLang="en-US" sz="1200" i="0">
+                    <a:solidFill>
+                      <a:srgbClr val="FF0000"/>
+                    </a:solidFill>
+                    <a:latin typeface="Cambria Math"/>
+                  </a:rPr>
+                  <a:t>𝜋</a:t>
+                </a:r>
+                <a:r>
+                  <a:rPr lang="en-US" altLang="ko-KR" sz="1200" b="0" i="0">
+                    <a:solidFill>
+                      <a:srgbClr val="FF0000"/>
+                    </a:solidFill>
+                    <a:latin typeface="Cambria Math"/>
+                  </a:rPr>
+                  <a:t> (𝑆</a:t>
+                </a:r>
+                <a:r>
+                  <a:rPr lang="en-US" altLang="ko-KR" sz="1200" b="0" i="0">
+                    <a:solidFill>
+                      <a:srgbClr val="FF0000"/>
+                    </a:solidFill>
+                    <a:latin typeface="Cambria Math" panose="02040503050406030204" pitchFamily="18" charset="0"/>
+                  </a:rPr>
+                  <a:t>_(</a:t>
+                </a:r>
+                <a:r>
+                  <a:rPr lang="en-US" altLang="ko-KR" sz="1200" b="0" i="0">
+                    <a:solidFill>
+                      <a:srgbClr val="FF0000"/>
+                    </a:solidFill>
+                    <a:latin typeface="Cambria Math"/>
+                  </a:rPr>
+                  <a:t>𝑡+1</a:t>
+                </a:r>
+                <a:r>
+                  <a:rPr lang="en-US" altLang="ko-KR" sz="1200" b="0" i="0">
+                    <a:solidFill>
+                      <a:srgbClr val="FF0000"/>
+                    </a:solidFill>
+                    <a:latin typeface="Cambria Math" panose="02040503050406030204" pitchFamily="18" charset="0"/>
+                  </a:rPr>
+                  <a:t>)</a:t>
+                </a:r>
+                <a:r>
+                  <a:rPr lang="en-US" altLang="ko-KR" sz="1200" b="0" i="0">
+                    <a:solidFill>
+                      <a:srgbClr val="FF0000"/>
+                    </a:solidFill>
+                    <a:latin typeface="Cambria Math"/>
+                  </a:rPr>
+                  <a:t>)</a:t>
+                </a:r>
+                <a:r>
+                  <a:rPr lang="ko-KR" altLang="en-US" dirty="0"/>
+                  <a:t>으로 나타낸 가치함수의 정의로 나타낸 식을 사용한다</a:t>
+                </a:r>
+                <a:r>
+                  <a:rPr lang="en-US" altLang="ko-KR" dirty="0"/>
+                  <a:t>.</a:t>
+                </a:r>
+              </a:p>
+              <a:p>
+                <a:r>
+                  <a:rPr lang="ko-KR" altLang="en-US" dirty="0"/>
+                  <a:t>다이나믹 프로그래밍처럼 </a:t>
+                </a:r>
+                <a:r>
+                  <a:rPr lang="ko-KR" altLang="en-US" dirty="0" err="1"/>
+                  <a:t>기댓값을</a:t>
+                </a:r>
+                <a:r>
+                  <a:rPr lang="ko-KR" altLang="en-US" dirty="0"/>
+                  <a:t> 계산하지 않고 </a:t>
+                </a:r>
+                <a:r>
+                  <a:rPr lang="en-US" altLang="ko-KR" sz="1200" b="0" i="0">
+                    <a:solidFill>
+                      <a:srgbClr val="FF0000"/>
+                    </a:solidFill>
+                    <a:latin typeface="Cambria Math"/>
+                    <a:ea typeface="Cambria Math"/>
+                  </a:rPr>
+                  <a:t>𝑅</a:t>
+                </a:r>
+                <a:r>
+                  <a:rPr lang="en-US" altLang="ko-KR" sz="1200" i="0">
+                    <a:solidFill>
+                      <a:srgbClr val="FF0000"/>
+                    </a:solidFill>
+                    <a:latin typeface="Cambria Math"/>
+                  </a:rPr>
+                  <a:t>+</a:t>
+                </a:r>
+                <a:r>
+                  <a:rPr lang="ko-KR" altLang="en-US" sz="1200" i="0">
+                    <a:solidFill>
+                      <a:srgbClr val="FF0000"/>
+                    </a:solidFill>
+                    <a:latin typeface="Cambria Math"/>
+                  </a:rPr>
+                  <a:t>𝛾</a:t>
+                </a:r>
+                <a:r>
+                  <a:rPr lang="en-US" altLang="ko-KR" sz="1200" i="0">
+                    <a:solidFill>
+                      <a:srgbClr val="FF0000"/>
+                    </a:solidFill>
+                    <a:latin typeface="Cambria Math"/>
+                  </a:rPr>
+                  <a:t>𝑣</a:t>
+                </a:r>
+                <a:r>
+                  <a:rPr lang="en-US" altLang="ko-KR" sz="1200" i="0">
+                    <a:solidFill>
+                      <a:srgbClr val="FF0000"/>
+                    </a:solidFill>
+                    <a:latin typeface="Cambria Math" panose="02040503050406030204" pitchFamily="18" charset="0"/>
+                  </a:rPr>
+                  <a:t>_</a:t>
+                </a:r>
+                <a:r>
+                  <a:rPr lang="ko-KR" altLang="en-US" sz="1200" i="0">
+                    <a:solidFill>
+                      <a:srgbClr val="FF0000"/>
+                    </a:solidFill>
+                    <a:latin typeface="Cambria Math"/>
+                  </a:rPr>
+                  <a:t>𝜋</a:t>
+                </a:r>
+                <a:r>
+                  <a:rPr lang="en-US" altLang="ko-KR" sz="1200" b="0" i="0">
+                    <a:solidFill>
+                      <a:srgbClr val="FF0000"/>
+                    </a:solidFill>
+                    <a:latin typeface="Cambria Math"/>
+                  </a:rPr>
+                  <a:t> (𝑆</a:t>
+                </a:r>
+                <a:r>
+                  <a:rPr lang="en-US" altLang="ko-KR" sz="1200" b="0" i="0">
+                    <a:solidFill>
+                      <a:srgbClr val="FF0000"/>
+                    </a:solidFill>
+                    <a:latin typeface="Cambria Math" panose="02040503050406030204" pitchFamily="18" charset="0"/>
+                  </a:rPr>
+                  <a:t>_(</a:t>
+                </a:r>
+                <a:r>
+                  <a:rPr lang="en-US" altLang="ko-KR" sz="1200" b="0" i="0">
+                    <a:solidFill>
+                      <a:srgbClr val="FF0000"/>
+                    </a:solidFill>
+                    <a:latin typeface="Cambria Math"/>
+                  </a:rPr>
+                  <a:t>𝑡+1</a:t>
+                </a:r>
+                <a:r>
+                  <a:rPr lang="en-US" altLang="ko-KR" sz="1200" b="0" i="0">
+                    <a:solidFill>
+                      <a:srgbClr val="FF0000"/>
+                    </a:solidFill>
+                    <a:latin typeface="Cambria Math" panose="02040503050406030204" pitchFamily="18" charset="0"/>
+                  </a:rPr>
+                  <a:t>)</a:t>
+                </a:r>
+                <a:r>
+                  <a:rPr lang="en-US" altLang="ko-KR" sz="1200" b="0" i="0">
+                    <a:solidFill>
+                      <a:srgbClr val="FF0000"/>
+                    </a:solidFill>
+                    <a:latin typeface="Cambria Math"/>
+                  </a:rPr>
+                  <a:t>)</a:t>
+                </a:r>
+                <a:r>
+                  <a:rPr lang="ko-KR" altLang="en-US" dirty="0"/>
+                  <a:t>값을 샘플링해서 그 값으로 현재의 가치함수를 업데이트한다</a:t>
+                </a:r>
+                <a:r>
+                  <a:rPr lang="en-US" altLang="ko-KR" dirty="0"/>
+                  <a:t>.</a:t>
+                </a:r>
+              </a:p>
+              <a:p>
+                <a:r>
+                  <a:rPr lang="en-US" altLang="ko-KR" i="0">
+                    <a:solidFill>
+                      <a:schemeClr val="tx1"/>
+                    </a:solidFill>
+                    <a:latin typeface="Cambria Math"/>
+                    <a:ea typeface="Cambria Math"/>
+                  </a:rPr>
+                  <a:t>𝑅</a:t>
+                </a:r>
+                <a:r>
+                  <a:rPr lang="en-US" altLang="ko-KR" i="0">
+                    <a:solidFill>
+                      <a:schemeClr val="tx1"/>
+                    </a:solidFill>
+                    <a:latin typeface="Cambria Math"/>
+                  </a:rPr>
+                  <a:t>+</a:t>
+                </a:r>
+                <a:r>
+                  <a:rPr lang="ko-KR" altLang="en-US" i="0">
+                    <a:solidFill>
+                      <a:schemeClr val="tx1"/>
+                    </a:solidFill>
+                    <a:latin typeface="Cambria Math"/>
+                  </a:rPr>
+                  <a:t>𝛾</a:t>
+                </a:r>
+                <a:r>
+                  <a:rPr lang="en-US" altLang="ko-KR" i="0">
+                    <a:solidFill>
+                      <a:schemeClr val="tx1"/>
+                    </a:solidFill>
+                    <a:latin typeface="Cambria Math"/>
+                  </a:rPr>
+                  <a:t>𝑣</a:t>
+                </a:r>
+                <a:r>
+                  <a:rPr lang="en-US" altLang="ko-KR" i="0">
+                    <a:solidFill>
+                      <a:schemeClr val="tx1"/>
+                    </a:solidFill>
+                    <a:latin typeface="Cambria Math" panose="02040503050406030204" pitchFamily="18" charset="0"/>
+                  </a:rPr>
+                  <a:t>_</a:t>
+                </a:r>
+                <a:r>
+                  <a:rPr lang="ko-KR" altLang="en-US" i="0">
+                    <a:solidFill>
+                      <a:schemeClr val="tx1"/>
+                    </a:solidFill>
+                    <a:latin typeface="Cambria Math"/>
+                  </a:rPr>
+                  <a:t>𝜋</a:t>
+                </a:r>
+                <a:r>
+                  <a:rPr lang="en-US" altLang="ko-KR" i="0">
+                    <a:solidFill>
+                      <a:schemeClr val="tx1"/>
+                    </a:solidFill>
+                    <a:latin typeface="Cambria Math"/>
+                  </a:rPr>
+                  <a:t> (𝑆</a:t>
+                </a:r>
+                <a:r>
+                  <a:rPr lang="en-US" altLang="ko-KR" i="0">
+                    <a:solidFill>
+                      <a:schemeClr val="tx1"/>
+                    </a:solidFill>
+                    <a:latin typeface="Cambria Math" panose="02040503050406030204" pitchFamily="18" charset="0"/>
+                  </a:rPr>
+                  <a:t>_(</a:t>
+                </a:r>
+                <a:r>
+                  <a:rPr lang="en-US" altLang="ko-KR" i="0">
+                    <a:solidFill>
+                      <a:schemeClr val="tx1"/>
+                    </a:solidFill>
+                    <a:latin typeface="Cambria Math"/>
+                  </a:rPr>
+                  <a:t>𝑡+1</a:t>
+                </a:r>
+                <a:r>
+                  <a:rPr lang="en-US" altLang="ko-KR" i="0">
+                    <a:solidFill>
+                      <a:schemeClr val="tx1"/>
+                    </a:solidFill>
+                    <a:latin typeface="Cambria Math" panose="02040503050406030204" pitchFamily="18" charset="0"/>
+                  </a:rPr>
+                  <a:t>)</a:t>
+                </a:r>
+                <a:r>
+                  <a:rPr lang="en-US" altLang="ko-KR" i="0">
+                    <a:solidFill>
+                      <a:schemeClr val="tx1"/>
+                    </a:solidFill>
+                    <a:latin typeface="Cambria Math"/>
+                  </a:rPr>
+                  <a:t>)</a:t>
+                </a:r>
+                <a:r>
+                  <a:rPr lang="ko-KR" altLang="en-US" dirty="0"/>
+                  <a:t>은 몬테카를로 예측에서의 경우와 같이 </a:t>
+                </a:r>
+                <a:r>
+                  <a:rPr lang="ko-KR" altLang="en-US" dirty="0" err="1"/>
+                  <a:t>실제값인</a:t>
+                </a:r>
+                <a:r>
+                  <a:rPr lang="ko-KR" altLang="en-US" dirty="0"/>
+                  <a:t> </a:t>
+                </a:r>
+                <a:r>
+                  <a:rPr lang="ko-KR" altLang="en-US" dirty="0" err="1">
+                    <a:solidFill>
+                      <a:schemeClr val="tx1"/>
+                    </a:solidFill>
+                  </a:rPr>
+                  <a:t>반환값이</a:t>
+                </a:r>
+                <a:r>
+                  <a:rPr lang="ko-KR" altLang="en-US" dirty="0">
+                    <a:solidFill>
+                      <a:schemeClr val="tx1"/>
+                    </a:solidFill>
+                  </a:rPr>
+                  <a:t> 아닌 현재 에이전트가 가지고 있는 값이다</a:t>
+                </a:r>
+                <a:r>
+                  <a:rPr lang="en-US" altLang="ko-KR" dirty="0">
+                    <a:solidFill>
+                      <a:schemeClr val="tx1"/>
+                    </a:solidFill>
+                  </a:rPr>
+                  <a:t>.</a:t>
+                </a:r>
+              </a:p>
+              <a:p>
+                <a:r>
+                  <a:rPr lang="ko-KR" altLang="en-US" dirty="0">
+                    <a:solidFill>
+                      <a:schemeClr val="tx1"/>
+                    </a:solidFill>
+                  </a:rPr>
+                  <a:t>현재 에이전트는 </a:t>
+                </a:r>
+                <a:r>
+                  <a:rPr lang="en-US" altLang="ko-KR" i="0">
+                    <a:solidFill>
+                      <a:schemeClr val="tx1"/>
+                    </a:solidFill>
+                    <a:latin typeface="Cambria Math"/>
+                  </a:rPr>
+                  <a:t>𝑣</a:t>
+                </a:r>
+                <a:r>
+                  <a:rPr lang="en-US" altLang="ko-KR" i="0">
+                    <a:solidFill>
+                      <a:schemeClr val="tx1"/>
+                    </a:solidFill>
+                    <a:latin typeface="Cambria Math" panose="02040503050406030204" pitchFamily="18" charset="0"/>
+                  </a:rPr>
+                  <a:t>_</a:t>
+                </a:r>
+                <a:r>
+                  <a:rPr lang="ko-KR" altLang="en-US" i="0">
+                    <a:solidFill>
+                      <a:schemeClr val="tx1"/>
+                    </a:solidFill>
+                    <a:latin typeface="Cambria Math"/>
+                  </a:rPr>
+                  <a:t>𝜋</a:t>
+                </a:r>
+                <a:r>
+                  <a:rPr lang="en-US" altLang="ko-KR" i="0">
+                    <a:solidFill>
+                      <a:schemeClr val="tx1"/>
+                    </a:solidFill>
+                    <a:latin typeface="Cambria Math"/>
+                  </a:rPr>
+                  <a:t> (𝑆</a:t>
+                </a:r>
+                <a:r>
+                  <a:rPr lang="en-US" altLang="ko-KR" i="0">
+                    <a:solidFill>
+                      <a:schemeClr val="tx1"/>
+                    </a:solidFill>
+                    <a:latin typeface="Cambria Math" panose="02040503050406030204" pitchFamily="18" charset="0"/>
+                  </a:rPr>
+                  <a:t>_(</a:t>
+                </a:r>
+                <a:r>
+                  <a:rPr lang="en-US" altLang="ko-KR" i="0">
+                    <a:solidFill>
+                      <a:schemeClr val="tx1"/>
+                    </a:solidFill>
+                    <a:latin typeface="Cambria Math"/>
+                  </a:rPr>
+                  <a:t>𝑡+1</a:t>
+                </a:r>
+                <a:r>
+                  <a:rPr lang="en-US" altLang="ko-KR" i="0">
+                    <a:solidFill>
+                      <a:schemeClr val="tx1"/>
+                    </a:solidFill>
+                    <a:latin typeface="Cambria Math" panose="02040503050406030204" pitchFamily="18" charset="0"/>
+                  </a:rPr>
+                  <a:t>)</a:t>
+                </a:r>
+                <a:r>
+                  <a:rPr lang="en-US" altLang="ko-KR" i="0">
+                    <a:solidFill>
+                      <a:schemeClr val="tx1"/>
+                    </a:solidFill>
+                    <a:latin typeface="Cambria Math"/>
+                  </a:rPr>
+                  <a:t>)</a:t>
+                </a:r>
+                <a:r>
+                  <a:rPr lang="ko-KR" altLang="en-US" dirty="0">
+                    <a:solidFill>
+                      <a:schemeClr val="tx1"/>
+                    </a:solidFill>
+                  </a:rPr>
+                  <a:t> 이 값을 </a:t>
+                </a:r>
+                <a:r>
+                  <a:rPr lang="en-US" altLang="ko-KR" i="0">
+                    <a:solidFill>
+                      <a:schemeClr val="tx1"/>
+                    </a:solidFill>
+                    <a:latin typeface="Cambria Math"/>
+                  </a:rPr>
+                  <a:t>𝑆</a:t>
+                </a:r>
+                <a:r>
+                  <a:rPr lang="en-US" altLang="ko-KR" i="0">
+                    <a:solidFill>
+                      <a:schemeClr val="tx1"/>
+                    </a:solidFill>
+                    <a:latin typeface="Cambria Math" panose="02040503050406030204" pitchFamily="18" charset="0"/>
+                  </a:rPr>
+                  <a:t>_(</a:t>
+                </a:r>
+                <a:r>
+                  <a:rPr lang="en-US" altLang="ko-KR" i="0">
+                    <a:solidFill>
+                      <a:schemeClr val="tx1"/>
+                    </a:solidFill>
+                    <a:latin typeface="Cambria Math"/>
+                  </a:rPr>
+                  <a:t>𝑡+1</a:t>
+                </a:r>
+                <a:r>
+                  <a:rPr lang="en-US" altLang="ko-KR" i="0">
+                    <a:solidFill>
+                      <a:schemeClr val="tx1"/>
+                    </a:solidFill>
+                    <a:latin typeface="Cambria Math" panose="02040503050406030204" pitchFamily="18" charset="0"/>
+                  </a:rPr>
+                  <a:t>)</a:t>
+                </a:r>
+                <a:r>
+                  <a:rPr lang="ko-KR" altLang="en-US" dirty="0"/>
+                  <a:t>의 가치함수일 것이라고 예측하고 있다</a:t>
+                </a:r>
+                <a:endParaRPr lang="en-US" altLang="ko-KR" dirty="0"/>
+              </a:p>
+              <a:p>
+                <a:r>
+                  <a:rPr lang="ko-KR" altLang="en-US" dirty="0"/>
+                  <a:t>다른 상태의 가치함수 </a:t>
+                </a:r>
+                <a:r>
+                  <a:rPr lang="ko-KR" altLang="en-US" dirty="0" err="1"/>
+                  <a:t>예측값을</a:t>
+                </a:r>
+                <a:r>
+                  <a:rPr lang="ko-KR" altLang="en-US" dirty="0"/>
+                  <a:t> 통해 지금 상태의 가치함수를 예측하는 이러한 방식을 부트스트랩</a:t>
+                </a:r>
+                <a:r>
+                  <a:rPr lang="en-US" altLang="ko-KR" dirty="0"/>
+                  <a:t>(Bootstrap)</a:t>
+                </a:r>
+                <a:r>
+                  <a:rPr lang="ko-KR" altLang="en-US" dirty="0"/>
+                  <a:t>이라고 한다</a:t>
+                </a:r>
+                <a:r>
+                  <a:rPr lang="en-US" altLang="ko-KR" dirty="0"/>
+                  <a:t>.</a:t>
+                </a:r>
+              </a:p>
+              <a:p>
+                <a:r>
+                  <a:rPr lang="ko-KR" altLang="en-US" dirty="0"/>
+                  <a:t>즉</a:t>
+                </a:r>
+                <a:r>
+                  <a:rPr lang="en-US" altLang="ko-KR" dirty="0"/>
+                  <a:t>, </a:t>
+                </a:r>
+                <a:r>
+                  <a:rPr lang="ko-KR" altLang="en-US" dirty="0"/>
+                  <a:t>업데이트 목표도 정확하지 않은 상황에서 가치함수를 업데이트 하는 것</a:t>
+                </a:r>
+                <a:endParaRPr lang="en-US" altLang="ko-KR" dirty="0"/>
+              </a:p>
+              <a:p>
+                <a:r>
+                  <a:rPr lang="ko-KR" altLang="en-US" dirty="0"/>
+                  <a:t>시간차 예측은 충분히 많은 샘플링을 통해 업데이트 하면 참 가치함수에 수렴하며</a:t>
+                </a:r>
+                <a:endParaRPr lang="en-US" altLang="ko-KR" dirty="0"/>
+              </a:p>
+              <a:p>
+                <a:r>
+                  <a:rPr lang="ko-KR" altLang="en-US" dirty="0"/>
+                  <a:t>많은 경우에 몬테카를로 예측보다 더 효율적으로 빠른 시간 안에 참 가치함수에 근접한다</a:t>
+                </a:r>
+                <a:endParaRPr lang="en-US" altLang="ko-KR" dirty="0"/>
+              </a:p>
+            </p:txBody>
+          </p:sp>
+        </mc:Fallback>
+      </mc:AlternateContent>
+      <p:sp>
+        <p:nvSpPr>
+          <p:cNvPr id="4" name="슬라이드 번호 개체 틀 3"/>
+          <p:cNvSpPr>
+            <a:spLocks noGrp="1"/>
+          </p:cNvSpPr>
+          <p:nvPr>
+            <p:ph type="sldNum" sz="quarter" idx="5"/>
+          </p:nvPr>
+        </p:nvSpPr>
+        <p:spPr/>
+        <p:txBody>
+          <a:bodyPr/>
+          <a:lstStyle/>
+          <a:p>
+            <a:fld id="{D9DA5618-798F-4F1B-8031-90869F9747A6}" type="slidenum">
+              <a:rPr lang="ko-KR" altLang="en-US" smtClean="0"/>
+              <a:t>12</a:t>
+            </a:fld>
+            <a:endParaRPr lang="ko-KR" altLang="en-US"/>
+          </a:p>
+        </p:txBody>
+      </p:sp>
+    </p:spTree>
+    <p:extLst>
+      <p:ext uri="{BB962C8B-B14F-4D97-AF65-F5344CB8AC3E}">
+        <p14:creationId xmlns:p14="http://schemas.microsoft.com/office/powerpoint/2010/main" val="2869005778"/>
       </p:ext>
     </p:extLst>
   </p:cSld>
@@ -1093,7 +2950,7 @@
           <a:p>
             <a:fld id="{E36A6EB0-D642-48BE-9DDA-390B55E29FC0}" type="datetimeFigureOut">
               <a:rPr lang="ko-KR" altLang="en-US" smtClean="0"/>
-              <a:t>2019-09-05</a:t>
+              <a:t>2019-09-09</a:t>
             </a:fld>
             <a:endParaRPr lang="ko-KR" altLang="en-US"/>
           </a:p>
@@ -1291,7 +3148,7 @@
           <a:p>
             <a:fld id="{E36A6EB0-D642-48BE-9DDA-390B55E29FC0}" type="datetimeFigureOut">
               <a:rPr lang="ko-KR" altLang="en-US" smtClean="0"/>
-              <a:t>2019-09-05</a:t>
+              <a:t>2019-09-09</a:t>
             </a:fld>
             <a:endParaRPr lang="ko-KR" altLang="en-US"/>
           </a:p>
@@ -1499,7 +3356,7 @@
           <a:p>
             <a:fld id="{E36A6EB0-D642-48BE-9DDA-390B55E29FC0}" type="datetimeFigureOut">
               <a:rPr lang="ko-KR" altLang="en-US" smtClean="0"/>
-              <a:t>2019-09-05</a:t>
+              <a:t>2019-09-09</a:t>
             </a:fld>
             <a:endParaRPr lang="ko-KR" altLang="en-US"/>
           </a:p>
@@ -1697,7 +3554,7 @@
           <a:p>
             <a:fld id="{E36A6EB0-D642-48BE-9DDA-390B55E29FC0}" type="datetimeFigureOut">
               <a:rPr lang="ko-KR" altLang="en-US" smtClean="0"/>
-              <a:t>2019-09-05</a:t>
+              <a:t>2019-09-09</a:t>
             </a:fld>
             <a:endParaRPr lang="ko-KR" altLang="en-US"/>
           </a:p>
@@ -1972,7 +3829,7 @@
           <a:p>
             <a:fld id="{E36A6EB0-D642-48BE-9DDA-390B55E29FC0}" type="datetimeFigureOut">
               <a:rPr lang="ko-KR" altLang="en-US" smtClean="0"/>
-              <a:t>2019-09-05</a:t>
+              <a:t>2019-09-09</a:t>
             </a:fld>
             <a:endParaRPr lang="ko-KR" altLang="en-US"/>
           </a:p>
@@ -2237,7 +4094,7 @@
           <a:p>
             <a:fld id="{E36A6EB0-D642-48BE-9DDA-390B55E29FC0}" type="datetimeFigureOut">
               <a:rPr lang="ko-KR" altLang="en-US" smtClean="0"/>
-              <a:t>2019-09-05</a:t>
+              <a:t>2019-09-09</a:t>
             </a:fld>
             <a:endParaRPr lang="ko-KR" altLang="en-US"/>
           </a:p>
@@ -2649,7 +4506,7 @@
           <a:p>
             <a:fld id="{E36A6EB0-D642-48BE-9DDA-390B55E29FC0}" type="datetimeFigureOut">
               <a:rPr lang="ko-KR" altLang="en-US" smtClean="0"/>
-              <a:t>2019-09-05</a:t>
+              <a:t>2019-09-09</a:t>
             </a:fld>
             <a:endParaRPr lang="ko-KR" altLang="en-US"/>
           </a:p>
@@ -2790,7 +4647,7 @@
           <a:p>
             <a:fld id="{E36A6EB0-D642-48BE-9DDA-390B55E29FC0}" type="datetimeFigureOut">
               <a:rPr lang="ko-KR" altLang="en-US" smtClean="0"/>
-              <a:t>2019-09-05</a:t>
+              <a:t>2019-09-09</a:t>
             </a:fld>
             <a:endParaRPr lang="ko-KR" altLang="en-US"/>
           </a:p>
@@ -2903,7 +4760,7 @@
           <a:p>
             <a:fld id="{E36A6EB0-D642-48BE-9DDA-390B55E29FC0}" type="datetimeFigureOut">
               <a:rPr lang="ko-KR" altLang="en-US" smtClean="0"/>
-              <a:t>2019-09-05</a:t>
+              <a:t>2019-09-09</a:t>
             </a:fld>
             <a:endParaRPr lang="ko-KR" altLang="en-US"/>
           </a:p>
@@ -3214,7 +5071,7 @@
           <a:p>
             <a:fld id="{E36A6EB0-D642-48BE-9DDA-390B55E29FC0}" type="datetimeFigureOut">
               <a:rPr lang="ko-KR" altLang="en-US" smtClean="0"/>
-              <a:t>2019-09-05</a:t>
+              <a:t>2019-09-09</a:t>
             </a:fld>
             <a:endParaRPr lang="ko-KR" altLang="en-US"/>
           </a:p>
@@ -3502,7 +5359,7 @@
           <a:p>
             <a:fld id="{E36A6EB0-D642-48BE-9DDA-390B55E29FC0}" type="datetimeFigureOut">
               <a:rPr lang="ko-KR" altLang="en-US" smtClean="0"/>
-              <a:t>2019-09-05</a:t>
+              <a:t>2019-09-09</a:t>
             </a:fld>
             <a:endParaRPr lang="ko-KR" altLang="en-US"/>
           </a:p>
@@ -3743,7 +5600,7 @@
           <a:p>
             <a:fld id="{E36A6EB0-D642-48BE-9DDA-390B55E29FC0}" type="datetimeFigureOut">
               <a:rPr lang="ko-KR" altLang="en-US" smtClean="0"/>
-              <a:t>2019-09-05</a:t>
+              <a:t>2019-09-09</a:t>
             </a:fld>
             <a:endParaRPr lang="ko-KR" altLang="en-US"/>
           </a:p>
@@ -4316,75 +6173,6 @@
       </p:sp>
       <p:sp>
         <p:nvSpPr>
-          <p:cNvPr id="4" name="Rectangle 2">
-            <a:extLst>
-              <a:ext uri="{FF2B5EF4-FFF2-40B4-BE49-F238E27FC236}">
-                <a16:creationId xmlns:a16="http://schemas.microsoft.com/office/drawing/2014/main" id="{338D12FF-78B7-4429-82B8-06CD25E008F4}"/>
-              </a:ext>
-            </a:extLst>
-          </p:cNvPr>
-          <p:cNvSpPr>
-            <a:spLocks noChangeArrowheads="1"/>
-          </p:cNvSpPr>
-          <p:nvPr/>
-        </p:nvSpPr>
-        <p:spPr bwMode="auto">
-          <a:xfrm>
-            <a:off x="6899563" y="1762124"/>
-            <a:ext cx="12192000" cy="457200"/>
-          </a:xfrm>
-          <a:prstGeom prst="rect">
-            <a:avLst/>
-          </a:prstGeom>
-          <a:noFill/>
-          <a:ln>
-            <a:noFill/>
-          </a:ln>
-          <a:effectLst/>
-          <a:extLst>
-            <a:ext uri="{909E8E84-426E-40DD-AFC4-6F175D3DCCD1}">
-              <a14:hiddenFill xmlns:a14="http://schemas.microsoft.com/office/drawing/2010/main">
-                <a:solidFill>
-                  <a:schemeClr val="accent1"/>
-                </a:solidFill>
-              </a14:hiddenFill>
-            </a:ext>
-            <a:ext uri="{91240B29-F687-4F45-9708-019B960494DF}">
-              <a14:hiddenLine xmlns:a14="http://schemas.microsoft.com/office/drawing/2010/main" w="9525">
-                <a:solidFill>
-                  <a:schemeClr val="tx1"/>
-                </a:solidFill>
-                <a:miter lim="800000"/>
-                <a:headEnd/>
-                <a:tailEnd/>
-              </a14:hiddenLine>
-            </a:ext>
-            <a:ext uri="{AF507438-7753-43E0-B8FC-AC1667EBCBE1}">
-              <a14:hiddenEffects xmlns:a14="http://schemas.microsoft.com/office/drawing/2010/main">
-                <a:effectLst>
-                  <a:outerShdw dist="35921" dir="2700000" algn="ctr" rotWithShape="0">
-                    <a:schemeClr val="bg2"/>
-                  </a:outerShdw>
-                </a:effectLst>
-              </a14:hiddenEffects>
-            </a:ext>
-          </a:extLst>
-        </p:spPr>
-        <p:txBody>
-          <a:bodyPr vert="horz" wrap="none" lIns="91440" tIns="45720" rIns="91440" bIns="45720" numCol="1" anchor="ctr" anchorCtr="0" compatLnSpc="1">
-            <a:prstTxWarp prst="textNoShape">
-              <a:avLst/>
-            </a:prstTxWarp>
-            <a:spAutoFit/>
-          </a:bodyPr>
-          <a:lstStyle/>
-          <a:p>
-            <a:endParaRPr lang="ko-KR" altLang="en-US"/>
-          </a:p>
-        </p:txBody>
-      </p:sp>
-      <p:sp>
-        <p:nvSpPr>
           <p:cNvPr id="19" name="직사각형 18">
             <a:extLst>
               <a:ext uri="{FF2B5EF4-FFF2-40B4-BE49-F238E27FC236}">
@@ -4659,7 +6447,7 @@
           </p:nvPr>
         </p:nvPicPr>
         <p:blipFill>
-          <a:blip r:embed="rId2"/>
+          <a:blip r:embed="rId3"/>
           <a:stretch>
             <a:fillRect/>
           </a:stretch>
@@ -4899,15 +6687,15 @@
             <a:pPr fontAlgn="base"/>
             <a:r>
               <a:rPr lang="ko-KR" altLang="en-US" sz="2400" dirty="0"/>
-              <a:t>        은 현재 받은 </a:t>
+              <a:t>추정된 가치함수      은 현재 받은 </a:t>
             </a:r>
             <a:r>
               <a:rPr lang="ko-KR" altLang="en-US" sz="2400" dirty="0" err="1"/>
-              <a:t>반환값과</a:t>
+              <a:t>반환값</a:t>
             </a:r>
             <a:r>
               <a:rPr lang="ko-KR" altLang="en-US" sz="2400" dirty="0"/>
-              <a:t> 이전에 받은 </a:t>
+              <a:t>    과 이전에 받은 </a:t>
             </a:r>
             <a:r>
               <a:rPr lang="ko-KR" altLang="en-US" sz="2400" dirty="0" err="1"/>
@@ -4915,7 +6703,21 @@
             </a:r>
             <a:r>
               <a:rPr lang="ko-KR" altLang="en-US" sz="2400" dirty="0"/>
-              <a:t> 합을 </a:t>
+              <a:t> 합   </a:t>
+            </a:r>
+            <a:endParaRPr lang="en-US" altLang="ko-KR" sz="2400" dirty="0"/>
+          </a:p>
+          <a:p>
+            <a:pPr marL="0" indent="0" fontAlgn="base">
+              <a:buNone/>
+            </a:pPr>
+            <a:r>
+              <a:rPr lang="en-US" altLang="ko-KR" sz="2400" dirty="0"/>
+              <a:t>  </a:t>
+            </a:r>
+            <a:r>
+              <a:rPr lang="ko-KR" altLang="en-US" sz="2400" dirty="0"/>
+              <a:t>을 </a:t>
             </a:r>
             <a:r>
               <a:rPr lang="ko-KR" altLang="en-US" sz="2400" dirty="0" err="1"/>
@@ -4929,8 +6731,8 @@
           </a:p>
         </p:txBody>
       </p:sp>
-      <mc:AlternateContent xmlns:mc="http://schemas.openxmlformats.org/markup-compatibility/2006" xmlns:a14="http://schemas.microsoft.com/office/drawing/2010/main">
-        <mc:Choice Requires="a14">
+      <mc:AlternateContent xmlns:mc="http://schemas.openxmlformats.org/markup-compatibility/2006">
+        <mc:Choice xmlns:a14="http://schemas.microsoft.com/office/drawing/2010/main" Requires="a14">
           <p:sp>
             <p:nvSpPr>
               <p:cNvPr id="25" name="TextBox 24">
@@ -4945,8 +6747,8 @@
             </p:nvSpPr>
             <p:spPr>
               <a:xfrm>
-                <a:off x="667327" y="4547975"/>
-                <a:ext cx="4480616" cy="870559"/>
+                <a:off x="1352653" y="4627988"/>
+                <a:ext cx="4954004" cy="1043363"/>
               </a:xfrm>
               <a:prstGeom prst="rect">
                 <a:avLst/>
@@ -4969,14 +6771,14 @@
                       <m:sSub>
                         <m:sSubPr>
                           <m:ctrlPr>
-                            <a:rPr lang="en-US" altLang="ko-KR" i="1" smtClean="0">
+                            <a:rPr lang="en-US" altLang="ko-KR" sz="2200" i="1" smtClean="0">
                               <a:latin typeface="Cambria Math" panose="02040503050406030204" pitchFamily="18" charset="0"/>
                             </a:rPr>
                           </m:ctrlPr>
                         </m:sSubPr>
                         <m:e>
                           <m:r>
-                            <a:rPr lang="en-US" altLang="ko-KR" b="0" i="1" smtClean="0">
+                            <a:rPr lang="en-US" altLang="ko-KR" sz="2200" b="0" i="1" smtClean="0">
                               <a:latin typeface="Cambria Math"/>
                             </a:rPr>
                             <m:t>𝑉</m:t>
@@ -4984,13 +6786,13 @@
                         </m:e>
                         <m:sub>
                           <m:r>
-                            <a:rPr lang="en-US" altLang="ko-KR" b="0" i="1" smtClean="0">
+                            <a:rPr lang="en-US" altLang="ko-KR" sz="2200" b="0" i="1" smtClean="0">
                               <a:latin typeface="Cambria Math"/>
                             </a:rPr>
                             <m:t>𝑛</m:t>
                           </m:r>
                           <m:r>
-                            <a:rPr lang="en-US" altLang="ko-KR" b="0" i="1" smtClean="0">
+                            <a:rPr lang="en-US" altLang="ko-KR" sz="2200" b="0" i="1" smtClean="0">
                               <a:latin typeface="Cambria Math"/>
                             </a:rPr>
                             <m:t>+1</m:t>
@@ -4998,7 +6800,7 @@
                         </m:sub>
                       </m:sSub>
                       <m:r>
-                        <a:rPr lang="en-US" altLang="ko-KR" b="0" i="1" smtClean="0">
+                        <a:rPr lang="en-US" altLang="ko-KR" sz="2200" b="0" i="1" smtClean="0">
                           <a:latin typeface="Cambria Math"/>
                         </a:rPr>
                         <m:t>=</m:t>
@@ -5006,14 +6808,14 @@
                       <m:f>
                         <m:fPr>
                           <m:ctrlPr>
-                            <a:rPr lang="en-US" altLang="ko-KR" b="0" i="1" smtClean="0">
+                            <a:rPr lang="en-US" altLang="ko-KR" sz="2200" b="0" i="1" smtClean="0">
                               <a:latin typeface="Cambria Math" panose="02040503050406030204" pitchFamily="18" charset="0"/>
                             </a:rPr>
                           </m:ctrlPr>
                         </m:fPr>
                         <m:num>
                           <m:r>
-                            <a:rPr lang="en-US" altLang="ko-KR" b="0" i="1" smtClean="0">
+                            <a:rPr lang="en-US" altLang="ko-KR" sz="2200" b="0" i="1" smtClean="0">
                               <a:latin typeface="Cambria Math"/>
                             </a:rPr>
                             <m:t>1</m:t>
@@ -5021,7 +6823,7 @@
                         </m:num>
                         <m:den>
                           <m:r>
-                            <a:rPr lang="en-US" altLang="ko-KR" b="0" i="1" smtClean="0">
+                            <a:rPr lang="en-US" altLang="ko-KR" sz="2200" b="0" i="1" smtClean="0">
                               <a:latin typeface="Cambria Math"/>
                             </a:rPr>
                             <m:t>𝑛</m:t>
@@ -5033,7 +6835,7 @@
                           <m:chr m:val="∑"/>
                           <m:limLoc m:val="subSup"/>
                           <m:ctrlPr>
-                            <a:rPr lang="en-US" altLang="ko-KR" b="0" i="1" smtClean="0">
+                            <a:rPr lang="en-US" altLang="ko-KR" sz="2200" b="0" i="1" smtClean="0">
                               <a:latin typeface="Cambria Math" panose="02040503050406030204" pitchFamily="18" charset="0"/>
                             </a:rPr>
                           </m:ctrlPr>
@@ -5043,13 +6845,13 @@
                             <m:rPr>
                               <m:brk m:alnAt="25"/>
                             </m:rPr>
-                            <a:rPr lang="en-US" altLang="ko-KR" b="0" i="1" smtClean="0">
+                            <a:rPr lang="en-US" altLang="ko-KR" sz="2200" b="0" i="1" smtClean="0">
                               <a:latin typeface="Cambria Math"/>
                             </a:rPr>
                             <m:t>𝑖</m:t>
                           </m:r>
                           <m:r>
-                            <a:rPr lang="en-US" altLang="ko-KR" b="0" i="1" smtClean="0">
+                            <a:rPr lang="en-US" altLang="ko-KR" sz="2200" b="0" i="1" smtClean="0">
                               <a:latin typeface="Cambria Math"/>
                             </a:rPr>
                             <m:t>=1</m:t>
@@ -5057,7 +6859,7 @@
                         </m:sub>
                         <m:sup>
                           <m:r>
-                            <a:rPr lang="en-US" altLang="ko-KR" b="0" i="1" smtClean="0">
+                            <a:rPr lang="en-US" altLang="ko-KR" sz="2200" b="0" i="1" smtClean="0">
                               <a:latin typeface="Cambria Math"/>
                             </a:rPr>
                             <m:t>𝑛</m:t>
@@ -5067,14 +6869,14 @@
                           <m:sSub>
                             <m:sSubPr>
                               <m:ctrlPr>
-                                <a:rPr lang="en-US" altLang="ko-KR" b="0" i="1" smtClean="0">
+                                <a:rPr lang="en-US" altLang="ko-KR" sz="2200" b="0" i="1" smtClean="0">
                                   <a:latin typeface="Cambria Math" panose="02040503050406030204" pitchFamily="18" charset="0"/>
                                 </a:rPr>
                               </m:ctrlPr>
                             </m:sSubPr>
                             <m:e>
                               <m:r>
-                                <a:rPr lang="en-US" altLang="ko-KR" b="0" i="1" smtClean="0">
+                                <a:rPr lang="en-US" altLang="ko-KR" sz="2200" b="0" i="1" smtClean="0">
                                   <a:latin typeface="Cambria Math"/>
                                 </a:rPr>
                                 <m:t>𝐺</m:t>
@@ -5082,7 +6884,7 @@
                             </m:e>
                             <m:sub>
                               <m:r>
-                                <a:rPr lang="en-US" altLang="ko-KR" b="0" i="1" smtClean="0">
+                                <a:rPr lang="en-US" altLang="ko-KR" sz="2200" b="0" i="1" smtClean="0">
                                   <a:latin typeface="Cambria Math"/>
                                 </a:rPr>
                                 <m:t>𝑖</m:t>
@@ -5090,7 +6892,7 @@
                             </m:sub>
                           </m:sSub>
                           <m:r>
-                            <a:rPr lang="en-US" altLang="ko-KR" b="0" i="1" smtClean="0">
+                            <a:rPr lang="en-US" altLang="ko-KR" sz="2200" b="0" i="1" smtClean="0">
                               <a:latin typeface="Cambria Math"/>
                             </a:rPr>
                             <m:t>= </m:t>
@@ -5098,14 +6900,14 @@
                           <m:f>
                             <m:fPr>
                               <m:ctrlPr>
-                                <a:rPr lang="en-US" altLang="ko-KR" b="0" i="1" smtClean="0">
+                                <a:rPr lang="en-US" altLang="ko-KR" sz="2200" b="0" i="1" smtClean="0">
                                   <a:latin typeface="Cambria Math" panose="02040503050406030204" pitchFamily="18" charset="0"/>
                                 </a:rPr>
                               </m:ctrlPr>
                             </m:fPr>
                             <m:num>
                               <m:r>
-                                <a:rPr lang="en-US" altLang="ko-KR" b="0" i="1" smtClean="0">
+                                <a:rPr lang="en-US" altLang="ko-KR" sz="2200" b="0" i="1" smtClean="0">
                                   <a:latin typeface="Cambria Math"/>
                                 </a:rPr>
                                 <m:t>1</m:t>
@@ -5113,7 +6915,7 @@
                             </m:num>
                             <m:den>
                               <m:r>
-                                <a:rPr lang="en-US" altLang="ko-KR" b="0" i="1" smtClean="0">
+                                <a:rPr lang="en-US" altLang="ko-KR" sz="2200" b="0" i="1" smtClean="0">
                                   <a:latin typeface="Cambria Math"/>
                                 </a:rPr>
                                 <m:t>𝑛</m:t>
@@ -5121,7 +6923,7 @@
                             </m:den>
                           </m:f>
                           <m:r>
-                            <a:rPr lang="en-US" altLang="ko-KR" b="0" i="1" smtClean="0">
+                            <a:rPr lang="en-US" altLang="ko-KR" sz="2200" b="0" i="1" smtClean="0">
                               <a:latin typeface="Cambria Math"/>
                             </a:rPr>
                             <m:t>(</m:t>
@@ -5129,14 +6931,14 @@
                           <m:sSub>
                             <m:sSubPr>
                               <m:ctrlPr>
-                                <a:rPr lang="en-US" altLang="ko-KR" b="0" i="1" smtClean="0">
+                                <a:rPr lang="en-US" altLang="ko-KR" sz="2200" b="0" i="1" smtClean="0">
                                   <a:latin typeface="Cambria Math" panose="02040503050406030204" pitchFamily="18" charset="0"/>
                                 </a:rPr>
                               </m:ctrlPr>
                             </m:sSubPr>
                             <m:e>
                               <m:r>
-                                <a:rPr lang="en-US" altLang="ko-KR" b="0" i="1" smtClean="0">
+                                <a:rPr lang="en-US" altLang="ko-KR" sz="2200" b="0" i="1" smtClean="0">
                                   <a:latin typeface="Cambria Math"/>
                                 </a:rPr>
                                 <m:t>𝐺</m:t>
@@ -5144,7 +6946,7 @@
                             </m:e>
                             <m:sub>
                               <m:r>
-                                <a:rPr lang="en-US" altLang="ko-KR" b="0" i="1" smtClean="0">
+                                <a:rPr lang="en-US" altLang="ko-KR" sz="2200" b="0" i="1" smtClean="0">
                                   <a:latin typeface="Cambria Math"/>
                                 </a:rPr>
                                 <m:t>𝑛</m:t>
@@ -5152,7 +6954,7 @@
                             </m:sub>
                           </m:sSub>
                           <m:r>
-                            <a:rPr lang="en-US" altLang="ko-KR" b="0" i="1" smtClean="0">
+                            <a:rPr lang="en-US" altLang="ko-KR" sz="2200" b="0" i="1" smtClean="0">
                               <a:latin typeface="Cambria Math"/>
                             </a:rPr>
                             <m:t>+</m:t>
@@ -5161,7 +6963,7 @@
                             <m:naryPr>
                               <m:chr m:val="∑"/>
                               <m:ctrlPr>
-                                <a:rPr lang="en-US" altLang="ko-KR" b="0" i="1" smtClean="0">
+                                <a:rPr lang="en-US" altLang="ko-KR" sz="2200" b="0" i="1" smtClean="0">
                                   <a:latin typeface="Cambria Math" panose="02040503050406030204" pitchFamily="18" charset="0"/>
                                 </a:rPr>
                               </m:ctrlPr>
@@ -5171,13 +6973,13 @@
                                 <m:rPr>
                                   <m:brk m:alnAt="23"/>
                                 </m:rPr>
-                                <a:rPr lang="en-US" altLang="ko-KR" b="0" i="1" smtClean="0">
+                                <a:rPr lang="en-US" altLang="ko-KR" sz="2200" b="0" i="1" smtClean="0">
                                   <a:latin typeface="Cambria Math"/>
                                 </a:rPr>
                                 <m:t>𝑖</m:t>
                               </m:r>
                               <m:r>
-                                <a:rPr lang="en-US" altLang="ko-KR" b="0" i="1" smtClean="0">
+                                <a:rPr lang="en-US" altLang="ko-KR" sz="2200" b="0" i="1" smtClean="0">
                                   <a:latin typeface="Cambria Math"/>
                                 </a:rPr>
                                 <m:t>=1</m:t>
@@ -5185,13 +6987,13 @@
                             </m:sub>
                             <m:sup>
                               <m:r>
-                                <a:rPr lang="en-US" altLang="ko-KR" b="0" i="1" smtClean="0">
+                                <a:rPr lang="en-US" altLang="ko-KR" sz="2200" b="0" i="1" smtClean="0">
                                   <a:latin typeface="Cambria Math"/>
                                 </a:rPr>
                                 <m:t>𝑛</m:t>
                               </m:r>
                               <m:r>
-                                <a:rPr lang="en-US" altLang="ko-KR" b="0" i="1" smtClean="0">
+                                <a:rPr lang="en-US" altLang="ko-KR" sz="2200" b="0" i="1" smtClean="0">
                                   <a:latin typeface="Cambria Math"/>
                                 </a:rPr>
                                 <m:t>−1</m:t>
@@ -5201,14 +7003,14 @@
                               <m:sSub>
                                 <m:sSubPr>
                                   <m:ctrlPr>
-                                    <a:rPr lang="en-US" altLang="ko-KR" b="0" i="1" smtClean="0">
+                                    <a:rPr lang="en-US" altLang="ko-KR" sz="2200" b="0" i="1" smtClean="0">
                                       <a:latin typeface="Cambria Math" panose="02040503050406030204" pitchFamily="18" charset="0"/>
                                     </a:rPr>
                                   </m:ctrlPr>
                                 </m:sSubPr>
                                 <m:e>
                                   <m:r>
-                                    <a:rPr lang="en-US" altLang="ko-KR" b="0" i="1" smtClean="0">
+                                    <a:rPr lang="en-US" altLang="ko-KR" sz="2200" b="0" i="1" smtClean="0">
                                       <a:latin typeface="Cambria Math"/>
                                     </a:rPr>
                                     <m:t>𝐺</m:t>
@@ -5216,7 +7018,7 @@
                                 </m:e>
                                 <m:sub>
                                   <m:r>
-                                    <a:rPr lang="en-US" altLang="ko-KR" b="0" i="1" smtClean="0">
+                                    <a:rPr lang="en-US" altLang="ko-KR" sz="2200" b="0" i="1" smtClean="0">
                                       <a:latin typeface="Cambria Math"/>
                                     </a:rPr>
                                     <m:t>𝑖</m:t>
@@ -5224,7 +7026,7 @@
                                 </m:sub>
                               </m:sSub>
                               <m:r>
-                                <a:rPr lang="en-US" altLang="ko-KR" b="0" i="1" smtClean="0">
+                                <a:rPr lang="en-US" altLang="ko-KR" sz="2200" b="0" i="1" smtClean="0">
                                   <a:latin typeface="Cambria Math"/>
                                 </a:rPr>
                                 <m:t>)</m:t>
@@ -5236,12 +7038,12 @@
                     </m:oMath>
                   </m:oMathPara>
                 </a14:m>
-                <a:endParaRPr lang="ko-KR" altLang="en-US" dirty="0"/>
+                <a:endParaRPr lang="ko-KR" altLang="en-US" sz="2200" dirty="0"/>
               </a:p>
             </p:txBody>
           </p:sp>
         </mc:Choice>
-        <mc:Fallback xmlns="">
+        <mc:Fallback>
           <p:sp>
             <p:nvSpPr>
               <p:cNvPr id="25" name="TextBox 24">
@@ -5258,14 +7060,14 @@
             </p:nvSpPr>
             <p:spPr>
               <a:xfrm>
-                <a:off x="667327" y="4547975"/>
-                <a:ext cx="4480616" cy="870559"/>
+                <a:off x="1352653" y="4627988"/>
+                <a:ext cx="4954004" cy="1043363"/>
               </a:xfrm>
               <a:prstGeom prst="rect">
                 <a:avLst/>
               </a:prstGeom>
               <a:blipFill>
-                <a:blip r:embed="rId3"/>
+                <a:blip r:embed="rId4"/>
                 <a:stretch>
                   <a:fillRect/>
                 </a:stretch>
@@ -5286,38 +7088,8 @@
           </p:sp>
         </mc:Fallback>
       </mc:AlternateContent>
-      <p:pic>
-        <p:nvPicPr>
-          <p:cNvPr id="8" name="그림 7">
-            <a:extLst>
-              <a:ext uri="{FF2B5EF4-FFF2-40B4-BE49-F238E27FC236}">
-                <a16:creationId xmlns:a16="http://schemas.microsoft.com/office/drawing/2014/main" id="{37AA5157-BE3E-4E54-8C0E-A1B0480D90CA}"/>
-              </a:ext>
-            </a:extLst>
-          </p:cNvPr>
-          <p:cNvPicPr>
-            <a:picLocks noChangeAspect="1"/>
-          </p:cNvPicPr>
-          <p:nvPr/>
-        </p:nvPicPr>
-        <p:blipFill>
-          <a:blip r:embed="rId4"/>
-          <a:stretch>
-            <a:fillRect/>
-          </a:stretch>
-        </p:blipFill>
-        <p:spPr>
-          <a:xfrm>
-            <a:off x="1108149" y="3831060"/>
-            <a:ext cx="619125" cy="371475"/>
-          </a:xfrm>
-          <a:prstGeom prst="rect">
-            <a:avLst/>
-          </a:prstGeom>
-        </p:spPr>
-      </p:pic>
-      <mc:AlternateContent xmlns:mc="http://schemas.openxmlformats.org/markup-compatibility/2006" xmlns:a14="http://schemas.microsoft.com/office/drawing/2010/main">
-        <mc:Choice Requires="a14">
+      <mc:AlternateContent xmlns:mc="http://schemas.openxmlformats.org/markup-compatibility/2006">
+        <mc:Choice xmlns:a14="http://schemas.microsoft.com/office/drawing/2010/main" Requires="a14">
           <p:sp>
             <p:nvSpPr>
               <p:cNvPr id="26" name="TextBox 25">
@@ -5332,7 +7104,7 @@
             </p:nvSpPr>
             <p:spPr>
               <a:xfrm>
-                <a:off x="4774830" y="4675693"/>
+                <a:off x="5990612" y="4817913"/>
                 <a:ext cx="5248804" cy="663515"/>
               </a:xfrm>
               <a:prstGeom prst="rect">
@@ -5348,7 +7120,7 @@
               <a:p>
                 <a:r>
                   <a:rPr lang="en-US" altLang="ko-KR" sz="2400" dirty="0"/>
-                  <a:t>=</a:t>
+                  <a:t>= </a:t>
                 </a:r>
                 <a14:m>
                   <m:oMath xmlns:m="http://schemas.openxmlformats.org/officeDocument/2006/math">
@@ -5623,7 +7395,7 @@
             </p:txBody>
           </p:sp>
         </mc:Choice>
-        <mc:Fallback xmlns="">
+        <mc:Fallback>
           <p:sp>
             <p:nvSpPr>
               <p:cNvPr id="26" name="TextBox 25">
@@ -5640,7 +7412,7 @@
             </p:nvSpPr>
             <p:spPr>
               <a:xfrm>
-                <a:off x="4774830" y="4675693"/>
+                <a:off x="5990612" y="4817913"/>
                 <a:ext cx="5248804" cy="663515"/>
               </a:xfrm>
               <a:prstGeom prst="rect">
@@ -5649,7 +7421,7 @@
               <a:blipFill>
                 <a:blip r:embed="rId5"/>
                 <a:stretch>
-                  <a:fillRect l="-1742"/>
+                  <a:fillRect l="-1858"/>
                 </a:stretch>
               </a:blipFill>
             </p:spPr>
@@ -5668,8 +7440,8 @@
           </p:sp>
         </mc:Fallback>
       </mc:AlternateContent>
-      <mc:AlternateContent xmlns:mc="http://schemas.openxmlformats.org/markup-compatibility/2006" xmlns:a14="http://schemas.microsoft.com/office/drawing/2010/main">
-        <mc:Choice Requires="a14">
+      <mc:AlternateContent xmlns:mc="http://schemas.openxmlformats.org/markup-compatibility/2006">
+        <mc:Choice xmlns:a14="http://schemas.microsoft.com/office/drawing/2010/main" Requires="a14">
           <p:sp>
             <p:nvSpPr>
               <p:cNvPr id="27" name="TextBox 26">
@@ -5684,7 +7456,7 @@
             </p:nvSpPr>
             <p:spPr>
               <a:xfrm>
-                <a:off x="4806395" y="5339208"/>
+                <a:off x="6022177" y="5481428"/>
                 <a:ext cx="4169303" cy="615874"/>
               </a:xfrm>
               <a:prstGeom prst="rect">
@@ -5704,7 +7476,7 @@
                       <a:schemeClr val="tx1"/>
                     </a:solidFill>
                   </a:rPr>
-                  <a:t>=</a:t>
+                  <a:t>= </a:t>
                 </a:r>
                 <a14:m>
                   <m:oMath xmlns:m="http://schemas.openxmlformats.org/officeDocument/2006/math">
@@ -5866,7 +7638,7 @@
             </p:txBody>
           </p:sp>
         </mc:Choice>
-        <mc:Fallback xmlns="">
+        <mc:Fallback>
           <p:sp>
             <p:nvSpPr>
               <p:cNvPr id="27" name="TextBox 26">
@@ -5883,7 +7655,7 @@
             </p:nvSpPr>
             <p:spPr>
               <a:xfrm>
-                <a:off x="4806395" y="5339208"/>
+                <a:off x="6022177" y="5481428"/>
                 <a:ext cx="4169303" cy="615874"/>
               </a:xfrm>
               <a:prstGeom prst="rect">
@@ -5892,7 +7664,7 @@
               <a:blipFill>
                 <a:blip r:embed="rId6"/>
                 <a:stretch>
-                  <a:fillRect l="-2193" b="-7921"/>
+                  <a:fillRect l="-2339" b="-7921"/>
                 </a:stretch>
               </a:blipFill>
             </p:spPr>
@@ -5911,8 +7683,8 @@
           </p:sp>
         </mc:Fallback>
       </mc:AlternateContent>
-      <mc:AlternateContent xmlns:mc="http://schemas.openxmlformats.org/markup-compatibility/2006" xmlns:a14="http://schemas.microsoft.com/office/drawing/2010/main">
-        <mc:Choice Requires="a14">
+      <mc:AlternateContent xmlns:mc="http://schemas.openxmlformats.org/markup-compatibility/2006">
+        <mc:Choice xmlns:a14="http://schemas.microsoft.com/office/drawing/2010/main" Requires="a14">
           <p:sp>
             <p:nvSpPr>
               <p:cNvPr id="28" name="TextBox 27">
@@ -5927,7 +7699,7 @@
             </p:nvSpPr>
             <p:spPr>
               <a:xfrm>
-                <a:off x="4812931" y="6085394"/>
+                <a:off x="6022177" y="6102863"/>
                 <a:ext cx="3801003" cy="615874"/>
               </a:xfrm>
               <a:prstGeom prst="rect">
@@ -5943,7 +7715,7 @@
               <a:p>
                 <a:r>
                   <a:rPr lang="en-US" altLang="ko-KR" sz="2400" dirty="0"/>
-                  <a:t>=</a:t>
+                  <a:t>= </a:t>
                 </a:r>
                 <a14:m>
                   <m:oMath xmlns:m="http://schemas.openxmlformats.org/officeDocument/2006/math">
@@ -6080,7 +7852,7 @@
             </p:txBody>
           </p:sp>
         </mc:Choice>
-        <mc:Fallback xmlns="">
+        <mc:Fallback>
           <p:sp>
             <p:nvSpPr>
               <p:cNvPr id="28" name="TextBox 27">
@@ -6097,7 +7869,7 @@
             </p:nvSpPr>
             <p:spPr>
               <a:xfrm>
-                <a:off x="4812931" y="6085394"/>
+                <a:off x="6022177" y="6102863"/>
                 <a:ext cx="3801003" cy="615874"/>
               </a:xfrm>
               <a:prstGeom prst="rect">
@@ -6125,6 +7897,95 @@
           </p:sp>
         </mc:Fallback>
       </mc:AlternateContent>
+      <p:pic>
+        <p:nvPicPr>
+          <p:cNvPr id="3" name="그림 2">
+            <a:extLst>
+              <a:ext uri="{FF2B5EF4-FFF2-40B4-BE49-F238E27FC236}">
+                <a16:creationId xmlns:a16="http://schemas.microsoft.com/office/drawing/2014/main" id="{F8D46754-EC85-4B9B-876D-7B558A50BDE6}"/>
+              </a:ext>
+            </a:extLst>
+          </p:cNvPr>
+          <p:cNvPicPr>
+            <a:picLocks noChangeAspect="1"/>
+          </p:cNvPicPr>
+          <p:nvPr/>
+        </p:nvPicPr>
+        <p:blipFill>
+          <a:blip r:embed="rId8"/>
+          <a:stretch>
+            <a:fillRect/>
+          </a:stretch>
+        </p:blipFill>
+        <p:spPr>
+          <a:xfrm>
+            <a:off x="6751754" y="3814540"/>
+            <a:ext cx="329668" cy="323884"/>
+          </a:xfrm>
+          <a:prstGeom prst="rect">
+            <a:avLst/>
+          </a:prstGeom>
+        </p:spPr>
+      </p:pic>
+      <p:pic>
+        <p:nvPicPr>
+          <p:cNvPr id="5" name="그림 4">
+            <a:extLst>
+              <a:ext uri="{FF2B5EF4-FFF2-40B4-BE49-F238E27FC236}">
+                <a16:creationId xmlns:a16="http://schemas.microsoft.com/office/drawing/2014/main" id="{02CF97F9-3E16-4933-81DF-6F7682DC8BC4}"/>
+              </a:ext>
+            </a:extLst>
+          </p:cNvPr>
+          <p:cNvPicPr>
+            <a:picLocks noChangeAspect="1"/>
+          </p:cNvPicPr>
+          <p:nvPr/>
+        </p:nvPicPr>
+        <p:blipFill rotWithShape="1">
+          <a:blip r:embed="rId9"/>
+          <a:srcRect r="5265"/>
+          <a:stretch/>
+        </p:blipFill>
+        <p:spPr>
+          <a:xfrm>
+            <a:off x="3304117" y="3814540"/>
+            <a:ext cx="544513" cy="323884"/>
+          </a:xfrm>
+          <a:prstGeom prst="rect">
+            <a:avLst/>
+          </a:prstGeom>
+        </p:spPr>
+      </p:pic>
+      <p:pic>
+        <p:nvPicPr>
+          <p:cNvPr id="6" name="그림 5">
+            <a:extLst>
+              <a:ext uri="{FF2B5EF4-FFF2-40B4-BE49-F238E27FC236}">
+                <a16:creationId xmlns:a16="http://schemas.microsoft.com/office/drawing/2014/main" id="{4070CFF7-437F-4C02-9286-89BEB002730B}"/>
+              </a:ext>
+            </a:extLst>
+          </p:cNvPr>
+          <p:cNvPicPr>
+            <a:picLocks noChangeAspect="1"/>
+          </p:cNvPicPr>
+          <p:nvPr/>
+        </p:nvPicPr>
+        <p:blipFill>
+          <a:blip r:embed="rId10"/>
+          <a:stretch>
+            <a:fillRect/>
+          </a:stretch>
+        </p:blipFill>
+        <p:spPr>
+          <a:xfrm>
+            <a:off x="11239416" y="3676890"/>
+            <a:ext cx="447127" cy="593726"/>
+          </a:xfrm>
+          <a:prstGeom prst="rect">
+            <a:avLst/>
+          </a:prstGeom>
+        </p:spPr>
+      </p:pic>
     </p:spTree>
     <p:extLst>
       <p:ext uri="{BB962C8B-B14F-4D97-AF65-F5344CB8AC3E}">
@@ -6155,6 +8016,98 @@
           <a:chExt cx="0" cy="0"/>
         </a:xfrm>
       </p:grpSpPr>
+      <p:sp>
+        <p:nvSpPr>
+          <p:cNvPr id="55" name="직사각형 54">
+            <a:extLst>
+              <a:ext uri="{FF2B5EF4-FFF2-40B4-BE49-F238E27FC236}">
+                <a16:creationId xmlns:a16="http://schemas.microsoft.com/office/drawing/2014/main" id="{79E1B19F-B709-465D-B75D-237B0832F8AD}"/>
+              </a:ext>
+            </a:extLst>
+          </p:cNvPr>
+          <p:cNvSpPr/>
+          <p:nvPr/>
+        </p:nvSpPr>
+        <p:spPr>
+          <a:xfrm>
+            <a:off x="8103271" y="4349308"/>
+            <a:ext cx="2115223" cy="330800"/>
+          </a:xfrm>
+          <a:prstGeom prst="rect">
+            <a:avLst/>
+          </a:prstGeom>
+        </p:spPr>
+        <p:style>
+          <a:lnRef idx="2">
+            <a:schemeClr val="accent3"/>
+          </a:lnRef>
+          <a:fillRef idx="1">
+            <a:schemeClr val="lt1"/>
+          </a:fillRef>
+          <a:effectRef idx="0">
+            <a:schemeClr val="accent3"/>
+          </a:effectRef>
+          <a:fontRef idx="minor">
+            <a:schemeClr val="dk1"/>
+          </a:fontRef>
+        </p:style>
+        <p:txBody>
+          <a:bodyPr wrap="square">
+            <a:spAutoFit/>
+          </a:bodyPr>
+          <a:lstStyle/>
+          <a:p>
+            <a:pPr/>
+            <a:endParaRPr lang="ko-KR" altLang="en-US" dirty="0"/>
+          </a:p>
+        </p:txBody>
+      </p:sp>
+      <p:sp>
+        <p:nvSpPr>
+          <p:cNvPr id="53" name="직사각형 52">
+            <a:extLst>
+              <a:ext uri="{FF2B5EF4-FFF2-40B4-BE49-F238E27FC236}">
+                <a16:creationId xmlns:a16="http://schemas.microsoft.com/office/drawing/2014/main" id="{52BBF131-D5C8-43DC-B94D-126376614865}"/>
+              </a:ext>
+            </a:extLst>
+          </p:cNvPr>
+          <p:cNvSpPr/>
+          <p:nvPr/>
+        </p:nvSpPr>
+        <p:spPr>
+          <a:xfrm>
+            <a:off x="8777395" y="2975096"/>
+            <a:ext cx="1334346" cy="297851"/>
+          </a:xfrm>
+          <a:prstGeom prst="rect">
+            <a:avLst/>
+          </a:prstGeom>
+        </p:spPr>
+        <p:style>
+          <a:lnRef idx="2">
+            <a:schemeClr val="accent3"/>
+          </a:lnRef>
+          <a:fillRef idx="1">
+            <a:schemeClr val="lt1"/>
+          </a:fillRef>
+          <a:effectRef idx="0">
+            <a:schemeClr val="accent3"/>
+          </a:effectRef>
+          <a:fontRef idx="minor">
+            <a:schemeClr val="dk1"/>
+          </a:fontRef>
+        </p:style>
+        <p:txBody>
+          <a:bodyPr wrap="square">
+            <a:spAutoFit/>
+          </a:bodyPr>
+          <a:lstStyle/>
+          <a:p>
+            <a:pPr/>
+            <a:endParaRPr lang="ko-KR" altLang="en-US" dirty="0"/>
+          </a:p>
+        </p:txBody>
+      </p:sp>
       <p:sp>
         <p:nvSpPr>
           <p:cNvPr id="2" name="제목 1">
@@ -6254,8 +8207,8 @@
           </a:p>
         </p:txBody>
       </p:sp>
-      <mc:AlternateContent xmlns:mc="http://schemas.openxmlformats.org/markup-compatibility/2006" xmlns:a14="http://schemas.microsoft.com/office/drawing/2010/main">
-        <mc:Choice Requires="a14">
+      <mc:AlternateContent xmlns:mc="http://schemas.openxmlformats.org/markup-compatibility/2006">
+        <mc:Choice xmlns:a14="http://schemas.microsoft.com/office/drawing/2010/main" Requires="a14">
           <p:sp>
             <p:nvSpPr>
               <p:cNvPr id="10" name="TextBox 9">
@@ -6270,8 +8223,8 @@
             </p:nvSpPr>
             <p:spPr>
               <a:xfrm>
-                <a:off x="1222734" y="3133011"/>
-                <a:ext cx="3975100" cy="483466"/>
+                <a:off x="1361913" y="3226254"/>
+                <a:ext cx="4406891" cy="615874"/>
               </a:xfrm>
               <a:prstGeom prst="rect">
                 <a:avLst/>
@@ -6285,7 +8238,7 @@
               <a:lstStyle/>
               <a:p>
                 <a:r>
-                  <a:rPr lang="en-US" altLang="ko-KR" dirty="0">
+                  <a:rPr lang="en-US" altLang="ko-KR" sz="2400" dirty="0">
                     <a:ea typeface="Cambria Math"/>
                   </a:rPr>
                   <a:t>V(s) </a:t>
@@ -6293,35 +8246,35 @@
                 <a14:m>
                   <m:oMath xmlns:m="http://schemas.openxmlformats.org/officeDocument/2006/math">
                     <m:r>
-                      <a:rPr lang="en-US" altLang="ko-KR" i="1">
+                      <a:rPr lang="en-US" altLang="ko-KR" sz="2400" i="1">
                         <a:latin typeface="Cambria Math"/>
                         <a:ea typeface="Cambria Math"/>
                       </a:rPr>
                       <m:t>←</m:t>
                     </m:r>
                     <m:r>
-                      <a:rPr lang="en-US" altLang="ko-KR" b="0" i="1" smtClean="0">
+                      <a:rPr lang="en-US" altLang="ko-KR" sz="2400" b="0" i="1" smtClean="0">
                         <a:latin typeface="Cambria Math"/>
                         <a:ea typeface="Cambria Math"/>
                       </a:rPr>
                       <m:t>𝑉</m:t>
                     </m:r>
                     <m:r>
-                      <a:rPr lang="en-US" altLang="ko-KR" b="0" i="1" smtClean="0">
+                      <a:rPr lang="en-US" altLang="ko-KR" sz="2400" b="0" i="1" smtClean="0">
                         <a:latin typeface="Cambria Math"/>
                         <a:ea typeface="Cambria Math"/>
                       </a:rPr>
                       <m:t>(</m:t>
                     </m:r>
                     <m:r>
-                      <a:rPr lang="en-US" altLang="ko-KR" b="0" i="1" smtClean="0">
+                      <a:rPr lang="en-US" altLang="ko-KR" sz="2400" b="0" i="1" smtClean="0">
                         <a:latin typeface="Cambria Math"/>
                         <a:ea typeface="Cambria Math"/>
                       </a:rPr>
                       <m:t>𝑠</m:t>
                     </m:r>
                     <m:r>
-                      <a:rPr lang="en-US" altLang="ko-KR" b="0" i="1" smtClean="0">
+                      <a:rPr lang="en-US" altLang="ko-KR" sz="2400" b="0" i="1" smtClean="0">
                         <a:latin typeface="Cambria Math"/>
                         <a:ea typeface="Cambria Math"/>
                       </a:rPr>
@@ -6330,7 +8283,7 @@
                     <m:f>
                       <m:fPr>
                         <m:ctrlPr>
-                          <a:rPr lang="en-US" altLang="ko-KR" b="0" i="1" smtClean="0">
+                          <a:rPr lang="en-US" altLang="ko-KR" sz="2400" b="0" i="1" smtClean="0">
                             <a:solidFill>
                               <a:srgbClr val="FF0000"/>
                             </a:solidFill>
@@ -6341,7 +8294,7 @@
                       </m:fPr>
                       <m:num>
                         <m:r>
-                          <a:rPr lang="en-US" altLang="ko-KR" b="0" i="1" smtClean="0">
+                          <a:rPr lang="en-US" altLang="ko-KR" sz="2400" b="0" i="1" smtClean="0">
                             <a:solidFill>
                               <a:srgbClr val="FF0000"/>
                             </a:solidFill>
@@ -6353,7 +8306,7 @@
                       </m:num>
                       <m:den>
                         <m:r>
-                          <a:rPr lang="en-US" altLang="ko-KR" b="0" i="1" smtClean="0">
+                          <a:rPr lang="en-US" altLang="ko-KR" sz="2400" b="0" i="1" smtClean="0">
                             <a:solidFill>
                               <a:srgbClr val="FF0000"/>
                             </a:solidFill>
@@ -6365,14 +8318,14 @@
                       </m:den>
                     </m:f>
                     <m:r>
-                      <a:rPr lang="en-US" altLang="ko-KR" b="0" i="1" smtClean="0">
+                      <a:rPr lang="en-US" altLang="ko-KR" sz="2400" b="0" i="1" smtClean="0">
                         <a:latin typeface="Cambria Math"/>
                         <a:ea typeface="Cambria Math"/>
                       </a:rPr>
                       <m:t>(</m:t>
                     </m:r>
                     <m:r>
-                      <a:rPr lang="en-US" altLang="ko-KR" b="0" i="1" smtClean="0">
+                      <a:rPr lang="en-US" altLang="ko-KR" sz="2400" b="0" i="1" smtClean="0">
                         <a:latin typeface="Cambria Math"/>
                         <a:ea typeface="Cambria Math"/>
                       </a:rPr>
@@ -6381,7 +8334,7 @@
                     <m:d>
                       <m:dPr>
                         <m:ctrlPr>
-                          <a:rPr lang="en-US" altLang="ko-KR" b="0" i="1" smtClean="0">
+                          <a:rPr lang="en-US" altLang="ko-KR" sz="2400" b="0" i="1" smtClean="0">
                             <a:latin typeface="Cambria Math" panose="02040503050406030204" pitchFamily="18" charset="0"/>
                             <a:ea typeface="Cambria Math"/>
                           </a:rPr>
@@ -6389,7 +8342,7 @@
                       </m:dPr>
                       <m:e>
                         <m:r>
-                          <a:rPr lang="en-US" altLang="ko-KR" b="0" i="1" smtClean="0">
+                          <a:rPr lang="en-US" altLang="ko-KR" sz="2400" b="0" i="1" smtClean="0">
                             <a:latin typeface="Cambria Math"/>
                             <a:ea typeface="Cambria Math"/>
                           </a:rPr>
@@ -6398,14 +8351,14 @@
                       </m:e>
                     </m:d>
                     <m:r>
-                      <a:rPr lang="en-US" altLang="ko-KR" b="0" i="1" smtClean="0">
+                      <a:rPr lang="en-US" altLang="ko-KR" sz="2400" b="0" i="1" smtClean="0">
                         <a:latin typeface="Cambria Math"/>
                         <a:ea typeface="Cambria Math"/>
                       </a:rPr>
                       <m:t>−</m:t>
                     </m:r>
                     <m:r>
-                      <a:rPr lang="en-US" altLang="ko-KR" b="0" i="1" smtClean="0">
+                      <a:rPr lang="en-US" altLang="ko-KR" sz="2400" b="0" i="1" smtClean="0">
                         <a:latin typeface="Cambria Math"/>
                         <a:ea typeface="Cambria Math"/>
                       </a:rPr>
@@ -6414,7 +8367,7 @@
                     <m:d>
                       <m:dPr>
                         <m:ctrlPr>
-                          <a:rPr lang="en-US" altLang="ko-KR" b="0" i="1" smtClean="0">
+                          <a:rPr lang="en-US" altLang="ko-KR" sz="2400" b="0" i="1" smtClean="0">
                             <a:latin typeface="Cambria Math" panose="02040503050406030204" pitchFamily="18" charset="0"/>
                             <a:ea typeface="Cambria Math"/>
                           </a:rPr>
@@ -6422,7 +8375,7 @@
                       </m:dPr>
                       <m:e>
                         <m:r>
-                          <a:rPr lang="en-US" altLang="ko-KR" b="0" i="1" smtClean="0">
+                          <a:rPr lang="en-US" altLang="ko-KR" sz="2400" b="0" i="1" smtClean="0">
                             <a:latin typeface="Cambria Math"/>
                             <a:ea typeface="Cambria Math"/>
                           </a:rPr>
@@ -6431,7 +8384,7 @@
                       </m:e>
                     </m:d>
                     <m:r>
-                      <a:rPr lang="en-US" altLang="ko-KR" b="0" i="1" smtClean="0">
+                      <a:rPr lang="en-US" altLang="ko-KR" sz="2400" b="0" i="1" smtClean="0">
                         <a:latin typeface="Cambria Math"/>
                         <a:ea typeface="Cambria Math"/>
                       </a:rPr>
@@ -6439,12 +8392,12 @@
                     </m:r>
                   </m:oMath>
                 </a14:m>
-                <a:endParaRPr lang="ko-KR" altLang="en-US" dirty="0"/>
+                <a:endParaRPr lang="ko-KR" altLang="en-US" sz="2400" dirty="0"/>
               </a:p>
             </p:txBody>
           </p:sp>
         </mc:Choice>
-        <mc:Fallback xmlns="">
+        <mc:Fallback>
           <p:sp>
             <p:nvSpPr>
               <p:cNvPr id="10" name="TextBox 9">
@@ -6461,16 +8414,16 @@
             </p:nvSpPr>
             <p:spPr>
               <a:xfrm>
-                <a:off x="1222734" y="3133011"/>
-                <a:ext cx="3975100" cy="483466"/>
+                <a:off x="1361913" y="3226254"/>
+                <a:ext cx="4406891" cy="615874"/>
               </a:xfrm>
               <a:prstGeom prst="rect">
                 <a:avLst/>
               </a:prstGeom>
               <a:blipFill>
-                <a:blip r:embed="rId2"/>
+                <a:blip r:embed="rId3"/>
                 <a:stretch>
-                  <a:fillRect l="-1380" b="-6329"/>
+                  <a:fillRect l="-2075" b="-7921"/>
                 </a:stretch>
               </a:blipFill>
             </p:spPr>
@@ -6503,7 +8456,7 @@
         </p:nvSpPr>
         <p:spPr>
           <a:xfrm>
-            <a:off x="641709" y="3691811"/>
+            <a:off x="1599080" y="3864232"/>
             <a:ext cx="4987925" cy="307777"/>
           </a:xfrm>
           <a:prstGeom prst="rect">
@@ -6518,26 +8471,14 @@
           <a:lstStyle/>
           <a:p>
             <a:r>
-              <a:rPr lang="ko-KR" altLang="en-US" sz="1400" dirty="0" err="1"/>
-              <a:t>몬테</a:t>
-            </a:r>
-            <a:r>
-              <a:rPr lang="en-US" altLang="ko-KR" sz="1400" dirty="0"/>
-              <a:t> </a:t>
-            </a:r>
-            <a:r>
-              <a:rPr lang="ko-KR" altLang="en-US" sz="1400" dirty="0" err="1"/>
-              <a:t>카를로</a:t>
-            </a:r>
-            <a:r>
               <a:rPr lang="ko-KR" altLang="en-US" sz="1400" dirty="0"/>
-              <a:t> 예측에서 가치함수 업데이트 식</a:t>
+              <a:t>몬테카를로 예측에서 가치함수 업데이트 식</a:t>
             </a:r>
           </a:p>
         </p:txBody>
       </p:sp>
-      <mc:AlternateContent xmlns:mc="http://schemas.openxmlformats.org/markup-compatibility/2006" xmlns:a14="http://schemas.microsoft.com/office/drawing/2010/main">
-        <mc:Choice Requires="a14">
+      <mc:AlternateContent xmlns:mc="http://schemas.openxmlformats.org/markup-compatibility/2006">
+        <mc:Choice xmlns:a14="http://schemas.microsoft.com/office/drawing/2010/main" Requires="a14">
           <p:sp>
             <p:nvSpPr>
               <p:cNvPr id="16" name="TextBox 15">
@@ -6552,8 +8493,8 @@
             </p:nvSpPr>
             <p:spPr>
               <a:xfrm>
-                <a:off x="994134" y="4236879"/>
-                <a:ext cx="3975100" cy="369332"/>
+                <a:off x="1361913" y="4430990"/>
+                <a:ext cx="4278903" cy="461665"/>
               </a:xfrm>
               <a:prstGeom prst="rect">
                 <a:avLst/>
@@ -6567,7 +8508,7 @@
               <a:lstStyle/>
               <a:p>
                 <a:r>
-                  <a:rPr lang="en-US" altLang="ko-KR" dirty="0">
+                  <a:rPr lang="en-US" altLang="ko-KR" sz="2400" dirty="0">
                     <a:ea typeface="Cambria Math"/>
                   </a:rPr>
                   <a:t>V(s) </a:t>
@@ -6575,42 +8516,42 @@
                 <a14:m>
                   <m:oMath xmlns:m="http://schemas.openxmlformats.org/officeDocument/2006/math">
                     <m:r>
-                      <a:rPr lang="en-US" altLang="ko-KR" i="1">
+                      <a:rPr lang="en-US" altLang="ko-KR" sz="2400" i="1">
                         <a:latin typeface="Cambria Math"/>
                         <a:ea typeface="Cambria Math"/>
                       </a:rPr>
                       <m:t>←</m:t>
                     </m:r>
                     <m:r>
-                      <a:rPr lang="en-US" altLang="ko-KR" b="0" i="1" smtClean="0">
+                      <a:rPr lang="en-US" altLang="ko-KR" sz="2400" b="0" i="1" smtClean="0">
                         <a:latin typeface="Cambria Math"/>
                         <a:ea typeface="Cambria Math"/>
                       </a:rPr>
                       <m:t>𝑉</m:t>
                     </m:r>
                     <m:r>
-                      <a:rPr lang="en-US" altLang="ko-KR" b="0" i="1" smtClean="0">
+                      <a:rPr lang="en-US" altLang="ko-KR" sz="2400" b="0" i="1" smtClean="0">
                         <a:latin typeface="Cambria Math"/>
                         <a:ea typeface="Cambria Math"/>
                       </a:rPr>
                       <m:t>(</m:t>
                     </m:r>
                     <m:r>
-                      <a:rPr lang="en-US" altLang="ko-KR" b="0" i="1" smtClean="0">
+                      <a:rPr lang="en-US" altLang="ko-KR" sz="2400" b="0" i="1" smtClean="0">
                         <a:latin typeface="Cambria Math"/>
                         <a:ea typeface="Cambria Math"/>
                       </a:rPr>
                       <m:t>𝑠</m:t>
                     </m:r>
                     <m:r>
-                      <a:rPr lang="en-US" altLang="ko-KR" b="0" i="1" smtClean="0">
+                      <a:rPr lang="en-US" altLang="ko-KR" sz="2400" b="0" i="1" smtClean="0">
                         <a:latin typeface="Cambria Math"/>
                         <a:ea typeface="Cambria Math"/>
                       </a:rPr>
                       <m:t>)+</m:t>
                     </m:r>
                     <m:r>
-                      <a:rPr lang="ko-KR" altLang="en-US" b="0" i="1" smtClean="0">
+                      <a:rPr lang="ko-KR" altLang="en-US" sz="2400" b="0" i="1" smtClean="0">
                         <a:solidFill>
                           <a:srgbClr val="FF0000"/>
                         </a:solidFill>
@@ -6620,14 +8561,14 @@
                       <m:t>𝛼</m:t>
                     </m:r>
                     <m:r>
-                      <a:rPr lang="en-US" altLang="ko-KR" b="0" i="1" smtClean="0">
+                      <a:rPr lang="en-US" altLang="ko-KR" sz="2400" b="0" i="1" smtClean="0">
                         <a:latin typeface="Cambria Math"/>
                         <a:ea typeface="Cambria Math"/>
                       </a:rPr>
-                      <m:t> (</m:t>
-                    </m:r>
-                    <m:r>
-                      <a:rPr lang="en-US" altLang="ko-KR" b="0" i="1" smtClean="0">
+                      <m:t>(</m:t>
+                    </m:r>
+                    <m:r>
+                      <a:rPr lang="en-US" altLang="ko-KR" sz="2400" b="0" i="1" smtClean="0">
                         <a:latin typeface="Cambria Math"/>
                         <a:ea typeface="Cambria Math"/>
                       </a:rPr>
@@ -6636,7 +8577,7 @@
                     <m:d>
                       <m:dPr>
                         <m:ctrlPr>
-                          <a:rPr lang="en-US" altLang="ko-KR" b="0" i="1" smtClean="0">
+                          <a:rPr lang="en-US" altLang="ko-KR" sz="2400" b="0" i="1" smtClean="0">
                             <a:latin typeface="Cambria Math" panose="02040503050406030204" pitchFamily="18" charset="0"/>
                             <a:ea typeface="Cambria Math"/>
                           </a:rPr>
@@ -6644,7 +8585,7 @@
                       </m:dPr>
                       <m:e>
                         <m:r>
-                          <a:rPr lang="en-US" altLang="ko-KR" b="0" i="1" smtClean="0">
+                          <a:rPr lang="en-US" altLang="ko-KR" sz="2400" b="0" i="1" smtClean="0">
                             <a:latin typeface="Cambria Math"/>
                             <a:ea typeface="Cambria Math"/>
                           </a:rPr>
@@ -6653,14 +8594,14 @@
                       </m:e>
                     </m:d>
                     <m:r>
-                      <a:rPr lang="en-US" altLang="ko-KR" b="0" i="1" smtClean="0">
+                      <a:rPr lang="en-US" altLang="ko-KR" sz="2400" b="0" i="1" smtClean="0">
                         <a:latin typeface="Cambria Math"/>
                         <a:ea typeface="Cambria Math"/>
                       </a:rPr>
                       <m:t>−</m:t>
                     </m:r>
                     <m:r>
-                      <a:rPr lang="en-US" altLang="ko-KR" b="0" i="1" smtClean="0">
+                      <a:rPr lang="en-US" altLang="ko-KR" sz="2400" b="0" i="1" smtClean="0">
                         <a:latin typeface="Cambria Math"/>
                         <a:ea typeface="Cambria Math"/>
                       </a:rPr>
@@ -6669,7 +8610,7 @@
                     <m:d>
                       <m:dPr>
                         <m:ctrlPr>
-                          <a:rPr lang="en-US" altLang="ko-KR" b="0" i="1" smtClean="0">
+                          <a:rPr lang="en-US" altLang="ko-KR" sz="2400" b="0" i="1" smtClean="0">
                             <a:latin typeface="Cambria Math" panose="02040503050406030204" pitchFamily="18" charset="0"/>
                             <a:ea typeface="Cambria Math"/>
                           </a:rPr>
@@ -6677,7 +8618,7 @@
                       </m:dPr>
                       <m:e>
                         <m:r>
-                          <a:rPr lang="en-US" altLang="ko-KR" b="0" i="1" smtClean="0">
+                          <a:rPr lang="en-US" altLang="ko-KR" sz="2400" b="0" i="1" smtClean="0">
                             <a:latin typeface="Cambria Math"/>
                             <a:ea typeface="Cambria Math"/>
                           </a:rPr>
@@ -6686,7 +8627,7 @@
                       </m:e>
                     </m:d>
                     <m:r>
-                      <a:rPr lang="en-US" altLang="ko-KR" b="0" i="1" smtClean="0">
+                      <a:rPr lang="en-US" altLang="ko-KR" sz="2400" b="0" i="1" smtClean="0">
                         <a:latin typeface="Cambria Math"/>
                         <a:ea typeface="Cambria Math"/>
                       </a:rPr>
@@ -6694,12 +8635,12 @@
                     </m:r>
                   </m:oMath>
                 </a14:m>
-                <a:endParaRPr lang="ko-KR" altLang="en-US" dirty="0"/>
+                <a:endParaRPr lang="ko-KR" altLang="en-US" sz="2400" dirty="0"/>
               </a:p>
             </p:txBody>
           </p:sp>
         </mc:Choice>
-        <mc:Fallback xmlns="">
+        <mc:Fallback>
           <p:sp>
             <p:nvSpPr>
               <p:cNvPr id="16" name="TextBox 15">
@@ -6716,16 +8657,16 @@
             </p:nvSpPr>
             <p:spPr>
               <a:xfrm>
-                <a:off x="994134" y="4236879"/>
-                <a:ext cx="3975100" cy="369332"/>
+                <a:off x="1361913" y="4430990"/>
+                <a:ext cx="4278903" cy="461665"/>
               </a:xfrm>
               <a:prstGeom prst="rect">
                 <a:avLst/>
               </a:prstGeom>
               <a:blipFill>
-                <a:blip r:embed="rId3"/>
+                <a:blip r:embed="rId4"/>
                 <a:stretch>
-                  <a:fillRect l="-1227" t="-8197" b="-24590"/>
+                  <a:fillRect l="-2137" t="-10526" b="-28947"/>
                 </a:stretch>
               </a:blipFill>
             </p:spPr>
@@ -6758,8 +8699,8 @@
         </p:nvSpPr>
         <p:spPr>
           <a:xfrm>
-            <a:off x="641708" y="4695111"/>
-            <a:ext cx="4987925" cy="307777"/>
+            <a:off x="1416473" y="4959714"/>
+            <a:ext cx="5369135" cy="307777"/>
           </a:xfrm>
           <a:prstGeom prst="rect">
             <a:avLst/>
@@ -6773,26 +8714,9 @@
           <a:lstStyle/>
           <a:p>
             <a:r>
-              <a:rPr lang="ko-KR" altLang="en-US" sz="1400" dirty="0" err="1"/>
-              <a:t>몬테</a:t>
-            </a:r>
-            <a:r>
-              <a:rPr lang="en-US" altLang="ko-KR" sz="1400" dirty="0"/>
-              <a:t> </a:t>
-            </a:r>
-            <a:r>
-              <a:rPr lang="ko-KR" altLang="en-US" sz="1400" dirty="0" err="1"/>
-              <a:t>카를로</a:t>
-            </a:r>
-            <a:r>
               <a:rPr lang="ko-KR" altLang="en-US" sz="1400" dirty="0"/>
-              <a:t> 예측에서 가치함수 업데이트 </a:t>
-            </a:r>
-            <a:r>
-              <a:rPr lang="ko-KR" altLang="en-US" sz="1400" dirty="0" err="1"/>
-              <a:t>일반식</a:t>
-            </a:r>
-            <a:endParaRPr lang="ko-KR" altLang="en-US" sz="1400" dirty="0"/>
+              <a:t>몬테카를로 예측에서 가치함수 업데이트 일반 식</a:t>
+            </a:r>
           </a:p>
         </p:txBody>
       </p:sp>
@@ -6810,10 +8734,10 @@
         </p:nvGrpSpPr>
         <p:grpSpPr>
           <a:xfrm>
-            <a:off x="2634021" y="2552700"/>
-            <a:ext cx="4940300" cy="1088311"/>
-            <a:chOff x="2781300" y="2146300"/>
-            <a:chExt cx="4940300" cy="1088311"/>
+            <a:off x="3298655" y="2774576"/>
+            <a:ext cx="3751432" cy="1054734"/>
+            <a:chOff x="2781301" y="2179877"/>
+            <a:chExt cx="3751432" cy="1054734"/>
           </a:xfrm>
         </p:grpSpPr>
         <p:grpSp>
@@ -6830,10 +8754,10 @@
           </p:nvGrpSpPr>
           <p:grpSpPr>
             <a:xfrm>
-              <a:off x="2781300" y="2349500"/>
-              <a:ext cx="2335213" cy="885111"/>
-              <a:chOff x="2781300" y="2349500"/>
-              <a:chExt cx="2335213" cy="885111"/>
+              <a:off x="2781301" y="2349501"/>
+              <a:ext cx="1374945" cy="885110"/>
+              <a:chOff x="2781301" y="2349501"/>
+              <a:chExt cx="1374945" cy="885110"/>
             </a:xfrm>
           </p:grpSpPr>
           <p:sp>
@@ -6850,8 +8774,8 @@
             </p:nvSpPr>
             <p:spPr>
               <a:xfrm>
-                <a:off x="2781300" y="2675811"/>
-                <a:ext cx="322263" cy="558800"/>
+                <a:off x="2781301" y="2675811"/>
+                <a:ext cx="287826" cy="558800"/>
               </a:xfrm>
               <a:prstGeom prst="rect">
                 <a:avLst/>
@@ -6898,14 +8822,15 @@
                 </a:extLst>
               </p:cNvPr>
               <p:cNvCxnSpPr>
+                <a:cxnSpLocks/>
                 <a:stCxn id="21" idx="0"/>
               </p:cNvCxnSpPr>
               <p:nvPr/>
             </p:nvCxnSpPr>
             <p:spPr>
-              <a:xfrm flipH="1" flipV="1">
-                <a:off x="2942431" y="2349500"/>
-                <a:ext cx="1" cy="326311"/>
+              <a:xfrm flipV="1">
+                <a:off x="2925214" y="2349501"/>
+                <a:ext cx="0" cy="326310"/>
               </a:xfrm>
               <a:prstGeom prst="line">
                 <a:avLst/>
@@ -6935,13 +8860,16 @@
                   </a:ext>
                 </a:extLst>
               </p:cNvPr>
-              <p:cNvCxnSpPr/>
+              <p:cNvCxnSpPr>
+                <a:cxnSpLocks/>
+                <a:endCxn id="20" idx="1"/>
+              </p:cNvCxnSpPr>
               <p:nvPr/>
             </p:nvCxnSpPr>
             <p:spPr>
               <a:xfrm>
-                <a:off x="2942431" y="2349500"/>
-                <a:ext cx="2174082" cy="0"/>
+                <a:off x="2912058" y="2359723"/>
+                <a:ext cx="1244188" cy="4820"/>
               </a:xfrm>
               <a:prstGeom prst="straightConnector1">
                 <a:avLst/>
@@ -6980,7 +8908,7 @@
           </p:nvSpPr>
           <p:spPr>
             <a:xfrm>
-              <a:off x="5345113" y="2146300"/>
+              <a:off x="4156246" y="2179877"/>
               <a:ext cx="2376487" cy="369332"/>
             </a:xfrm>
             <a:prstGeom prst="rect">
@@ -7015,463 +8943,81 @@
           </p:txBody>
         </p:sp>
       </p:grpSp>
-      <p:grpSp>
-        <p:nvGrpSpPr>
-          <p:cNvPr id="24" name="그룹 23">
+      <p:sp>
+        <p:nvSpPr>
+          <p:cNvPr id="26" name="TextBox 25">
             <a:extLst>
               <a:ext uri="{FF2B5EF4-FFF2-40B4-BE49-F238E27FC236}">
-                <a16:creationId xmlns:a16="http://schemas.microsoft.com/office/drawing/2014/main" id="{DD308E56-1D67-474D-9532-CDE2CA852369}"/>
+                <a16:creationId xmlns:a16="http://schemas.microsoft.com/office/drawing/2014/main" id="{72DC8EA5-941E-4C17-AD34-00FE82D899C0}"/>
               </a:ext>
             </a:extLst>
           </p:cNvPr>
-          <p:cNvGrpSpPr/>
+          <p:cNvSpPr txBox="1"/>
           <p:nvPr/>
-        </p:nvGrpSpPr>
-        <p:grpSpPr>
+        </p:nvSpPr>
+        <p:spPr>
           <a:xfrm>
-            <a:off x="2672121" y="3845699"/>
-            <a:ext cx="4902200" cy="798612"/>
-            <a:chOff x="2819400" y="3439299"/>
-            <a:chExt cx="4902200" cy="798612"/>
+            <a:off x="10288436" y="5413966"/>
+            <a:ext cx="1937342" cy="369332"/>
           </a:xfrm>
-        </p:grpSpPr>
-        <p:grpSp>
-          <p:nvGrpSpPr>
-            <p:cNvPr id="25" name="그룹 24">
-              <a:extLst>
-                <a:ext uri="{FF2B5EF4-FFF2-40B4-BE49-F238E27FC236}">
-                  <a16:creationId xmlns:a16="http://schemas.microsoft.com/office/drawing/2014/main" id="{DC05CC7C-1430-4E22-B895-926FD4ACCDB5}"/>
-                </a:ext>
-              </a:extLst>
-            </p:cNvPr>
-            <p:cNvGrpSpPr/>
-            <p:nvPr/>
-          </p:nvGrpSpPr>
-          <p:grpSpPr>
-            <a:xfrm>
-              <a:off x="2819400" y="3568700"/>
-              <a:ext cx="2483645" cy="669211"/>
-              <a:chOff x="2819400" y="3568700"/>
-              <a:chExt cx="2483645" cy="669211"/>
-            </a:xfrm>
-          </p:grpSpPr>
-          <p:grpSp>
-            <p:nvGrpSpPr>
-              <p:cNvPr id="27" name="그룹 26">
-                <a:extLst>
-                  <a:ext uri="{FF2B5EF4-FFF2-40B4-BE49-F238E27FC236}">
-                    <a16:creationId xmlns:a16="http://schemas.microsoft.com/office/drawing/2014/main" id="{086A05B2-361C-4CE7-ADD2-545F4284553F}"/>
-                  </a:ext>
-                </a:extLst>
-              </p:cNvPr>
-              <p:cNvGrpSpPr/>
-              <p:nvPr/>
-            </p:nvGrpSpPr>
-            <p:grpSpPr>
-              <a:xfrm>
-                <a:off x="2819400" y="3581401"/>
-                <a:ext cx="673100" cy="656510"/>
-                <a:chOff x="2658268" y="2527301"/>
-                <a:chExt cx="673100" cy="656510"/>
-              </a:xfrm>
-            </p:grpSpPr>
-            <p:sp>
-              <p:nvSpPr>
-                <p:cNvPr id="29" name="직사각형 28">
-                  <a:extLst>
-                    <a:ext uri="{FF2B5EF4-FFF2-40B4-BE49-F238E27FC236}">
-                      <a16:creationId xmlns:a16="http://schemas.microsoft.com/office/drawing/2014/main" id="{3ECD5551-049C-490C-9339-E333DF167324}"/>
-                    </a:ext>
-                  </a:extLst>
-                </p:cNvPr>
-                <p:cNvSpPr/>
-                <p:nvPr/>
-              </p:nvSpPr>
-              <p:spPr>
-                <a:xfrm>
-                  <a:off x="2658268" y="2789079"/>
-                  <a:ext cx="673100" cy="394732"/>
-                </a:xfrm>
-                <a:prstGeom prst="rect">
-                  <a:avLst/>
-                </a:prstGeom>
-                <a:noFill/>
-                <a:ln>
-                  <a:solidFill>
-                    <a:schemeClr val="tx1"/>
-                  </a:solidFill>
-                </a:ln>
-              </p:spPr>
-              <p:style>
-                <a:lnRef idx="2">
-                  <a:schemeClr val="accent1">
-                    <a:shade val="50000"/>
-                  </a:schemeClr>
-                </a:lnRef>
-                <a:fillRef idx="1">
-                  <a:schemeClr val="accent1"/>
-                </a:fillRef>
-                <a:effectRef idx="0">
-                  <a:schemeClr val="accent1"/>
-                </a:effectRef>
-                <a:fontRef idx="minor">
-                  <a:schemeClr val="lt1"/>
-                </a:fontRef>
-              </p:style>
-              <p:txBody>
-                <a:bodyPr rtlCol="0" anchor="ctr"/>
-                <a:lstStyle/>
-                <a:p>
-                  <a:pPr algn="ctr"/>
-                  <a:endParaRPr lang="ko-KR" altLang="en-US"/>
-                </a:p>
-              </p:txBody>
-            </p:sp>
-            <p:cxnSp>
-              <p:nvCxnSpPr>
-                <p:cNvPr id="30" name="직선 연결선 29">
-                  <a:extLst>
-                    <a:ext uri="{FF2B5EF4-FFF2-40B4-BE49-F238E27FC236}">
-                      <a16:creationId xmlns:a16="http://schemas.microsoft.com/office/drawing/2014/main" id="{A3C7E4BF-B3B6-4CAD-89D9-B6F1C77D3223}"/>
-                    </a:ext>
-                  </a:extLst>
-                </p:cNvPr>
-                <p:cNvCxnSpPr>
-                  <a:stCxn id="29" idx="0"/>
-                </p:cNvCxnSpPr>
-                <p:nvPr/>
-              </p:nvCxnSpPr>
-              <p:spPr>
-                <a:xfrm flipH="1" flipV="1">
-                  <a:off x="2987676" y="2527301"/>
-                  <a:ext cx="7142" cy="261778"/>
-                </a:xfrm>
-                <a:prstGeom prst="line">
-                  <a:avLst/>
-                </a:prstGeom>
-              </p:spPr>
-              <p:style>
-                <a:lnRef idx="3">
-                  <a:schemeClr val="dk1"/>
-                </a:lnRef>
-                <a:fillRef idx="0">
-                  <a:schemeClr val="dk1"/>
-                </a:fillRef>
-                <a:effectRef idx="2">
-                  <a:schemeClr val="dk1"/>
-                </a:effectRef>
-                <a:fontRef idx="minor">
-                  <a:schemeClr val="tx1"/>
-                </a:fontRef>
-              </p:style>
-            </p:cxnSp>
-          </p:grpSp>
-          <p:cxnSp>
-            <p:nvCxnSpPr>
-              <p:cNvPr id="28" name="직선 화살표 연결선 27">
-                <a:extLst>
-                  <a:ext uri="{FF2B5EF4-FFF2-40B4-BE49-F238E27FC236}">
-                    <a16:creationId xmlns:a16="http://schemas.microsoft.com/office/drawing/2014/main" id="{E9D638C6-4B4B-4BB0-A149-D5DA6BC50F8E}"/>
-                  </a:ext>
-                </a:extLst>
-              </p:cNvPr>
-              <p:cNvCxnSpPr/>
-              <p:nvPr/>
-            </p:nvCxnSpPr>
-            <p:spPr>
-              <a:xfrm>
-                <a:off x="3128963" y="3568700"/>
-                <a:ext cx="2174082" cy="0"/>
-              </a:xfrm>
-              <a:prstGeom prst="straightConnector1">
-                <a:avLst/>
-              </a:prstGeom>
-              <a:ln>
-                <a:tailEnd type="arrow"/>
-              </a:ln>
-            </p:spPr>
-            <p:style>
-              <a:lnRef idx="3">
-                <a:schemeClr val="dk1"/>
-              </a:lnRef>
-              <a:fillRef idx="0">
-                <a:schemeClr val="dk1"/>
-              </a:fillRef>
-              <a:effectRef idx="2">
-                <a:schemeClr val="dk1"/>
-              </a:effectRef>
-              <a:fontRef idx="minor">
-                <a:schemeClr val="tx1"/>
-              </a:fontRef>
-            </p:style>
-          </p:cxnSp>
-        </p:grpSp>
-        <p:sp>
-          <p:nvSpPr>
-            <p:cNvPr id="26" name="TextBox 25">
-              <a:extLst>
-                <a:ext uri="{FF2B5EF4-FFF2-40B4-BE49-F238E27FC236}">
-                  <a16:creationId xmlns:a16="http://schemas.microsoft.com/office/drawing/2014/main" id="{72DC8EA5-941E-4C17-AD34-00FE82D899C0}"/>
-                </a:ext>
-              </a:extLst>
-            </p:cNvPr>
-            <p:cNvSpPr txBox="1"/>
-            <p:nvPr/>
-          </p:nvSpPr>
-          <p:spPr>
-            <a:xfrm>
-              <a:off x="5345113" y="3439299"/>
-              <a:ext cx="2376487" cy="369332"/>
-            </a:xfrm>
-            <a:prstGeom prst="rect">
-              <a:avLst/>
-            </a:prstGeom>
-            <a:noFill/>
-          </p:spPr>
-          <p:txBody>
-            <a:bodyPr wrap="square" rtlCol="0">
-              <a:spAutoFit/>
-            </a:bodyPr>
-            <a:lstStyle/>
-            <a:p>
-              <a:r>
-                <a:rPr lang="ko-KR" altLang="en-US" dirty="0"/>
-                <a:t>업데이트 목표</a:t>
-              </a:r>
-            </a:p>
-          </p:txBody>
-        </p:sp>
-      </p:grpSp>
-      <p:grpSp>
-        <p:nvGrpSpPr>
-          <p:cNvPr id="31" name="그룹 30">
+          <a:prstGeom prst="rect">
+            <a:avLst/>
+          </a:prstGeom>
+          <a:noFill/>
+        </p:spPr>
+        <p:txBody>
+          <a:bodyPr wrap="square" rtlCol="0">
+            <a:spAutoFit/>
+          </a:bodyPr>
+          <a:lstStyle/>
+          <a:p>
+            <a:r>
+              <a:rPr lang="ko-KR" altLang="en-US" dirty="0"/>
+              <a:t>업데이트 목표</a:t>
+            </a:r>
+          </a:p>
+        </p:txBody>
+      </p:sp>
+      <p:sp>
+        <p:nvSpPr>
+          <p:cNvPr id="35" name="TextBox 34">
             <a:extLst>
               <a:ext uri="{FF2B5EF4-FFF2-40B4-BE49-F238E27FC236}">
-                <a16:creationId xmlns:a16="http://schemas.microsoft.com/office/drawing/2014/main" id="{9EB1766C-7845-4B89-8B8A-845BEF87B93B}"/>
+                <a16:creationId xmlns:a16="http://schemas.microsoft.com/office/drawing/2014/main" id="{8D0442C9-6867-41F2-A87F-48E52AACB300}"/>
               </a:ext>
             </a:extLst>
           </p:cNvPr>
-          <p:cNvGrpSpPr/>
+          <p:cNvSpPr txBox="1"/>
           <p:nvPr/>
-        </p:nvGrpSpPr>
-        <p:grpSpPr>
+        </p:nvSpPr>
+        <p:spPr>
           <a:xfrm>
-            <a:off x="2494321" y="4201875"/>
-            <a:ext cx="5080000" cy="1143576"/>
-            <a:chOff x="2641600" y="3795475"/>
-            <a:chExt cx="5080000" cy="1143576"/>
+            <a:off x="8238915" y="4700750"/>
+            <a:ext cx="2115223" cy="353284"/>
           </a:xfrm>
-        </p:grpSpPr>
-        <p:cxnSp>
-          <p:nvCxnSpPr>
-            <p:cNvPr id="32" name="직선 연결선 31">
-              <a:extLst>
-                <a:ext uri="{FF2B5EF4-FFF2-40B4-BE49-F238E27FC236}">
-                  <a16:creationId xmlns:a16="http://schemas.microsoft.com/office/drawing/2014/main" id="{5B48FB29-8125-45E9-BDAC-6ED65DEA96FB}"/>
-                </a:ext>
-              </a:extLst>
-            </p:cNvPr>
-            <p:cNvCxnSpPr/>
-            <p:nvPr/>
-          </p:nvCxnSpPr>
-          <p:spPr>
-            <a:xfrm>
-              <a:off x="3562350" y="4265375"/>
-              <a:ext cx="0" cy="524589"/>
-            </a:xfrm>
-            <a:prstGeom prst="line">
-              <a:avLst/>
-            </a:prstGeom>
-          </p:spPr>
-          <p:style>
-            <a:lnRef idx="3">
-              <a:schemeClr val="dk1"/>
-            </a:lnRef>
-            <a:fillRef idx="0">
-              <a:schemeClr val="dk1"/>
-            </a:fillRef>
-            <a:effectRef idx="2">
-              <a:schemeClr val="dk1"/>
-            </a:effectRef>
-            <a:fontRef idx="minor">
-              <a:schemeClr val="tx1"/>
-            </a:fontRef>
-          </p:style>
-        </p:cxnSp>
-        <p:grpSp>
-          <p:nvGrpSpPr>
-            <p:cNvPr id="33" name="그룹 32">
-              <a:extLst>
-                <a:ext uri="{FF2B5EF4-FFF2-40B4-BE49-F238E27FC236}">
-                  <a16:creationId xmlns:a16="http://schemas.microsoft.com/office/drawing/2014/main" id="{A7E618E4-C1CB-4383-A8E2-9F890A44E8B7}"/>
-                </a:ext>
-              </a:extLst>
-            </p:cNvPr>
-            <p:cNvGrpSpPr/>
-            <p:nvPr/>
-          </p:nvGrpSpPr>
-          <p:grpSpPr>
-            <a:xfrm>
-              <a:off x="2641600" y="3795475"/>
-              <a:ext cx="5080000" cy="1143576"/>
-              <a:chOff x="2641600" y="3795475"/>
-              <a:chExt cx="5080000" cy="1143576"/>
-            </a:xfrm>
-          </p:grpSpPr>
-          <p:grpSp>
-            <p:nvGrpSpPr>
-              <p:cNvPr id="34" name="그룹 33">
-                <a:extLst>
-                  <a:ext uri="{FF2B5EF4-FFF2-40B4-BE49-F238E27FC236}">
-                    <a16:creationId xmlns:a16="http://schemas.microsoft.com/office/drawing/2014/main" id="{20BE1556-29B2-48F4-9908-0F4E6D14C3D8}"/>
-                  </a:ext>
-                </a:extLst>
-              </p:cNvPr>
-              <p:cNvGrpSpPr/>
-              <p:nvPr/>
-            </p:nvGrpSpPr>
-            <p:grpSpPr>
-              <a:xfrm>
-                <a:off x="2641600" y="3795475"/>
-                <a:ext cx="2724945" cy="994489"/>
-                <a:chOff x="1828800" y="3755311"/>
-                <a:chExt cx="2724945" cy="994489"/>
-              </a:xfrm>
-            </p:grpSpPr>
-            <p:sp>
-              <p:nvSpPr>
-                <p:cNvPr id="36" name="직사각형 35">
-                  <a:extLst>
-                    <a:ext uri="{FF2B5EF4-FFF2-40B4-BE49-F238E27FC236}">
-                      <a16:creationId xmlns:a16="http://schemas.microsoft.com/office/drawing/2014/main" id="{94BC2493-9E08-4E40-9E28-0E9C67F263D3}"/>
-                    </a:ext>
-                  </a:extLst>
-                </p:cNvPr>
-                <p:cNvSpPr/>
-                <p:nvPr/>
-              </p:nvSpPr>
-              <p:spPr>
-                <a:xfrm>
-                  <a:off x="1828800" y="3755311"/>
-                  <a:ext cx="1663700" cy="469900"/>
-                </a:xfrm>
-                <a:prstGeom prst="rect">
-                  <a:avLst/>
-                </a:prstGeom>
-                <a:noFill/>
-                <a:ln>
-                  <a:solidFill>
-                    <a:schemeClr val="tx1"/>
-                  </a:solidFill>
-                </a:ln>
-              </p:spPr>
-              <p:style>
-                <a:lnRef idx="2">
-                  <a:schemeClr val="accent1">
-                    <a:shade val="50000"/>
-                  </a:schemeClr>
-                </a:lnRef>
-                <a:fillRef idx="1">
-                  <a:schemeClr val="accent1"/>
-                </a:fillRef>
-                <a:effectRef idx="0">
-                  <a:schemeClr val="accent1"/>
-                </a:effectRef>
-                <a:fontRef idx="minor">
-                  <a:schemeClr val="lt1"/>
-                </a:fontRef>
-              </p:style>
-              <p:txBody>
-                <a:bodyPr rtlCol="0" anchor="ctr"/>
-                <a:lstStyle/>
-                <a:p>
-                  <a:pPr algn="ctr"/>
-                  <a:endParaRPr lang="ko-KR" altLang="en-US"/>
-                </a:p>
-              </p:txBody>
-            </p:sp>
-            <p:cxnSp>
-              <p:nvCxnSpPr>
-                <p:cNvPr id="37" name="직선 화살표 연결선 36">
-                  <a:extLst>
-                    <a:ext uri="{FF2B5EF4-FFF2-40B4-BE49-F238E27FC236}">
-                      <a16:creationId xmlns:a16="http://schemas.microsoft.com/office/drawing/2014/main" id="{A82E9B0C-317E-49C2-8492-634513E8A161}"/>
-                    </a:ext>
-                  </a:extLst>
-                </p:cNvPr>
-                <p:cNvCxnSpPr/>
-                <p:nvPr/>
-              </p:nvCxnSpPr>
-              <p:spPr>
-                <a:xfrm>
-                  <a:off x="2743200" y="4749800"/>
-                  <a:ext cx="1810545" cy="0"/>
-                </a:xfrm>
-                <a:prstGeom prst="straightConnector1">
-                  <a:avLst/>
-                </a:prstGeom>
-                <a:ln>
-                  <a:tailEnd type="arrow"/>
-                </a:ln>
-              </p:spPr>
-              <p:style>
-                <a:lnRef idx="3">
-                  <a:schemeClr val="dk1"/>
-                </a:lnRef>
-                <a:fillRef idx="0">
-                  <a:schemeClr val="dk1"/>
-                </a:fillRef>
-                <a:effectRef idx="2">
-                  <a:schemeClr val="dk1"/>
-                </a:effectRef>
-                <a:fontRef idx="minor">
-                  <a:schemeClr val="tx1"/>
-                </a:fontRef>
-              </p:style>
-            </p:cxnSp>
-          </p:grpSp>
-          <p:sp>
-            <p:nvSpPr>
-              <p:cNvPr id="35" name="TextBox 34">
-                <a:extLst>
-                  <a:ext uri="{FF2B5EF4-FFF2-40B4-BE49-F238E27FC236}">
-                    <a16:creationId xmlns:a16="http://schemas.microsoft.com/office/drawing/2014/main" id="{8D0442C9-6867-41F2-A87F-48E52AACB300}"/>
-                  </a:ext>
-                </a:extLst>
-              </p:cNvPr>
-              <p:cNvSpPr txBox="1"/>
-              <p:nvPr/>
-            </p:nvSpPr>
-            <p:spPr>
-              <a:xfrm>
-                <a:off x="5345113" y="4569719"/>
-                <a:ext cx="2376487" cy="369332"/>
-              </a:xfrm>
-              <a:prstGeom prst="rect">
-                <a:avLst/>
-              </a:prstGeom>
-              <a:noFill/>
-            </p:spPr>
-            <p:txBody>
-              <a:bodyPr wrap="square" rtlCol="0">
-                <a:spAutoFit/>
-              </a:bodyPr>
-              <a:lstStyle/>
-              <a:p>
-                <a:r>
-                  <a:rPr lang="ko-KR" altLang="en-US" dirty="0"/>
-                  <a:t>업데이트 크기</a:t>
-                </a:r>
-                <a:r>
-                  <a:rPr lang="en-US" altLang="ko-KR" dirty="0"/>
-                  <a:t>(b)</a:t>
-                </a:r>
-                <a:endParaRPr lang="ko-KR" altLang="en-US" dirty="0"/>
-              </a:p>
-            </p:txBody>
-          </p:sp>
-        </p:grpSp>
-      </p:grpSp>
+          <a:prstGeom prst="rect">
+            <a:avLst/>
+          </a:prstGeom>
+          <a:noFill/>
+        </p:spPr>
+        <p:txBody>
+          <a:bodyPr wrap="square" rtlCol="0">
+            <a:spAutoFit/>
+          </a:bodyPr>
+          <a:lstStyle/>
+          <a:p>
+            <a:r>
+              <a:rPr lang="ko-KR" altLang="en-US" dirty="0"/>
+              <a:t>업데이트 크기</a:t>
+            </a:r>
+            <a:r>
+              <a:rPr lang="en-US" altLang="ko-KR" dirty="0"/>
+              <a:t>(b)</a:t>
+            </a:r>
+            <a:endParaRPr lang="ko-KR" altLang="en-US" dirty="0"/>
+          </a:p>
+        </p:txBody>
+      </p:sp>
       <p:grpSp>
         <p:nvGrpSpPr>
           <p:cNvPr id="38" name="그룹 37">
@@ -7486,10 +9032,10 @@
         </p:nvGrpSpPr>
         <p:grpSpPr>
           <a:xfrm>
-            <a:off x="7574321" y="2943742"/>
-            <a:ext cx="3779479" cy="2089923"/>
-            <a:chOff x="7721600" y="2537342"/>
-            <a:chExt cx="3779479" cy="2089923"/>
+            <a:off x="7424903" y="2936351"/>
+            <a:ext cx="4065937" cy="2466646"/>
+            <a:chOff x="7572182" y="2529951"/>
+            <a:chExt cx="4065937" cy="2466646"/>
           </a:xfrm>
         </p:grpSpPr>
         <p:grpSp>
@@ -7506,10 +9052,10 @@
           </p:nvGrpSpPr>
           <p:grpSpPr>
             <a:xfrm>
-              <a:off x="7933051" y="2537342"/>
-              <a:ext cx="3341988" cy="1708666"/>
-              <a:chOff x="7983851" y="2448442"/>
-              <a:chExt cx="3341988" cy="1708666"/>
+              <a:off x="7933051" y="2529951"/>
+              <a:ext cx="3341988" cy="1761539"/>
+              <a:chOff x="7983851" y="2441051"/>
+              <a:chExt cx="3341988" cy="1761539"/>
             </a:xfrm>
           </p:grpSpPr>
           <p:cxnSp>
@@ -7607,7 +9153,7 @@
             </p:nvSpPr>
             <p:spPr>
               <a:xfrm>
-                <a:off x="8301351" y="3787776"/>
+                <a:off x="8301350" y="3833258"/>
                 <a:ext cx="614914" cy="369332"/>
               </a:xfrm>
               <a:prstGeom prst="rect">
@@ -7622,15 +9168,15 @@
               <a:lstStyle/>
               <a:p>
                 <a:r>
-                  <a:rPr lang="en-US" altLang="ko-KR"/>
-                  <a:t>b</a:t>
+                  <a:rPr lang="en-US" altLang="ko-KR" dirty="0"/>
+                  <a:t>b =</a:t>
                 </a:r>
                 <a:endParaRPr lang="ko-KR" altLang="en-US" dirty="0"/>
               </a:p>
             </p:txBody>
           </p:sp>
-          <mc:AlternateContent xmlns:mc="http://schemas.openxmlformats.org/markup-compatibility/2006" xmlns:a14="http://schemas.microsoft.com/office/drawing/2010/main">
-            <mc:Choice Requires="a14">
+          <mc:AlternateContent xmlns:mc="http://schemas.openxmlformats.org/markup-compatibility/2006">
+            <mc:Choice xmlns:a14="http://schemas.microsoft.com/office/drawing/2010/main" Requires="a14">
               <p:sp>
                 <p:nvSpPr>
                   <p:cNvPr id="47" name="TextBox 46">
@@ -7645,7 +9191,7 @@
                 </p:nvSpPr>
                 <p:spPr>
                   <a:xfrm>
-                    <a:off x="8692114" y="2448442"/>
+                    <a:off x="8714453" y="2441051"/>
                     <a:ext cx="1880781" cy="369332"/>
                   </a:xfrm>
                   <a:prstGeom prst="rect">
@@ -7733,10 +9279,16 @@
                 </p:txBody>
               </p:sp>
             </mc:Choice>
-            <mc:Fallback xmlns="">
+            <mc:Fallback>
               <p:sp>
                 <p:nvSpPr>
-                  <p:cNvPr id="78" name="TextBox 77"/>
+                  <p:cNvPr id="47" name="TextBox 46">
+                    <a:extLst>
+                      <a:ext uri="{FF2B5EF4-FFF2-40B4-BE49-F238E27FC236}">
+                        <a16:creationId xmlns:a16="http://schemas.microsoft.com/office/drawing/2014/main" id="{FFA35F6F-A417-4DC7-B047-D9FCE53E6780}"/>
+                      </a:ext>
+                    </a:extLst>
+                  </p:cNvPr>
                   <p:cNvSpPr txBox="1">
                     <a:spLocks noRot="1" noChangeAspect="1" noMove="1" noResize="1" noEditPoints="1" noAdjustHandles="1" noChangeArrowheads="1" noChangeShapeType="1" noTextEdit="1"/>
                   </p:cNvSpPr>
@@ -7744,13 +9296,13 @@
                 </p:nvSpPr>
                 <p:spPr>
                   <a:xfrm>
-                    <a:off x="8692114" y="2448442"/>
+                    <a:off x="8714453" y="2441051"/>
                     <a:ext cx="1880781" cy="369332"/>
                   </a:xfrm>
                   <a:prstGeom prst="rect">
                     <a:avLst/>
                   </a:prstGeom>
-                  <a:blipFill rotWithShape="1">
+                  <a:blipFill>
                     <a:blip r:embed="rId5"/>
                     <a:stretch>
                       <a:fillRect/>
@@ -7861,8 +9413,8 @@
             </p:txBody>
           </p:sp>
         </p:grpSp>
-        <mc:AlternateContent xmlns:mc="http://schemas.openxmlformats.org/markup-compatibility/2006" xmlns:a14="http://schemas.microsoft.com/office/drawing/2010/main">
-          <mc:Choice Requires="a14">
+        <mc:AlternateContent xmlns:mc="http://schemas.openxmlformats.org/markup-compatibility/2006">
+          <mc:Choice xmlns:a14="http://schemas.microsoft.com/office/drawing/2010/main" Requires="a14">
             <p:sp>
               <p:nvSpPr>
                 <p:cNvPr id="40" name="직사각형 39">
@@ -7877,7 +9429,7 @@
               </p:nvSpPr>
               <p:spPr>
                 <a:xfrm>
-                  <a:off x="10774918" y="4257933"/>
+                  <a:off x="10911958" y="4625647"/>
                   <a:ext cx="726161" cy="369332"/>
                 </a:xfrm>
                 <a:prstGeom prst="rect">
@@ -7945,10 +9497,16 @@
               </p:txBody>
             </p:sp>
           </mc:Choice>
-          <mc:Fallback xmlns="">
+          <mc:Fallback>
             <p:sp>
               <p:nvSpPr>
-                <p:cNvPr id="18" name="직사각형 17"/>
+                <p:cNvPr id="40" name="직사각형 39">
+                  <a:extLst>
+                    <a:ext uri="{FF2B5EF4-FFF2-40B4-BE49-F238E27FC236}">
+                      <a16:creationId xmlns:a16="http://schemas.microsoft.com/office/drawing/2014/main" id="{A87EE4DD-5AB6-40E7-8FE7-D75EAC7A8425}"/>
+                    </a:ext>
+                  </a:extLst>
+                </p:cNvPr>
                 <p:cNvSpPr>
                   <a:spLocks noRot="1" noChangeAspect="1" noMove="1" noResize="1" noEditPoints="1" noAdjustHandles="1" noChangeArrowheads="1" noChangeShapeType="1" noTextEdit="1"/>
                 </p:cNvSpPr>
@@ -7956,13 +9514,13 @@
               </p:nvSpPr>
               <p:spPr>
                 <a:xfrm>
-                  <a:off x="10774918" y="4257933"/>
+                  <a:off x="10911958" y="4625647"/>
                   <a:ext cx="726161" cy="369332"/>
                 </a:xfrm>
                 <a:prstGeom prst="rect">
                   <a:avLst/>
                 </a:prstGeom>
-                <a:blipFill rotWithShape="1">
+                <a:blipFill>
                   <a:blip r:embed="rId6"/>
                   <a:stretch>
                     <a:fillRect/>
@@ -7984,8 +9542,8 @@
             </p:sp>
           </mc:Fallback>
         </mc:AlternateContent>
-        <mc:AlternateContent xmlns:mc="http://schemas.openxmlformats.org/markup-compatibility/2006" xmlns:a14="http://schemas.microsoft.com/office/drawing/2010/main">
-          <mc:Choice Requires="a14">
+        <mc:AlternateContent xmlns:mc="http://schemas.openxmlformats.org/markup-compatibility/2006">
+          <mc:Choice xmlns:a14="http://schemas.microsoft.com/office/drawing/2010/main" Requires="a14">
             <p:sp>
               <p:nvSpPr>
                 <p:cNvPr id="41" name="직사각형 40">
@@ -8000,7 +9558,7 @@
               </p:nvSpPr>
               <p:spPr>
                 <a:xfrm>
-                  <a:off x="7721600" y="4235967"/>
+                  <a:off x="7572182" y="4627265"/>
                   <a:ext cx="721736" cy="369332"/>
                 </a:xfrm>
                 <a:prstGeom prst="rect">
@@ -8068,10 +9626,16 @@
               </p:txBody>
             </p:sp>
           </mc:Choice>
-          <mc:Fallback xmlns="">
+          <mc:Fallback>
             <p:sp>
               <p:nvSpPr>
-                <p:cNvPr id="20" name="직사각형 19"/>
+                <p:cNvPr id="41" name="직사각형 40">
+                  <a:extLst>
+                    <a:ext uri="{FF2B5EF4-FFF2-40B4-BE49-F238E27FC236}">
+                      <a16:creationId xmlns:a16="http://schemas.microsoft.com/office/drawing/2014/main" id="{C0E9C298-A322-493A-AD82-C64320A4A388}"/>
+                    </a:ext>
+                  </a:extLst>
+                </p:cNvPr>
                 <p:cNvSpPr>
                   <a:spLocks noRot="1" noChangeAspect="1" noMove="1" noResize="1" noEditPoints="1" noAdjustHandles="1" noChangeArrowheads="1" noChangeShapeType="1" noTextEdit="1"/>
                 </p:cNvSpPr>
@@ -8079,13 +9643,13 @@
               </p:nvSpPr>
               <p:spPr>
                 <a:xfrm>
-                  <a:off x="7721600" y="4235967"/>
+                  <a:off x="7572182" y="4627265"/>
                   <a:ext cx="721736" cy="369332"/>
                 </a:xfrm>
                 <a:prstGeom prst="rect">
                   <a:avLst/>
                 </a:prstGeom>
-                <a:blipFill rotWithShape="1">
+                <a:blipFill>
                   <a:blip r:embed="rId7"/>
                   <a:stretch>
                     <a:fillRect/>
@@ -8116,13 +9680,16 @@
                 </a:ext>
               </a:extLst>
             </p:cNvPr>
-            <p:cNvCxnSpPr/>
+            <p:cNvCxnSpPr>
+              <a:cxnSpLocks/>
+              <a:stCxn id="41" idx="0"/>
+            </p:cNvCxnSpPr>
             <p:nvPr/>
           </p:nvCxnSpPr>
           <p:spPr>
             <a:xfrm flipV="1">
-              <a:off x="7939071" y="3712290"/>
-              <a:ext cx="0" cy="487521"/>
+              <a:off x="7933050" y="3712291"/>
+              <a:ext cx="6021" cy="914974"/>
             </a:xfrm>
             <a:prstGeom prst="straightConnector1">
               <a:avLst/>
@@ -8155,13 +9722,16 @@
                 </a:ext>
               </a:extLst>
             </p:cNvPr>
-            <p:cNvCxnSpPr/>
+            <p:cNvCxnSpPr>
+              <a:cxnSpLocks/>
+              <a:stCxn id="40" idx="0"/>
+            </p:cNvCxnSpPr>
             <p:nvPr/>
           </p:nvCxnSpPr>
           <p:spPr>
             <a:xfrm flipV="1">
-              <a:off x="11275039" y="3688744"/>
-              <a:ext cx="0" cy="511067"/>
+              <a:off x="11275039" y="3611720"/>
+              <a:ext cx="0" cy="1013927"/>
             </a:xfrm>
             <a:prstGeom prst="straightConnector1">
               <a:avLst/>
@@ -8186,6 +9756,177 @@
           </p:style>
         </p:cxnSp>
       </p:grpSp>
+      <mc:AlternateContent xmlns:mc="http://schemas.openxmlformats.org/markup-compatibility/2006">
+        <mc:Choice xmlns:a14="http://schemas.microsoft.com/office/drawing/2010/main" Requires="a14">
+          <p:sp>
+            <p:nvSpPr>
+              <p:cNvPr id="12" name="직사각형 11">
+                <a:extLst>
+                  <a:ext uri="{FF2B5EF4-FFF2-40B4-BE49-F238E27FC236}">
+                    <a16:creationId xmlns:a16="http://schemas.microsoft.com/office/drawing/2014/main" id="{F01AF99F-8D14-4ED4-BF7B-C59427BA1B83}"/>
+                  </a:ext>
+                </a:extLst>
+              </p:cNvPr>
+              <p:cNvSpPr/>
+              <p:nvPr/>
+            </p:nvSpPr>
+            <p:spPr>
+              <a:xfrm>
+                <a:off x="8494035" y="4310776"/>
+                <a:ext cx="1794401" cy="369332"/>
+              </a:xfrm>
+              <a:prstGeom prst="rect">
+                <a:avLst/>
+              </a:prstGeom>
+            </p:spPr>
+            <p:txBody>
+              <a:bodyPr wrap="none">
+                <a:spAutoFit/>
+              </a:bodyPr>
+              <a:lstStyle/>
+              <a:p>
+                <a14:m>
+                  <m:oMathPara xmlns:m="http://schemas.openxmlformats.org/officeDocument/2006/math">
+                    <m:oMathParaPr>
+                      <m:jc m:val="centerGroup"/>
+                    </m:oMathParaPr>
+                    <m:oMath xmlns:m="http://schemas.openxmlformats.org/officeDocument/2006/math">
+                      <m:r>
+                        <a:rPr lang="ko-KR" altLang="en-US" i="1" smtClean="0">
+                          <a:solidFill>
+                            <a:schemeClr val="tx1"/>
+                          </a:solidFill>
+                          <a:latin typeface="Cambria Math"/>
+                          <a:ea typeface="Cambria Math"/>
+                        </a:rPr>
+                        <m:t>𝛼</m:t>
+                      </m:r>
+                      <m:r>
+                        <a:rPr lang="en-US" altLang="ko-KR" i="1">
+                          <a:latin typeface="Cambria Math"/>
+                          <a:ea typeface="Cambria Math"/>
+                        </a:rPr>
+                        <m:t>(</m:t>
+                      </m:r>
+                      <m:r>
+                        <a:rPr lang="en-US" altLang="ko-KR" i="1">
+                          <a:latin typeface="Cambria Math"/>
+                          <a:ea typeface="Cambria Math"/>
+                        </a:rPr>
+                        <m:t>𝐺</m:t>
+                      </m:r>
+                      <m:d>
+                        <m:dPr>
+                          <m:ctrlPr>
+                            <a:rPr lang="en-US" altLang="ko-KR" i="1">
+                              <a:latin typeface="Cambria Math" panose="02040503050406030204" pitchFamily="18" charset="0"/>
+                              <a:ea typeface="Cambria Math"/>
+                            </a:rPr>
+                          </m:ctrlPr>
+                        </m:dPr>
+                        <m:e>
+                          <m:r>
+                            <a:rPr lang="en-US" altLang="ko-KR" i="1">
+                              <a:latin typeface="Cambria Math"/>
+                              <a:ea typeface="Cambria Math"/>
+                            </a:rPr>
+                            <m:t>𝑠</m:t>
+                          </m:r>
+                        </m:e>
+                      </m:d>
+                      <m:r>
+                        <a:rPr lang="en-US" altLang="ko-KR" i="1">
+                          <a:latin typeface="Cambria Math"/>
+                          <a:ea typeface="Cambria Math"/>
+                        </a:rPr>
+                        <m:t>−</m:t>
+                      </m:r>
+                      <m:r>
+                        <a:rPr lang="en-US" altLang="ko-KR" i="1">
+                          <a:latin typeface="Cambria Math"/>
+                          <a:ea typeface="Cambria Math"/>
+                        </a:rPr>
+                        <m:t>𝑉</m:t>
+                      </m:r>
+                      <m:d>
+                        <m:dPr>
+                          <m:ctrlPr>
+                            <a:rPr lang="en-US" altLang="ko-KR" i="1">
+                              <a:latin typeface="Cambria Math" panose="02040503050406030204" pitchFamily="18" charset="0"/>
+                              <a:ea typeface="Cambria Math"/>
+                            </a:rPr>
+                          </m:ctrlPr>
+                        </m:dPr>
+                        <m:e>
+                          <m:r>
+                            <a:rPr lang="en-US" altLang="ko-KR" i="1">
+                              <a:latin typeface="Cambria Math"/>
+                              <a:ea typeface="Cambria Math"/>
+                            </a:rPr>
+                            <m:t>𝑠</m:t>
+                          </m:r>
+                        </m:e>
+                      </m:d>
+                      <m:r>
+                        <a:rPr lang="en-US" altLang="ko-KR" i="1">
+                          <a:latin typeface="Cambria Math"/>
+                          <a:ea typeface="Cambria Math"/>
+                        </a:rPr>
+                        <m:t>)</m:t>
+                      </m:r>
+                    </m:oMath>
+                  </m:oMathPara>
+                </a14:m>
+                <a:endParaRPr lang="ko-KR" altLang="en-US" dirty="0"/>
+              </a:p>
+            </p:txBody>
+          </p:sp>
+        </mc:Choice>
+        <mc:Fallback>
+          <p:sp>
+            <p:nvSpPr>
+              <p:cNvPr id="12" name="직사각형 11">
+                <a:extLst>
+                  <a:ext uri="{FF2B5EF4-FFF2-40B4-BE49-F238E27FC236}">
+                    <a16:creationId xmlns:a16="http://schemas.microsoft.com/office/drawing/2014/main" id="{F01AF99F-8D14-4ED4-BF7B-C59427BA1B83}"/>
+                  </a:ext>
+                </a:extLst>
+              </p:cNvPr>
+              <p:cNvSpPr>
+                <a:spLocks noRot="1" noChangeAspect="1" noMove="1" noResize="1" noEditPoints="1" noAdjustHandles="1" noChangeArrowheads="1" noChangeShapeType="1" noTextEdit="1"/>
+              </p:cNvSpPr>
+              <p:nvPr/>
+            </p:nvSpPr>
+            <p:spPr>
+              <a:xfrm>
+                <a:off x="8494035" y="4310776"/>
+                <a:ext cx="1794401" cy="369332"/>
+              </a:xfrm>
+              <a:prstGeom prst="rect">
+                <a:avLst/>
+              </a:prstGeom>
+              <a:blipFill>
+                <a:blip r:embed="rId8"/>
+                <a:stretch>
+                  <a:fillRect b="-16393"/>
+                </a:stretch>
+              </a:blipFill>
+            </p:spPr>
+            <p:txBody>
+              <a:bodyPr/>
+              <a:lstStyle/>
+              <a:p>
+                <a:r>
+                  <a:rPr lang="ko-KR" altLang="en-US">
+                    <a:noFill/>
+                  </a:rPr>
+                  <a:t> </a:t>
+                </a:r>
+              </a:p>
+            </p:txBody>
+          </p:sp>
+        </mc:Fallback>
+      </mc:AlternateContent>
     </p:spTree>
     <p:extLst>
       <p:ext uri="{BB962C8B-B14F-4D97-AF65-F5344CB8AC3E}">
@@ -8275,96 +10016,6 @@
                                           </p:stCondLst>
                                         </p:cTn>
                                         <p:tgtEl>
-                                          <p:spTgt spid="24"/>
-                                        </p:tgtEl>
-                                        <p:attrNameLst>
-                                          <p:attrName>style.visibility</p:attrName>
-                                        </p:attrNameLst>
-                                      </p:cBhvr>
-                                      <p:to>
-                                        <p:strVal val="visible"/>
-                                      </p:to>
-                                    </p:set>
-                                  </p:childTnLst>
-                                </p:cTn>
-                              </p:par>
-                            </p:childTnLst>
-                          </p:cTn>
-                        </p:par>
-                      </p:childTnLst>
-                    </p:cTn>
-                  </p:par>
-                  <p:par>
-                    <p:cTn id="11" fill="hold">
-                      <p:stCondLst>
-                        <p:cond delay="indefinite"/>
-                      </p:stCondLst>
-                      <p:childTnLst>
-                        <p:par>
-                          <p:cTn id="12" fill="hold">
-                            <p:stCondLst>
-                              <p:cond delay="0"/>
-                            </p:stCondLst>
-                            <p:childTnLst>
-                              <p:par>
-                                <p:cTn id="13" presetID="1" presetClass="entr" presetSubtype="0" fill="hold" nodeType="clickEffect">
-                                  <p:stCondLst>
-                                    <p:cond delay="0"/>
-                                  </p:stCondLst>
-                                  <p:childTnLst>
-                                    <p:set>
-                                      <p:cBhvr>
-                                        <p:cTn id="14" dur="1" fill="hold">
-                                          <p:stCondLst>
-                                            <p:cond delay="0"/>
-                                          </p:stCondLst>
-                                        </p:cTn>
-                                        <p:tgtEl>
-                                          <p:spTgt spid="31"/>
-                                        </p:tgtEl>
-                                        <p:attrNameLst>
-                                          <p:attrName>style.visibility</p:attrName>
-                                        </p:attrNameLst>
-                                      </p:cBhvr>
-                                      <p:to>
-                                        <p:strVal val="visible"/>
-                                      </p:to>
-                                    </p:set>
-                                  </p:childTnLst>
-                                </p:cTn>
-                              </p:par>
-                            </p:childTnLst>
-                          </p:cTn>
-                        </p:par>
-                      </p:childTnLst>
-                    </p:cTn>
-                  </p:par>
-                  <p:par>
-                    <p:cTn id="15" fill="hold">
-                      <p:stCondLst>
-                        <p:cond delay="indefinite"/>
-                      </p:stCondLst>
-                      <p:childTnLst>
-                        <p:par>
-                          <p:cTn id="16" fill="hold">
-                            <p:stCondLst>
-                              <p:cond delay="0"/>
-                            </p:stCondLst>
-                            <p:childTnLst>
-                              <p:par>
-                                <p:cTn id="17" presetID="1" presetClass="entr" presetSubtype="0" fill="hold" nodeType="clickEffect">
-                                  <p:stCondLst>
-                                    <p:cond delay="0"/>
-                                  </p:stCondLst>
-                                  <p:childTnLst>
-                                    <p:set>
-                                      <p:cBhvr>
-                                        <p:cTn id="18" dur="1" fill="hold">
-                                          <p:stCondLst>
-                                            <p:cond delay="0"/>
-                                          </p:stCondLst>
-                                        </p:cTn>
-                                        <p:tgtEl>
                                           <p:spTgt spid="38"/>
                                         </p:tgtEl>
                                         <p:attrNameLst>
@@ -8426,6 +10077,35 @@
           <a:chExt cx="0" cy="0"/>
         </a:xfrm>
       </p:grpSpPr>
+      <p:pic>
+        <p:nvPicPr>
+          <p:cNvPr id="7" name="그림 6">
+            <a:extLst>
+              <a:ext uri="{FF2B5EF4-FFF2-40B4-BE49-F238E27FC236}">
+                <a16:creationId xmlns:a16="http://schemas.microsoft.com/office/drawing/2014/main" id="{386A1304-0FA8-4AB4-A189-D71B8125F7AC}"/>
+              </a:ext>
+            </a:extLst>
+          </p:cNvPr>
+          <p:cNvPicPr>
+            <a:picLocks noChangeAspect="1"/>
+          </p:cNvPicPr>
+          <p:nvPr/>
+        </p:nvPicPr>
+        <p:blipFill rotWithShape="1">
+          <a:blip r:embed="rId3"/>
+          <a:srcRect l="1383" t="1918" r="2606" b="2281"/>
+          <a:stretch/>
+        </p:blipFill>
+        <p:spPr>
+          <a:xfrm>
+            <a:off x="7592257" y="4076028"/>
+            <a:ext cx="2876615" cy="1771610"/>
+          </a:xfrm>
+          <a:prstGeom prst="rect">
+            <a:avLst/>
+          </a:prstGeom>
+        </p:spPr>
+      </p:pic>
       <p:sp>
         <p:nvSpPr>
           <p:cNvPr id="2" name="제목 1">
@@ -8463,75 +10143,6 @@
       </p:sp>
       <p:sp>
         <p:nvSpPr>
-          <p:cNvPr id="4" name="Rectangle 2">
-            <a:extLst>
-              <a:ext uri="{FF2B5EF4-FFF2-40B4-BE49-F238E27FC236}">
-                <a16:creationId xmlns:a16="http://schemas.microsoft.com/office/drawing/2014/main" id="{338D12FF-78B7-4429-82B8-06CD25E008F4}"/>
-              </a:ext>
-            </a:extLst>
-          </p:cNvPr>
-          <p:cNvSpPr>
-            <a:spLocks noChangeArrowheads="1"/>
-          </p:cNvSpPr>
-          <p:nvPr/>
-        </p:nvSpPr>
-        <p:spPr bwMode="auto">
-          <a:xfrm>
-            <a:off x="6899563" y="1762124"/>
-            <a:ext cx="12192000" cy="457200"/>
-          </a:xfrm>
-          <a:prstGeom prst="rect">
-            <a:avLst/>
-          </a:prstGeom>
-          <a:noFill/>
-          <a:ln>
-            <a:noFill/>
-          </a:ln>
-          <a:effectLst/>
-          <a:extLst>
-            <a:ext uri="{909E8E84-426E-40DD-AFC4-6F175D3DCCD1}">
-              <a14:hiddenFill xmlns:a14="http://schemas.microsoft.com/office/drawing/2010/main">
-                <a:solidFill>
-                  <a:schemeClr val="accent1"/>
-                </a:solidFill>
-              </a14:hiddenFill>
-            </a:ext>
-            <a:ext uri="{91240B29-F687-4F45-9708-019B960494DF}">
-              <a14:hiddenLine xmlns:a14="http://schemas.microsoft.com/office/drawing/2010/main" w="9525">
-                <a:solidFill>
-                  <a:schemeClr val="tx1"/>
-                </a:solidFill>
-                <a:miter lim="800000"/>
-                <a:headEnd/>
-                <a:tailEnd/>
-              </a14:hiddenLine>
-            </a:ext>
-            <a:ext uri="{AF507438-7753-43E0-B8FC-AC1667EBCBE1}">
-              <a14:hiddenEffects xmlns:a14="http://schemas.microsoft.com/office/drawing/2010/main">
-                <a:effectLst>
-                  <a:outerShdw dist="35921" dir="2700000" algn="ctr" rotWithShape="0">
-                    <a:schemeClr val="bg2"/>
-                  </a:outerShdw>
-                </a:effectLst>
-              </a14:hiddenEffects>
-            </a:ext>
-          </a:extLst>
-        </p:spPr>
-        <p:txBody>
-          <a:bodyPr vert="horz" wrap="none" lIns="91440" tIns="45720" rIns="91440" bIns="45720" numCol="1" anchor="ctr" anchorCtr="0" compatLnSpc="1">
-            <a:prstTxWarp prst="textNoShape">
-              <a:avLst/>
-            </a:prstTxWarp>
-            <a:spAutoFit/>
-          </a:bodyPr>
-          <a:lstStyle/>
-          <a:p>
-            <a:endParaRPr lang="ko-KR" altLang="en-US"/>
-          </a:p>
-        </p:txBody>
-      </p:sp>
-      <p:sp>
-        <p:nvSpPr>
           <p:cNvPr id="5" name="내용 개체 틀 4">
             <a:extLst>
               <a:ext uri="{FF2B5EF4-FFF2-40B4-BE49-F238E27FC236}">
@@ -8546,7 +10157,12 @@
             <p:ph idx="1"/>
           </p:nvPr>
         </p:nvSpPr>
-        <p:spPr/>
+        <p:spPr>
+          <a:xfrm>
+            <a:off x="838200" y="1825625"/>
+            <a:ext cx="10678610" cy="4351338"/>
+          </a:xfrm>
+        </p:spPr>
         <p:txBody>
           <a:bodyPr>
             <a:normAutofit/>
@@ -8563,11 +10179,11 @@
             </a:r>
             <a:r>
               <a:rPr lang="ko-KR" altLang="en-US" sz="2400" dirty="0"/>
-              <a:t>실시간이 아님 </a:t>
+              <a:t>실시간이 아님</a:t>
             </a:r>
             <a:r>
               <a:rPr lang="en-US" altLang="ko-KR" sz="2400" dirty="0"/>
-              <a:t>(</a:t>
+              <a:t> (</a:t>
             </a:r>
             <a:r>
               <a:rPr lang="ko-KR" altLang="en-US" sz="2400" dirty="0"/>
@@ -8584,7 +10200,7 @@
           <a:p>
             <a:r>
               <a:rPr lang="ko-KR" altLang="en-US" sz="2400" dirty="0"/>
-              <a:t>에피소드가 아닌 </a:t>
+              <a:t>실생활에서는 에피소드가 아닌 </a:t>
             </a:r>
             <a:r>
               <a:rPr lang="ko-KR" altLang="en-US" sz="2400" b="1" dirty="0"/>
@@ -8592,7 +10208,7 @@
             </a:r>
             <a:r>
               <a:rPr lang="ko-KR" altLang="en-US" sz="2400" dirty="0"/>
-              <a:t> 마다 가치함수를 업데이트 해야 함</a:t>
+              <a:t>마다 가치함수를 업데이트 해야 함</a:t>
             </a:r>
             <a:endParaRPr lang="en-US" altLang="ko-KR" sz="2400" dirty="0"/>
           </a:p>
@@ -8602,13 +10218,13 @@
           <a:p>
             <a:r>
               <a:rPr lang="ko-KR" altLang="en-US" sz="2400" dirty="0"/>
-              <a:t>한번에 하나의 가치함수만 업데이트</a:t>
+              <a:t>몬테카를로 예측과는 달리 한번에 하나의 가치함수만 업데이트</a:t>
             </a:r>
           </a:p>
         </p:txBody>
       </p:sp>
-      <mc:AlternateContent xmlns:mc="http://schemas.openxmlformats.org/markup-compatibility/2006" xmlns:a14="http://schemas.microsoft.com/office/drawing/2010/main">
-        <mc:Choice Requires="a14">
+      <mc:AlternateContent xmlns:mc="http://schemas.openxmlformats.org/markup-compatibility/2006">
+        <mc:Choice xmlns:a14="http://schemas.microsoft.com/office/drawing/2010/main" Requires="a14">
           <p:sp>
             <p:nvSpPr>
               <p:cNvPr id="18" name="TextBox 17">
@@ -8623,8 +10239,8 @@
             </p:nvSpPr>
             <p:spPr>
               <a:xfrm>
-                <a:off x="5704267" y="4362078"/>
-                <a:ext cx="5489986" cy="677108"/>
+                <a:off x="694020" y="5480903"/>
+                <a:ext cx="5811504" cy="830997"/>
               </a:xfrm>
               <a:prstGeom prst="rect">
                 <a:avLst/>
@@ -8638,7 +10254,7 @@
               <a:lstStyle/>
               <a:p>
                 <a:r>
-                  <a:rPr lang="en-US" altLang="ko-KR" sz="2000" dirty="0">
+                  <a:rPr lang="en-US" altLang="ko-KR" sz="2400" dirty="0">
                     <a:ea typeface="Cambria Math"/>
                   </a:rPr>
                   <a:t>V(s) </a:t>
@@ -8646,56 +10262,56 @@
                 <a14:m>
                   <m:oMath xmlns:m="http://schemas.openxmlformats.org/officeDocument/2006/math">
                     <m:r>
-                      <a:rPr lang="en-US" altLang="ko-KR" sz="2000" i="1">
+                      <a:rPr lang="en-US" altLang="ko-KR" sz="2400" i="1">
                         <a:latin typeface="Cambria Math"/>
                         <a:ea typeface="Cambria Math"/>
                       </a:rPr>
                       <m:t>←</m:t>
                     </m:r>
                     <m:r>
-                      <a:rPr lang="en-US" altLang="ko-KR" sz="2000" i="1">
+                      <a:rPr lang="en-US" altLang="ko-KR" sz="2400" i="1">
                         <a:latin typeface="Cambria Math"/>
                         <a:ea typeface="Cambria Math"/>
                       </a:rPr>
                       <m:t>𝑉</m:t>
                     </m:r>
                     <m:r>
-                      <a:rPr lang="en-US" altLang="ko-KR" sz="2000" i="1">
+                      <a:rPr lang="en-US" altLang="ko-KR" sz="2400" i="1">
                         <a:latin typeface="Cambria Math"/>
                         <a:ea typeface="Cambria Math"/>
                       </a:rPr>
                       <m:t>(</m:t>
                     </m:r>
                     <m:r>
-                      <a:rPr lang="en-US" altLang="ko-KR" sz="2000" i="1">
+                      <a:rPr lang="en-US" altLang="ko-KR" sz="2400" i="1">
                         <a:latin typeface="Cambria Math"/>
                         <a:ea typeface="Cambria Math"/>
                       </a:rPr>
                       <m:t>𝑠</m:t>
                     </m:r>
                     <m:r>
-                      <a:rPr lang="en-US" altLang="ko-KR" sz="2000" i="1">
+                      <a:rPr lang="en-US" altLang="ko-KR" sz="2400" i="1">
                         <a:latin typeface="Cambria Math"/>
                         <a:ea typeface="Cambria Math"/>
                       </a:rPr>
                       <m:t>)+</m:t>
                     </m:r>
                     <m:r>
-                      <a:rPr lang="ko-KR" altLang="en-US" sz="2000" i="1">
+                      <a:rPr lang="ko-KR" altLang="en-US" sz="2400" i="1">
                         <a:latin typeface="Cambria Math"/>
                         <a:ea typeface="Cambria Math"/>
                       </a:rPr>
                       <m:t>𝛼</m:t>
                     </m:r>
                     <m:r>
-                      <a:rPr lang="en-US" altLang="ko-KR" sz="2000" i="1">
+                      <a:rPr lang="en-US" altLang="ko-KR" sz="2400" i="1">
                         <a:latin typeface="Cambria Math"/>
                         <a:ea typeface="Cambria Math"/>
                       </a:rPr>
                       <m:t> (</m:t>
                     </m:r>
                     <m:r>
-                      <a:rPr lang="en-US" altLang="ko-KR" sz="2000" b="0" i="1" smtClean="0">
+                      <a:rPr lang="en-US" altLang="ko-KR" sz="2400" b="0" i="1" smtClean="0">
                         <a:solidFill>
                           <a:srgbClr val="FF0000"/>
                         </a:solidFill>
@@ -8705,7 +10321,7 @@
                       <m:t>𝑅</m:t>
                     </m:r>
                     <m:r>
-                      <a:rPr lang="en-US" altLang="ko-KR" sz="2000" i="1">
+                      <a:rPr lang="en-US" altLang="ko-KR" sz="2400" i="1">
                         <a:solidFill>
                           <a:srgbClr val="FF0000"/>
                         </a:solidFill>
@@ -8714,7 +10330,7 @@
                       <m:t>+</m:t>
                     </m:r>
                     <m:r>
-                      <a:rPr lang="ko-KR" altLang="en-US" sz="2000" i="1">
+                      <a:rPr lang="ko-KR" altLang="en-US" sz="2400" i="1">
                         <a:solidFill>
                           <a:srgbClr val="FF0000"/>
                         </a:solidFill>
@@ -8725,7 +10341,7 @@
                     <m:sSub>
                       <m:sSubPr>
                         <m:ctrlPr>
-                          <a:rPr lang="en-US" altLang="ko-KR" sz="2000" i="1">
+                          <a:rPr lang="en-US" altLang="ko-KR" sz="2400" i="1">
                             <a:solidFill>
                               <a:srgbClr val="FF0000"/>
                             </a:solidFill>
@@ -8735,7 +10351,7 @@
                       </m:sSubPr>
                       <m:e>
                         <m:r>
-                          <a:rPr lang="en-US" altLang="ko-KR" sz="2000" i="1">
+                          <a:rPr lang="en-US" altLang="ko-KR" sz="2400" i="1">
                             <a:solidFill>
                               <a:srgbClr val="FF0000"/>
                             </a:solidFill>
@@ -8746,7 +10362,7 @@
                       </m:e>
                       <m:sub>
                         <m:r>
-                          <a:rPr lang="ko-KR" altLang="en-US" sz="2000" i="1">
+                          <a:rPr lang="ko-KR" altLang="en-US" sz="2400" i="1">
                             <a:solidFill>
                               <a:srgbClr val="FF0000"/>
                             </a:solidFill>
@@ -8757,7 +10373,7 @@
                       </m:sub>
                     </m:sSub>
                     <m:r>
-                      <a:rPr lang="en-US" altLang="ko-KR" sz="2000" b="0" i="1" smtClean="0">
+                      <a:rPr lang="en-US" altLang="ko-KR" sz="2400" b="0" i="1" smtClean="0">
                         <a:solidFill>
                           <a:srgbClr val="FF0000"/>
                         </a:solidFill>
@@ -8768,7 +10384,7 @@
                     <m:sSub>
                       <m:sSubPr>
                         <m:ctrlPr>
-                          <a:rPr lang="en-US" altLang="ko-KR" sz="2000" b="0" i="1" smtClean="0">
+                          <a:rPr lang="en-US" altLang="ko-KR" sz="2400" b="0" i="1" smtClean="0">
                             <a:solidFill>
                               <a:srgbClr val="FF0000"/>
                             </a:solidFill>
@@ -8778,7 +10394,7 @@
                       </m:sSubPr>
                       <m:e>
                         <m:r>
-                          <a:rPr lang="en-US" altLang="ko-KR" sz="2000" b="0" i="1" smtClean="0">
+                          <a:rPr lang="en-US" altLang="ko-KR" sz="2400" b="0" i="1" smtClean="0">
                             <a:solidFill>
                               <a:srgbClr val="FF0000"/>
                             </a:solidFill>
@@ -8789,7 +10405,7 @@
                       </m:e>
                       <m:sub>
                         <m:r>
-                          <a:rPr lang="en-US" altLang="ko-KR" sz="2000" b="0" i="1" smtClean="0">
+                          <a:rPr lang="en-US" altLang="ko-KR" sz="2400" b="0" i="1" smtClean="0">
                             <a:solidFill>
                               <a:srgbClr val="FF0000"/>
                             </a:solidFill>
@@ -8798,7 +10414,7 @@
                           <m:t>𝑡</m:t>
                         </m:r>
                         <m:r>
-                          <a:rPr lang="en-US" altLang="ko-KR" sz="2000" b="0" i="1" smtClean="0">
+                          <a:rPr lang="en-US" altLang="ko-KR" sz="2400" b="0" i="1" smtClean="0">
                             <a:solidFill>
                               <a:srgbClr val="FF0000"/>
                             </a:solidFill>
@@ -8809,7 +10425,7 @@
                       </m:sub>
                     </m:sSub>
                     <m:r>
-                      <a:rPr lang="en-US" altLang="ko-KR" sz="2000" b="0" i="1" smtClean="0">
+                      <a:rPr lang="en-US" altLang="ko-KR" sz="2400" b="0" i="1" smtClean="0">
                         <a:solidFill>
                           <a:srgbClr val="FF0000"/>
                         </a:solidFill>
@@ -8818,14 +10434,14 @@
                       <m:t>)</m:t>
                     </m:r>
                     <m:r>
-                      <a:rPr lang="en-US" altLang="ko-KR" sz="2000" i="1">
+                      <a:rPr lang="en-US" altLang="ko-KR" sz="2400" i="1">
                         <a:latin typeface="Cambria Math"/>
                         <a:ea typeface="Cambria Math"/>
                       </a:rPr>
                       <m:t>−</m:t>
                     </m:r>
                     <m:r>
-                      <a:rPr lang="en-US" altLang="ko-KR" sz="2000" i="1">
+                      <a:rPr lang="en-US" altLang="ko-KR" sz="2400" i="1">
                         <a:latin typeface="Cambria Math"/>
                         <a:ea typeface="Cambria Math"/>
                       </a:rPr>
@@ -8834,7 +10450,7 @@
                     <m:d>
                       <m:dPr>
                         <m:ctrlPr>
-                          <a:rPr lang="en-US" altLang="ko-KR" sz="2000" i="1">
+                          <a:rPr lang="en-US" altLang="ko-KR" sz="2400" i="1">
                             <a:latin typeface="Cambria Math" panose="02040503050406030204" pitchFamily="18" charset="0"/>
                             <a:ea typeface="Cambria Math"/>
                           </a:rPr>
@@ -8844,7 +10460,7 @@
                         <m:sSub>
                           <m:sSubPr>
                             <m:ctrlPr>
-                              <a:rPr lang="en-US" altLang="ko-KR" sz="2000" i="1" smtClean="0">
+                              <a:rPr lang="en-US" altLang="ko-KR" sz="2400" i="1" smtClean="0">
                                 <a:latin typeface="Cambria Math" panose="02040503050406030204" pitchFamily="18" charset="0"/>
                                 <a:ea typeface="Cambria Math"/>
                               </a:rPr>
@@ -8852,7 +10468,7 @@
                           </m:sSubPr>
                           <m:e>
                             <m:r>
-                              <a:rPr lang="en-US" altLang="ko-KR" sz="2000" b="0" i="1" smtClean="0">
+                              <a:rPr lang="en-US" altLang="ko-KR" sz="2400" b="0" i="1" smtClean="0">
                                 <a:latin typeface="Cambria Math"/>
                                 <a:ea typeface="Cambria Math"/>
                               </a:rPr>
@@ -8861,7 +10477,7 @@
                           </m:e>
                           <m:sub>
                             <m:r>
-                              <a:rPr lang="en-US" altLang="ko-KR" sz="2000" b="0" i="1" smtClean="0">
+                              <a:rPr lang="en-US" altLang="ko-KR" sz="2400" b="0" i="1" smtClean="0">
                                 <a:latin typeface="Cambria Math"/>
                                 <a:ea typeface="Cambria Math"/>
                               </a:rPr>
@@ -8872,7 +10488,7 @@
                       </m:e>
                     </m:d>
                     <m:r>
-                      <a:rPr lang="en-US" altLang="ko-KR" sz="2000" i="1">
+                      <a:rPr lang="en-US" altLang="ko-KR" sz="2400" i="1">
                         <a:latin typeface="Cambria Math"/>
                         <a:ea typeface="Cambria Math"/>
                       </a:rPr>
@@ -8880,15 +10496,15 @@
                     </m:r>
                   </m:oMath>
                 </a14:m>
-                <a:endParaRPr lang="ko-KR" altLang="en-US" sz="2000" dirty="0"/>
+                <a:endParaRPr lang="ko-KR" altLang="en-US" sz="2400" dirty="0"/>
               </a:p>
               <a:p>
-                <a:endParaRPr lang="ko-KR" altLang="en-US" dirty="0"/>
+                <a:endParaRPr lang="ko-KR" altLang="en-US" sz="2400" dirty="0"/>
               </a:p>
             </p:txBody>
           </p:sp>
         </mc:Choice>
-        <mc:Fallback xmlns="">
+        <mc:Fallback>
           <p:sp>
             <p:nvSpPr>
               <p:cNvPr id="18" name="TextBox 17">
@@ -8905,16 +10521,16 @@
             </p:nvSpPr>
             <p:spPr>
               <a:xfrm>
-                <a:off x="5704267" y="4362078"/>
-                <a:ext cx="5489986" cy="677108"/>
+                <a:off x="694020" y="5480903"/>
+                <a:ext cx="5811504" cy="830997"/>
               </a:xfrm>
               <a:prstGeom prst="rect">
                 <a:avLst/>
               </a:prstGeom>
               <a:blipFill>
-                <a:blip r:embed="rId2"/>
+                <a:blip r:embed="rId4"/>
                 <a:stretch>
-                  <a:fillRect l="-1222" t="-5405"/>
+                  <a:fillRect l="-1679" t="-5882"/>
                 </a:stretch>
               </a:blipFill>
             </p:spPr>
@@ -8947,8 +10563,8 @@
         </p:nvSpPr>
         <p:spPr>
           <a:xfrm>
-            <a:off x="6441426" y="4820610"/>
-            <a:ext cx="4514994" cy="307777"/>
+            <a:off x="1591800" y="5987563"/>
+            <a:ext cx="4514994" cy="338554"/>
           </a:xfrm>
           <a:prstGeom prst="rect">
             <a:avLst/>
@@ -8962,14 +10578,14 @@
           <a:lstStyle/>
           <a:p>
             <a:r>
-              <a:rPr lang="ko-KR" altLang="en-US" sz="1400" dirty="0"/>
-              <a:t>시간차 예측에서 가치함수 업데이트</a:t>
+              <a:rPr lang="ko-KR" altLang="en-US" sz="1600" dirty="0"/>
+              <a:t>시간차 예측 가치함수 업데이트</a:t>
             </a:r>
           </a:p>
         </p:txBody>
       </p:sp>
-      <mc:AlternateContent xmlns:mc="http://schemas.openxmlformats.org/markup-compatibility/2006" xmlns:a14="http://schemas.microsoft.com/office/drawing/2010/main">
-        <mc:Choice Requires="a14">
+      <mc:AlternateContent xmlns:mc="http://schemas.openxmlformats.org/markup-compatibility/2006">
+        <mc:Choice xmlns:a14="http://schemas.microsoft.com/office/drawing/2010/main" Requires="a14">
           <p:sp>
             <p:nvSpPr>
               <p:cNvPr id="31" name="TextBox 30">
@@ -8984,8 +10600,8 @@
             </p:nvSpPr>
             <p:spPr>
               <a:xfrm>
-                <a:off x="1494619" y="4362078"/>
-                <a:ext cx="3807054" cy="400110"/>
+                <a:off x="1112785" y="4404950"/>
+                <a:ext cx="4306004" cy="461665"/>
               </a:xfrm>
               <a:prstGeom prst="rect">
                 <a:avLst/>
@@ -8999,7 +10615,7 @@
               <a:lstStyle/>
               <a:p>
                 <a:r>
-                  <a:rPr lang="en-US" altLang="ko-KR" sz="2000" dirty="0">
+                  <a:rPr lang="en-US" altLang="ko-KR" sz="2400" dirty="0">
                     <a:ea typeface="Cambria Math"/>
                   </a:rPr>
                   <a:t>V(s) </a:t>
@@ -9007,42 +10623,42 @@
                 <a14:m>
                   <m:oMath xmlns:m="http://schemas.openxmlformats.org/officeDocument/2006/math">
                     <m:r>
-                      <a:rPr lang="en-US" altLang="ko-KR" sz="2000" i="1">
+                      <a:rPr lang="en-US" altLang="ko-KR" sz="2400" i="1">
                         <a:latin typeface="Cambria Math"/>
                         <a:ea typeface="Cambria Math"/>
                       </a:rPr>
                       <m:t>←</m:t>
                     </m:r>
                     <m:r>
-                      <a:rPr lang="en-US" altLang="ko-KR" sz="2000" b="0" i="1" smtClean="0">
+                      <a:rPr lang="en-US" altLang="ko-KR" sz="2400" b="0" i="1" smtClean="0">
                         <a:latin typeface="Cambria Math"/>
                         <a:ea typeface="Cambria Math"/>
                       </a:rPr>
                       <m:t>𝑉</m:t>
                     </m:r>
                     <m:r>
-                      <a:rPr lang="en-US" altLang="ko-KR" sz="2000" b="0" i="1" smtClean="0">
+                      <a:rPr lang="en-US" altLang="ko-KR" sz="2400" b="0" i="1" smtClean="0">
                         <a:latin typeface="Cambria Math"/>
                         <a:ea typeface="Cambria Math"/>
                       </a:rPr>
                       <m:t>(</m:t>
                     </m:r>
                     <m:r>
-                      <a:rPr lang="en-US" altLang="ko-KR" sz="2000" b="0" i="1" smtClean="0">
+                      <a:rPr lang="en-US" altLang="ko-KR" sz="2400" b="0" i="1" smtClean="0">
                         <a:latin typeface="Cambria Math"/>
                         <a:ea typeface="Cambria Math"/>
                       </a:rPr>
                       <m:t>𝑠</m:t>
                     </m:r>
                     <m:r>
-                      <a:rPr lang="en-US" altLang="ko-KR" sz="2000" b="0" i="1" smtClean="0">
+                      <a:rPr lang="en-US" altLang="ko-KR" sz="2400" b="0" i="1" smtClean="0">
                         <a:latin typeface="Cambria Math"/>
                         <a:ea typeface="Cambria Math"/>
                       </a:rPr>
                       <m:t>)+</m:t>
                     </m:r>
                     <m:r>
-                      <a:rPr lang="ko-KR" altLang="en-US" sz="2000" b="0" i="1" smtClean="0">
+                      <a:rPr lang="ko-KR" altLang="en-US" sz="2400" b="0" i="1" smtClean="0">
                         <a:solidFill>
                           <a:schemeClr val="tx1"/>
                         </a:solidFill>
@@ -9052,14 +10668,14 @@
                       <m:t>𝛼</m:t>
                     </m:r>
                     <m:r>
-                      <a:rPr lang="en-US" altLang="ko-KR" sz="2000" b="0" i="1" smtClean="0">
+                      <a:rPr lang="en-US" altLang="ko-KR" sz="2400" b="0" i="1" smtClean="0">
                         <a:latin typeface="Cambria Math"/>
                         <a:ea typeface="Cambria Math"/>
                       </a:rPr>
                       <m:t> (</m:t>
                     </m:r>
                     <m:r>
-                      <a:rPr lang="en-US" altLang="ko-KR" sz="2000" b="0" i="1" smtClean="0">
+                      <a:rPr lang="en-US" altLang="ko-KR" sz="2400" b="0" i="1" smtClean="0">
                         <a:latin typeface="Cambria Math"/>
                         <a:ea typeface="Cambria Math"/>
                       </a:rPr>
@@ -9068,7 +10684,7 @@
                     <m:d>
                       <m:dPr>
                         <m:ctrlPr>
-                          <a:rPr lang="en-US" altLang="ko-KR" sz="2000" b="0" i="1" smtClean="0">
+                          <a:rPr lang="en-US" altLang="ko-KR" sz="2400" b="0" i="1" smtClean="0">
                             <a:latin typeface="Cambria Math" panose="02040503050406030204" pitchFamily="18" charset="0"/>
                             <a:ea typeface="Cambria Math"/>
                           </a:rPr>
@@ -9076,7 +10692,7 @@
                       </m:dPr>
                       <m:e>
                         <m:r>
-                          <a:rPr lang="en-US" altLang="ko-KR" sz="2000" b="0" i="1" smtClean="0">
+                          <a:rPr lang="en-US" altLang="ko-KR" sz="2400" b="0" i="1" smtClean="0">
                             <a:latin typeface="Cambria Math"/>
                             <a:ea typeface="Cambria Math"/>
                           </a:rPr>
@@ -9085,14 +10701,14 @@
                       </m:e>
                     </m:d>
                     <m:r>
-                      <a:rPr lang="en-US" altLang="ko-KR" sz="2000" b="0" i="1" smtClean="0">
+                      <a:rPr lang="en-US" altLang="ko-KR" sz="2400" b="0" i="1" smtClean="0">
                         <a:latin typeface="Cambria Math"/>
                         <a:ea typeface="Cambria Math"/>
                       </a:rPr>
                       <m:t>−</m:t>
                     </m:r>
                     <m:r>
-                      <a:rPr lang="en-US" altLang="ko-KR" sz="2000" b="0" i="1" smtClean="0">
+                      <a:rPr lang="en-US" altLang="ko-KR" sz="2400" b="0" i="1" smtClean="0">
                         <a:latin typeface="Cambria Math"/>
                         <a:ea typeface="Cambria Math"/>
                       </a:rPr>
@@ -9101,7 +10717,7 @@
                     <m:d>
                       <m:dPr>
                         <m:ctrlPr>
-                          <a:rPr lang="en-US" altLang="ko-KR" sz="2000" b="0" i="1" smtClean="0">
+                          <a:rPr lang="en-US" altLang="ko-KR" sz="2400" b="0" i="1" smtClean="0">
                             <a:latin typeface="Cambria Math" panose="02040503050406030204" pitchFamily="18" charset="0"/>
                             <a:ea typeface="Cambria Math"/>
                           </a:rPr>
@@ -9109,7 +10725,7 @@
                       </m:dPr>
                       <m:e>
                         <m:r>
-                          <a:rPr lang="en-US" altLang="ko-KR" sz="2000" b="0" i="1" smtClean="0">
+                          <a:rPr lang="en-US" altLang="ko-KR" sz="2400" b="0" i="1" smtClean="0">
                             <a:latin typeface="Cambria Math"/>
                             <a:ea typeface="Cambria Math"/>
                           </a:rPr>
@@ -9118,7 +10734,7 @@
                       </m:e>
                     </m:d>
                     <m:r>
-                      <a:rPr lang="en-US" altLang="ko-KR" sz="2000" b="0" i="1" smtClean="0">
+                      <a:rPr lang="en-US" altLang="ko-KR" sz="2400" b="0" i="1" smtClean="0">
                         <a:latin typeface="Cambria Math"/>
                         <a:ea typeface="Cambria Math"/>
                       </a:rPr>
@@ -9126,12 +10742,12 @@
                     </m:r>
                   </m:oMath>
                 </a14:m>
-                <a:endParaRPr lang="ko-KR" altLang="en-US" sz="2000" dirty="0"/>
+                <a:endParaRPr lang="ko-KR" altLang="en-US" sz="2400" dirty="0"/>
               </a:p>
             </p:txBody>
           </p:sp>
         </mc:Choice>
-        <mc:Fallback xmlns="">
+        <mc:Fallback>
           <p:sp>
             <p:nvSpPr>
               <p:cNvPr id="31" name="TextBox 30">
@@ -9148,16 +10764,16 @@
             </p:nvSpPr>
             <p:spPr>
               <a:xfrm>
-                <a:off x="1494619" y="4362078"/>
-                <a:ext cx="3807054" cy="400110"/>
+                <a:off x="1112785" y="4404950"/>
+                <a:ext cx="4306004" cy="461665"/>
               </a:xfrm>
               <a:prstGeom prst="rect">
                 <a:avLst/>
               </a:prstGeom>
               <a:blipFill>
-                <a:blip r:embed="rId3"/>
+                <a:blip r:embed="rId5"/>
                 <a:stretch>
-                  <a:fillRect l="-1600" t="-9231" b="-27692"/>
+                  <a:fillRect l="-2266" t="-10667" b="-30667"/>
                 </a:stretch>
               </a:blipFill>
             </p:spPr>
@@ -9190,8 +10806,8 @@
         </p:nvSpPr>
         <p:spPr>
           <a:xfrm>
-            <a:off x="1667915" y="4822791"/>
-            <a:ext cx="4514994" cy="307777"/>
+            <a:off x="1463146" y="4911610"/>
+            <a:ext cx="4514994" cy="338554"/>
           </a:xfrm>
           <a:prstGeom prst="rect">
             <a:avLst/>
@@ -9205,14 +10821,14 @@
           <a:lstStyle/>
           <a:p>
             <a:r>
-              <a:rPr lang="ko-KR" altLang="en-US" sz="1400" dirty="0"/>
+              <a:rPr lang="ko-KR" altLang="en-US" sz="1600" dirty="0"/>
               <a:t>몬테카를로 예측 가치함수 업데이트</a:t>
             </a:r>
           </a:p>
         </p:txBody>
       </p:sp>
-      <mc:AlternateContent xmlns:mc="http://schemas.openxmlformats.org/markup-compatibility/2006" xmlns:a14="http://schemas.microsoft.com/office/drawing/2010/main">
-        <mc:Choice Requires="a14">
+      <mc:AlternateContent xmlns:mc="http://schemas.openxmlformats.org/markup-compatibility/2006">
+        <mc:Choice xmlns:a14="http://schemas.microsoft.com/office/drawing/2010/main" Requires="a14">
           <p:sp>
             <p:nvSpPr>
               <p:cNvPr id="33" name="TextBox 32">
@@ -9227,8 +10843,8 @@
             </p:nvSpPr>
             <p:spPr>
               <a:xfrm>
-                <a:off x="5690584" y="5287352"/>
-                <a:ext cx="6016678" cy="1081899"/>
+                <a:off x="7004574" y="5847638"/>
+                <a:ext cx="5065044" cy="928524"/>
               </a:xfrm>
               <a:prstGeom prst="rect">
                 <a:avLst/>
@@ -9242,7 +10858,7 @@
               <a:lstStyle/>
               <a:p>
                 <a:r>
-                  <a:rPr lang="en-US" altLang="ko-KR" sz="1600" dirty="0">
+                  <a:rPr lang="en-US" altLang="ko-KR" dirty="0">
                     <a:solidFill>
                       <a:schemeClr val="tx1"/>
                     </a:solidFill>
@@ -9253,7 +10869,7 @@
                 <a14:m>
                   <m:oMath xmlns:m="http://schemas.openxmlformats.org/officeDocument/2006/math">
                     <m:r>
-                      <a:rPr lang="en-US" altLang="ko-KR" sz="1600" i="1">
+                      <a:rPr lang="en-US" altLang="ko-KR" i="1">
                         <a:solidFill>
                           <a:schemeClr val="tx1"/>
                         </a:solidFill>
@@ -9263,7 +10879,7 @@
                       <m:t>𝑅</m:t>
                     </m:r>
                     <m:r>
-                      <a:rPr lang="en-US" altLang="ko-KR" sz="1600" i="1">
+                      <a:rPr lang="en-US" altLang="ko-KR" i="1">
                         <a:solidFill>
                           <a:schemeClr val="tx1"/>
                         </a:solidFill>
@@ -9272,7 +10888,7 @@
                       <m:t>+</m:t>
                     </m:r>
                     <m:r>
-                      <a:rPr lang="ko-KR" altLang="en-US" sz="1600" i="1">
+                      <a:rPr lang="ko-KR" altLang="en-US" i="1">
                         <a:solidFill>
                           <a:schemeClr val="tx1"/>
                         </a:solidFill>
@@ -9283,7 +10899,7 @@
                     <m:sSub>
                       <m:sSubPr>
                         <m:ctrlPr>
-                          <a:rPr lang="en-US" altLang="ko-KR" sz="1600" i="1">
+                          <a:rPr lang="en-US" altLang="ko-KR" i="1">
                             <a:solidFill>
                               <a:schemeClr val="tx1"/>
                             </a:solidFill>
@@ -9293,7 +10909,7 @@
                       </m:sSubPr>
                       <m:e>
                         <m:r>
-                          <a:rPr lang="en-US" altLang="ko-KR" sz="1600" i="1">
+                          <a:rPr lang="en-US" altLang="ko-KR" i="1">
                             <a:solidFill>
                               <a:schemeClr val="tx1"/>
                             </a:solidFill>
@@ -9304,7 +10920,7 @@
                       </m:e>
                       <m:sub>
                         <m:r>
-                          <a:rPr lang="ko-KR" altLang="en-US" sz="1600" i="1">
+                          <a:rPr lang="ko-KR" altLang="en-US" i="1">
                             <a:solidFill>
                               <a:schemeClr val="tx1"/>
                             </a:solidFill>
@@ -9315,7 +10931,7 @@
                       </m:sub>
                     </m:sSub>
                     <m:r>
-                      <a:rPr lang="en-US" altLang="ko-KR" sz="1600" i="1">
+                      <a:rPr lang="en-US" altLang="ko-KR" i="1">
                         <a:solidFill>
                           <a:schemeClr val="tx1"/>
                         </a:solidFill>
@@ -9326,7 +10942,7 @@
                     <m:sSub>
                       <m:sSubPr>
                         <m:ctrlPr>
-                          <a:rPr lang="en-US" altLang="ko-KR" sz="1600" i="1">
+                          <a:rPr lang="en-US" altLang="ko-KR" i="1">
                             <a:solidFill>
                               <a:schemeClr val="tx1"/>
                             </a:solidFill>
@@ -9336,7 +10952,7 @@
                       </m:sSubPr>
                       <m:e>
                         <m:r>
-                          <a:rPr lang="en-US" altLang="ko-KR" sz="1600" i="1">
+                          <a:rPr lang="en-US" altLang="ko-KR" i="1">
                             <a:solidFill>
                               <a:schemeClr val="tx1"/>
                             </a:solidFill>
@@ -9347,7 +10963,7 @@
                       </m:e>
                       <m:sub>
                         <m:r>
-                          <a:rPr lang="en-US" altLang="ko-KR" sz="1600" i="1">
+                          <a:rPr lang="en-US" altLang="ko-KR" i="1">
                             <a:solidFill>
                               <a:schemeClr val="tx1"/>
                             </a:solidFill>
@@ -9356,7 +10972,7 @@
                           <m:t>𝑡</m:t>
                         </m:r>
                         <m:r>
-                          <a:rPr lang="en-US" altLang="ko-KR" sz="1600" i="1">
+                          <a:rPr lang="en-US" altLang="ko-KR" i="1">
                             <a:solidFill>
                               <a:schemeClr val="tx1"/>
                             </a:solidFill>
@@ -9367,7 +10983,7 @@
                       </m:sub>
                     </m:sSub>
                     <m:r>
-                      <a:rPr lang="en-US" altLang="ko-KR" sz="1600" i="1">
+                      <a:rPr lang="en-US" altLang="ko-KR" i="1">
                         <a:solidFill>
                           <a:schemeClr val="tx1"/>
                         </a:solidFill>
@@ -9378,7 +10994,7 @@
                   </m:oMath>
                 </a14:m>
                 <a:r>
-                  <a:rPr lang="en-US" altLang="ko-KR" sz="1600" dirty="0">
+                  <a:rPr lang="en-US" altLang="ko-KR" dirty="0">
                     <a:solidFill>
                       <a:schemeClr val="tx1"/>
                     </a:solidFill>
@@ -9386,14 +11002,14 @@
                   <a:t> : </a:t>
                 </a:r>
                 <a:r>
-                  <a:rPr lang="ko-KR" altLang="en-US" sz="1600" dirty="0">
+                  <a:rPr lang="ko-KR" altLang="en-US" dirty="0">
                     <a:solidFill>
                       <a:schemeClr val="tx1"/>
                     </a:solidFill>
                   </a:rPr>
                   <a:t>업데이트 목표</a:t>
                 </a:r>
-                <a:endParaRPr lang="en-US" altLang="ko-KR" sz="1600" dirty="0">
+                <a:endParaRPr lang="en-US" altLang="ko-KR" dirty="0">
                   <a:solidFill>
                     <a:schemeClr val="tx1"/>
                   </a:solidFill>
@@ -9401,57 +11017,7 @@
               </a:p>
               <a:p>
                 <a:r>
-                  <a:rPr lang="en-US" altLang="ko-KR" sz="1600" dirty="0">
-                    <a:solidFill>
-                      <a:schemeClr val="tx1"/>
-                    </a:solidFill>
-                  </a:rPr>
-                  <a:t>(</a:t>
-                </a:r>
-                <a:r>
-                  <a:rPr lang="ko-KR" altLang="en-US" sz="1600" dirty="0" err="1">
-                    <a:solidFill>
-                      <a:schemeClr val="tx1"/>
-                    </a:solidFill>
-                  </a:rPr>
-                  <a:t>반환값과</a:t>
-                </a:r>
-                <a:r>
-                  <a:rPr lang="ko-KR" altLang="en-US" sz="1600" dirty="0">
-                    <a:solidFill>
-                      <a:schemeClr val="tx1"/>
-                    </a:solidFill>
-                  </a:rPr>
-                  <a:t> 달리 </a:t>
-                </a:r>
-                <a:r>
-                  <a:rPr lang="ko-KR" altLang="en-US" sz="1600" dirty="0" err="1">
-                    <a:solidFill>
-                      <a:schemeClr val="tx1"/>
-                    </a:solidFill>
-                  </a:rPr>
-                  <a:t>실제값이</a:t>
-                </a:r>
-                <a:r>
-                  <a:rPr lang="ko-KR" altLang="en-US" sz="1600" dirty="0">
-                    <a:solidFill>
-                      <a:schemeClr val="tx1"/>
-                    </a:solidFill>
-                  </a:rPr>
-                  <a:t> 아닌 현재 에이전트가 가지고 있는 값</a:t>
-                </a:r>
-                <a:r>
-                  <a:rPr lang="en-US" altLang="ko-KR" sz="1600" dirty="0">
-                    <a:solidFill>
-                      <a:schemeClr val="tx1"/>
-                    </a:solidFill>
-                  </a:rPr>
-                  <a:t>)</a:t>
-                </a:r>
-              </a:p>
-              <a:p>
-                <a:r>
-                  <a:rPr lang="en-US" altLang="ko-KR" sz="1600" dirty="0">
+                  <a:rPr lang="en-US" altLang="ko-KR" dirty="0">
                     <a:solidFill>
                       <a:schemeClr val="tx1"/>
                     </a:solidFill>
@@ -9459,7 +11025,7 @@
                   <a:t>2.</a:t>
                 </a:r>
                 <a:r>
-                  <a:rPr lang="ko-KR" altLang="en-US" sz="1600" dirty="0">
+                  <a:rPr lang="ko-KR" altLang="en-US" dirty="0">
                     <a:solidFill>
                       <a:schemeClr val="tx1"/>
                     </a:solidFill>
@@ -9470,7 +11036,7 @@
                 <a14:m>
                   <m:oMath xmlns:m="http://schemas.openxmlformats.org/officeDocument/2006/math">
                     <m:r>
-                      <a:rPr lang="ko-KR" altLang="en-US" sz="1600" i="1">
+                      <a:rPr lang="ko-KR" altLang="en-US" i="1">
                         <a:solidFill>
                           <a:schemeClr val="tx1"/>
                         </a:solidFill>
@@ -9480,7 +11046,7 @@
                       <m:t>𝛼</m:t>
                     </m:r>
                     <m:r>
-                      <a:rPr lang="en-US" altLang="ko-KR" sz="1600" i="1">
+                      <a:rPr lang="en-US" altLang="ko-KR" i="1">
                         <a:solidFill>
                           <a:schemeClr val="tx1"/>
                         </a:solidFill>
@@ -9490,7 +11056,7 @@
                       <m:t> (</m:t>
                     </m:r>
                     <m:r>
-                      <a:rPr lang="en-US" altLang="ko-KR" sz="1600" i="1">
+                      <a:rPr lang="en-US" altLang="ko-KR" i="1">
                         <a:solidFill>
                           <a:schemeClr val="tx1"/>
                         </a:solidFill>
@@ -9500,7 +11066,7 @@
                       <m:t>𝑅</m:t>
                     </m:r>
                     <m:r>
-                      <a:rPr lang="en-US" altLang="ko-KR" sz="1600" i="1">
+                      <a:rPr lang="en-US" altLang="ko-KR" i="1">
                         <a:solidFill>
                           <a:schemeClr val="tx1"/>
                         </a:solidFill>
@@ -9509,7 +11075,7 @@
                       <m:t>+</m:t>
                     </m:r>
                     <m:r>
-                      <a:rPr lang="ko-KR" altLang="en-US" sz="1600" i="1">
+                      <a:rPr lang="ko-KR" altLang="en-US" i="1">
                         <a:solidFill>
                           <a:schemeClr val="tx1"/>
                         </a:solidFill>
@@ -9520,7 +11086,7 @@
                     <m:sSub>
                       <m:sSubPr>
                         <m:ctrlPr>
-                          <a:rPr lang="en-US" altLang="ko-KR" sz="1600" i="1">
+                          <a:rPr lang="en-US" altLang="ko-KR" i="1">
                             <a:solidFill>
                               <a:schemeClr val="tx1"/>
                             </a:solidFill>
@@ -9530,7 +11096,7 @@
                       </m:sSubPr>
                       <m:e>
                         <m:r>
-                          <a:rPr lang="en-US" altLang="ko-KR" sz="1600" i="1">
+                          <a:rPr lang="en-US" altLang="ko-KR" i="1">
                             <a:solidFill>
                               <a:schemeClr val="tx1"/>
                             </a:solidFill>
@@ -9541,7 +11107,7 @@
                       </m:e>
                       <m:sub>
                         <m:r>
-                          <a:rPr lang="ko-KR" altLang="en-US" sz="1600" i="1">
+                          <a:rPr lang="ko-KR" altLang="en-US" i="1">
                             <a:solidFill>
                               <a:schemeClr val="tx1"/>
                             </a:solidFill>
@@ -9552,7 +11118,7 @@
                       </m:sub>
                     </m:sSub>
                     <m:r>
-                      <a:rPr lang="en-US" altLang="ko-KR" sz="1600" i="1">
+                      <a:rPr lang="en-US" altLang="ko-KR" i="1">
                         <a:solidFill>
                           <a:schemeClr val="tx1"/>
                         </a:solidFill>
@@ -9563,7 +11129,7 @@
                     <m:sSub>
                       <m:sSubPr>
                         <m:ctrlPr>
-                          <a:rPr lang="en-US" altLang="ko-KR" sz="1600" i="1">
+                          <a:rPr lang="en-US" altLang="ko-KR" i="1">
                             <a:solidFill>
                               <a:schemeClr val="tx1"/>
                             </a:solidFill>
@@ -9573,7 +11139,7 @@
                       </m:sSubPr>
                       <m:e>
                         <m:r>
-                          <a:rPr lang="en-US" altLang="ko-KR" sz="1600" i="1">
+                          <a:rPr lang="en-US" altLang="ko-KR" i="1">
                             <a:solidFill>
                               <a:schemeClr val="tx1"/>
                             </a:solidFill>
@@ -9584,7 +11150,7 @@
                       </m:e>
                       <m:sub>
                         <m:r>
-                          <a:rPr lang="en-US" altLang="ko-KR" sz="1600" i="1">
+                          <a:rPr lang="en-US" altLang="ko-KR" i="1">
                             <a:solidFill>
                               <a:schemeClr val="tx1"/>
                             </a:solidFill>
@@ -9593,7 +11159,7 @@
                           <m:t>𝑡</m:t>
                         </m:r>
                         <m:r>
-                          <a:rPr lang="en-US" altLang="ko-KR" sz="1600" i="1">
+                          <a:rPr lang="en-US" altLang="ko-KR" i="1">
                             <a:solidFill>
                               <a:schemeClr val="tx1"/>
                             </a:solidFill>
@@ -9604,7 +11170,7 @@
                       </m:sub>
                     </m:sSub>
                     <m:r>
-                      <a:rPr lang="en-US" altLang="ko-KR" sz="1600" i="1">
+                      <a:rPr lang="en-US" altLang="ko-KR" i="1">
                         <a:solidFill>
                           <a:schemeClr val="tx1"/>
                         </a:solidFill>
@@ -9613,7 +11179,7 @@
                       <m:t>)</m:t>
                     </m:r>
                     <m:r>
-                      <a:rPr lang="en-US" altLang="ko-KR" sz="1600" i="1">
+                      <a:rPr lang="en-US" altLang="ko-KR" i="1">
                         <a:solidFill>
                           <a:schemeClr val="tx1"/>
                         </a:solidFill>
@@ -9623,7 +11189,7 @@
                       <m:t>−</m:t>
                     </m:r>
                     <m:r>
-                      <a:rPr lang="en-US" altLang="ko-KR" sz="1600" i="1">
+                      <a:rPr lang="en-US" altLang="ko-KR" i="1">
                         <a:solidFill>
                           <a:schemeClr val="tx1"/>
                         </a:solidFill>
@@ -9635,7 +11201,7 @@
                     <m:d>
                       <m:dPr>
                         <m:ctrlPr>
-                          <a:rPr lang="en-US" altLang="ko-KR" sz="1600" i="1">
+                          <a:rPr lang="en-US" altLang="ko-KR" i="1">
                             <a:solidFill>
                               <a:schemeClr val="tx1"/>
                             </a:solidFill>
@@ -9648,7 +11214,7 @@
                         <m:sSub>
                           <m:sSubPr>
                             <m:ctrlPr>
-                              <a:rPr lang="en-US" altLang="ko-KR" sz="1600" i="1">
+                              <a:rPr lang="en-US" altLang="ko-KR" i="1">
                                 <a:solidFill>
                                   <a:schemeClr val="tx1"/>
                                 </a:solidFill>
@@ -9659,7 +11225,7 @@
                           </m:sSubPr>
                           <m:e>
                             <m:r>
-                              <a:rPr lang="en-US" altLang="ko-KR" sz="1600" i="1">
+                              <a:rPr lang="en-US" altLang="ko-KR" i="1">
                                 <a:solidFill>
                                   <a:schemeClr val="tx1"/>
                                 </a:solidFill>
@@ -9671,7 +11237,7 @@
                           </m:e>
                           <m:sub>
                             <m:r>
-                              <a:rPr lang="en-US" altLang="ko-KR" sz="1600" i="1">
+                              <a:rPr lang="en-US" altLang="ko-KR" i="1">
                                 <a:solidFill>
                                   <a:schemeClr val="tx1"/>
                                 </a:solidFill>
@@ -9685,7 +11251,7 @@
                       </m:e>
                     </m:d>
                     <m:r>
-                      <a:rPr lang="en-US" altLang="ko-KR" sz="1600" i="1">
+                      <a:rPr lang="en-US" altLang="ko-KR" i="1">
                         <a:solidFill>
                           <a:schemeClr val="tx1"/>
                         </a:solidFill>
@@ -9697,7 +11263,7 @@
                   </m:oMath>
                 </a14:m>
                 <a:r>
-                  <a:rPr lang="ko-KR" altLang="en-US" sz="1600" dirty="0">
+                  <a:rPr lang="ko-KR" altLang="en-US" dirty="0">
                     <a:solidFill>
                       <a:schemeClr val="tx1"/>
                     </a:solidFill>
@@ -9705,7 +11271,7 @@
                   <a:t> </a:t>
                 </a:r>
                 <a:r>
-                  <a:rPr lang="en-US" altLang="ko-KR" sz="1600" dirty="0">
+                  <a:rPr lang="en-US" altLang="ko-KR" dirty="0">
                     <a:solidFill>
                       <a:schemeClr val="tx1"/>
                     </a:solidFill>
@@ -9713,14 +11279,14 @@
                   <a:t>: </a:t>
                 </a:r>
                 <a:r>
-                  <a:rPr lang="ko-KR" altLang="en-US" sz="1600" dirty="0">
+                  <a:rPr lang="ko-KR" altLang="en-US" dirty="0">
                     <a:solidFill>
                       <a:schemeClr val="tx1"/>
                     </a:solidFill>
                   </a:rPr>
                   <a:t>업데이트 크기</a:t>
                 </a:r>
-                <a:endParaRPr lang="en-US" altLang="ko-KR" sz="1600" dirty="0">
+                <a:endParaRPr lang="en-US" altLang="ko-KR" dirty="0">
                   <a:solidFill>
                     <a:schemeClr val="tx1"/>
                   </a:solidFill>
@@ -9728,25 +11294,25 @@
               </a:p>
               <a:p>
                 <a:r>
-                  <a:rPr lang="en-US" altLang="ko-KR" sz="1600" dirty="0"/>
+                  <a:rPr lang="en-US" altLang="ko-KR" dirty="0"/>
                   <a:t>3. </a:t>
                 </a:r>
                 <a14:m>
                   <m:oMath xmlns:m="http://schemas.openxmlformats.org/officeDocument/2006/math">
                     <m:r>
-                      <a:rPr lang="en-US" altLang="ko-KR" sz="1600">
+                      <a:rPr lang="en-US" altLang="ko-KR">
                         <a:latin typeface="Cambria Math"/>
                       </a:rPr>
                       <m:t>𝑅</m:t>
                     </m:r>
                     <m:r>
-                      <a:rPr lang="en-US" altLang="ko-KR" sz="1600">
+                      <a:rPr lang="en-US" altLang="ko-KR">
                         <a:latin typeface="Cambria Math"/>
                       </a:rPr>
                       <m:t>+</m:t>
                     </m:r>
                     <m:r>
-                      <a:rPr lang="ko-KR" altLang="en-US" sz="1600">
+                      <a:rPr lang="ko-KR" altLang="en-US">
                         <a:latin typeface="Cambria Math"/>
                       </a:rPr>
                       <m:t>𝛾</m:t>
@@ -9754,14 +11320,14 @@
                     <m:sSub>
                       <m:sSubPr>
                         <m:ctrlPr>
-                          <a:rPr lang="en-US" altLang="ko-KR" sz="1600" i="1">
+                          <a:rPr lang="en-US" altLang="ko-KR" i="1">
                             <a:latin typeface="Cambria Math" panose="02040503050406030204" pitchFamily="18" charset="0"/>
                           </a:rPr>
                         </m:ctrlPr>
                       </m:sSubPr>
                       <m:e>
                         <m:r>
-                          <a:rPr lang="en-US" altLang="ko-KR" sz="1600">
+                          <a:rPr lang="en-US" altLang="ko-KR">
                             <a:latin typeface="Cambria Math"/>
                           </a:rPr>
                           <m:t>𝑣</m:t>
@@ -9769,7 +11335,7 @@
                       </m:e>
                       <m:sub>
                         <m:r>
-                          <a:rPr lang="ko-KR" altLang="en-US" sz="1600">
+                          <a:rPr lang="ko-KR" altLang="en-US">
                             <a:latin typeface="Cambria Math"/>
                           </a:rPr>
                           <m:t>𝜋</m:t>
@@ -9779,7 +11345,7 @@
                     <m:d>
                       <m:dPr>
                         <m:ctrlPr>
-                          <a:rPr lang="en-US" altLang="ko-KR" sz="1600" i="1">
+                          <a:rPr lang="en-US" altLang="ko-KR" i="1">
                             <a:latin typeface="Cambria Math" panose="02040503050406030204" pitchFamily="18" charset="0"/>
                           </a:rPr>
                         </m:ctrlPr>
@@ -9788,14 +11354,14 @@
                         <m:sSub>
                           <m:sSubPr>
                             <m:ctrlPr>
-                              <a:rPr lang="en-US" altLang="ko-KR" sz="1600" i="1">
+                              <a:rPr lang="en-US" altLang="ko-KR" i="1">
                                 <a:latin typeface="Cambria Math" panose="02040503050406030204" pitchFamily="18" charset="0"/>
                               </a:rPr>
                             </m:ctrlPr>
                           </m:sSubPr>
                           <m:e>
                             <m:r>
-                              <a:rPr lang="en-US" altLang="ko-KR" sz="1600">
+                              <a:rPr lang="en-US" altLang="ko-KR">
                                 <a:latin typeface="Cambria Math"/>
                               </a:rPr>
                               <m:t>𝑆</m:t>
@@ -9803,13 +11369,13 @@
                           </m:e>
                           <m:sub>
                             <m:r>
-                              <a:rPr lang="en-US" altLang="ko-KR" sz="1600">
+                              <a:rPr lang="en-US" altLang="ko-KR">
                                 <a:latin typeface="Cambria Math"/>
                               </a:rPr>
                               <m:t>𝑡</m:t>
                             </m:r>
                             <m:r>
-                              <a:rPr lang="en-US" altLang="ko-KR" sz="1600">
+                              <a:rPr lang="en-US" altLang="ko-KR">
                                 <a:latin typeface="Cambria Math"/>
                               </a:rPr>
                               <m:t>+1</m:t>
@@ -9819,13 +11385,13 @@
                       </m:e>
                     </m:d>
                     <m:r>
-                      <a:rPr lang="en-US" altLang="ko-KR" sz="1600">
+                      <a:rPr lang="en-US" altLang="ko-KR">
                         <a:latin typeface="Cambria Math"/>
                       </a:rPr>
                       <m:t>−</m:t>
                     </m:r>
                     <m:r>
-                      <a:rPr lang="en-US" altLang="ko-KR" sz="1600">
+                      <a:rPr lang="en-US" altLang="ko-KR">
                         <a:latin typeface="Cambria Math"/>
                       </a:rPr>
                       <m:t>𝑉</m:t>
@@ -9833,7 +11399,7 @@
                     <m:d>
                       <m:dPr>
                         <m:ctrlPr>
-                          <a:rPr lang="en-US" altLang="ko-KR" sz="1600" i="1">
+                          <a:rPr lang="en-US" altLang="ko-KR" i="1">
                             <a:latin typeface="Cambria Math" panose="02040503050406030204" pitchFamily="18" charset="0"/>
                           </a:rPr>
                         </m:ctrlPr>
@@ -9842,14 +11408,14 @@
                         <m:sSub>
                           <m:sSubPr>
                             <m:ctrlPr>
-                              <a:rPr lang="en-US" altLang="ko-KR" sz="1600" i="1">
+                              <a:rPr lang="en-US" altLang="ko-KR" i="1">
                                 <a:latin typeface="Cambria Math" panose="02040503050406030204" pitchFamily="18" charset="0"/>
                               </a:rPr>
                             </m:ctrlPr>
                           </m:sSubPr>
                           <m:e>
                             <m:r>
-                              <a:rPr lang="en-US" altLang="ko-KR" sz="1600">
+                              <a:rPr lang="en-US" altLang="ko-KR">
                                 <a:latin typeface="Cambria Math"/>
                               </a:rPr>
                               <m:t>𝑆</m:t>
@@ -9857,7 +11423,7 @@
                           </m:e>
                           <m:sub>
                             <m:r>
-                              <a:rPr lang="en-US" altLang="ko-KR" sz="1600">
+                              <a:rPr lang="en-US" altLang="ko-KR">
                                 <a:latin typeface="Cambria Math"/>
                               </a:rPr>
                               <m:t>𝑡</m:t>
@@ -9867,49 +11433,49 @@
                       </m:e>
                     </m:d>
                     <m:r>
-                      <a:rPr lang="en-US" altLang="ko-KR" sz="1600">
+                      <a:rPr lang="en-US" altLang="ko-KR">
                         <a:latin typeface="Cambria Math" panose="02040503050406030204" pitchFamily="18" charset="0"/>
                       </a:rPr>
                       <m:t> :</m:t>
                     </m:r>
                     <m:r>
-                      <a:rPr lang="en-US" altLang="ko-KR" sz="1600">
+                      <a:rPr lang="en-US" altLang="ko-KR">
                         <a:latin typeface="Cambria Math"/>
                       </a:rPr>
                       <m:t> </m:t>
                     </m:r>
                     <m:r>
-                      <a:rPr lang="ko-KR" altLang="en-US" sz="1600">
+                      <a:rPr lang="ko-KR" altLang="en-US">
                         <a:latin typeface="Cambria Math"/>
                       </a:rPr>
                       <m:t>시간차</m:t>
                     </m:r>
                     <m:r>
-                      <a:rPr lang="en-US" altLang="ko-KR" sz="1600">
+                      <a:rPr lang="en-US" altLang="ko-KR">
                         <a:latin typeface="Cambria Math"/>
                       </a:rPr>
                       <m:t> </m:t>
                     </m:r>
                     <m:r>
-                      <a:rPr lang="ko-KR" altLang="en-US" sz="1600">
+                      <a:rPr lang="ko-KR" altLang="en-US">
                         <a:latin typeface="Cambria Math"/>
                       </a:rPr>
                       <m:t>에</m:t>
                     </m:r>
                     <m:r>
-                      <a:rPr lang="ko-KR" altLang="en-US" sz="1600" i="1">
+                      <a:rPr lang="ko-KR" altLang="en-US" i="1">
                         <a:latin typeface="Cambria Math" panose="02040503050406030204" pitchFamily="18" charset="0"/>
                       </a:rPr>
                       <m:t>러</m:t>
                     </m:r>
                   </m:oMath>
                 </a14:m>
-                <a:endParaRPr lang="en-US" altLang="ko-KR" sz="1600" dirty="0"/>
+                <a:endParaRPr lang="en-US" altLang="ko-KR" dirty="0"/>
               </a:p>
             </p:txBody>
           </p:sp>
         </mc:Choice>
-        <mc:Fallback xmlns="">
+        <mc:Fallback>
           <p:sp>
             <p:nvSpPr>
               <p:cNvPr id="33" name="TextBox 32">
@@ -9926,16 +11492,16 @@
             </p:nvSpPr>
             <p:spPr>
               <a:xfrm>
-                <a:off x="5690584" y="5287352"/>
-                <a:ext cx="6016678" cy="1081899"/>
+                <a:off x="7004574" y="5847638"/>
+                <a:ext cx="5065044" cy="928524"/>
               </a:xfrm>
               <a:prstGeom prst="rect">
                 <a:avLst/>
               </a:prstGeom>
               <a:blipFill>
-                <a:blip r:embed="rId4"/>
+                <a:blip r:embed="rId6"/>
                 <a:stretch>
-                  <a:fillRect l="-507" t="-1685" b="-5618"/>
+                  <a:fillRect l="-963" t="-3268" b="-9150"/>
                 </a:stretch>
               </a:blipFill>
             </p:spPr>
@@ -10019,75 +11585,6 @@
               <a:rPr lang="en-US" altLang="ko-KR" dirty="0"/>
               <a:t>(SARSA)</a:t>
             </a:r>
-          </a:p>
-        </p:txBody>
-      </p:sp>
-      <p:sp>
-        <p:nvSpPr>
-          <p:cNvPr id="4" name="Rectangle 2">
-            <a:extLst>
-              <a:ext uri="{FF2B5EF4-FFF2-40B4-BE49-F238E27FC236}">
-                <a16:creationId xmlns:a16="http://schemas.microsoft.com/office/drawing/2014/main" id="{338D12FF-78B7-4429-82B8-06CD25E008F4}"/>
-              </a:ext>
-            </a:extLst>
-          </p:cNvPr>
-          <p:cNvSpPr>
-            <a:spLocks noChangeArrowheads="1"/>
-          </p:cNvSpPr>
-          <p:nvPr/>
-        </p:nvSpPr>
-        <p:spPr bwMode="auto">
-          <a:xfrm>
-            <a:off x="6899563" y="1762124"/>
-            <a:ext cx="12192000" cy="457200"/>
-          </a:xfrm>
-          <a:prstGeom prst="rect">
-            <a:avLst/>
-          </a:prstGeom>
-          <a:noFill/>
-          <a:ln>
-            <a:noFill/>
-          </a:ln>
-          <a:effectLst/>
-          <a:extLst>
-            <a:ext uri="{909E8E84-426E-40DD-AFC4-6F175D3DCCD1}">
-              <a14:hiddenFill xmlns:a14="http://schemas.microsoft.com/office/drawing/2010/main">
-                <a:solidFill>
-                  <a:schemeClr val="accent1"/>
-                </a:solidFill>
-              </a14:hiddenFill>
-            </a:ext>
-            <a:ext uri="{91240B29-F687-4F45-9708-019B960494DF}">
-              <a14:hiddenLine xmlns:a14="http://schemas.microsoft.com/office/drawing/2010/main" w="9525">
-                <a:solidFill>
-                  <a:schemeClr val="tx1"/>
-                </a:solidFill>
-                <a:miter lim="800000"/>
-                <a:headEnd/>
-                <a:tailEnd/>
-              </a14:hiddenLine>
-            </a:ext>
-            <a:ext uri="{AF507438-7753-43E0-B8FC-AC1667EBCBE1}">
-              <a14:hiddenEffects xmlns:a14="http://schemas.microsoft.com/office/drawing/2010/main">
-                <a:effectLst>
-                  <a:outerShdw dist="35921" dir="2700000" algn="ctr" rotWithShape="0">
-                    <a:schemeClr val="bg2"/>
-                  </a:outerShdw>
-                </a:effectLst>
-              </a14:hiddenEffects>
-            </a:ext>
-          </a:extLst>
-        </p:spPr>
-        <p:txBody>
-          <a:bodyPr vert="horz" wrap="none" lIns="91440" tIns="45720" rIns="91440" bIns="45720" numCol="1" anchor="ctr" anchorCtr="0" compatLnSpc="1">
-            <a:prstTxWarp prst="textNoShape">
-              <a:avLst/>
-            </a:prstTxWarp>
-            <a:spAutoFit/>
-          </a:bodyPr>
-          <a:lstStyle/>
-          <a:p>
-            <a:endParaRPr lang="ko-KR" altLang="en-US"/>
           </a:p>
         </p:txBody>
       </p:sp>
@@ -25684,7 +27181,7 @@
             </a:pPr>
             <a:r>
               <a:rPr lang="en-US" altLang="ko-KR" sz="2000" dirty="0"/>
-              <a:t>		</a:t>
+              <a:t>		  </a:t>
             </a:r>
             <a:r>
               <a:rPr lang="ko-KR" altLang="en-US" sz="2000" dirty="0"/>
@@ -25692,7 +27189,7 @@
             </a:r>
             <a:r>
               <a:rPr lang="en-US" altLang="ko-KR" sz="2000" dirty="0"/>
-              <a:t>                 </a:t>
+              <a:t>                  </a:t>
             </a:r>
             <a:r>
               <a:rPr lang="ko-KR" altLang="en-US" sz="2000" dirty="0"/>
@@ -25738,7 +27235,7 @@
             </a:r>
             <a:r>
               <a:rPr lang="ko-KR" altLang="en-US" sz="2000" dirty="0"/>
-              <a:t>에이전트는 환경과의 상호작용을 통해 주어진 정책에 대한 가치함수를 학습</a:t>
+              <a:t>에이전트는 환경과의 상호작용을 통해 주어진 현재 정책에 대한 가치함수를 학습</a:t>
             </a:r>
             <a:endParaRPr lang="en-US" altLang="ko-KR" sz="2000" dirty="0"/>
           </a:p>
@@ -25940,7 +27437,7 @@
         <p:spPr>
           <a:xfrm>
             <a:off x="5997388" y="2297103"/>
-            <a:ext cx="4431077" cy="1754326"/>
+            <a:ext cx="4588137" cy="1754326"/>
           </a:xfrm>
           <a:prstGeom prst="rect">
             <a:avLst/>
@@ -25957,7 +27454,7 @@
           <a:p>
             <a:r>
               <a:rPr lang="en-US" altLang="ko-KR" dirty="0"/>
-              <a:t>- </a:t>
+              <a:t> - </a:t>
             </a:r>
             <a:r>
               <a:rPr lang="ko-KR" altLang="en-US" dirty="0"/>
@@ -25971,7 +27468,7 @@
           <a:p>
             <a:r>
               <a:rPr lang="en-US" altLang="ko-KR" dirty="0"/>
-              <a:t>- </a:t>
+              <a:t> - </a:t>
             </a:r>
             <a:r>
               <a:rPr lang="ko-KR" altLang="en-US" b="1" dirty="0"/>
@@ -25997,7 +27494,7 @@
           <a:p>
             <a:r>
               <a:rPr lang="en-US" altLang="ko-KR" dirty="0"/>
-              <a:t>- 1) </a:t>
+              <a:t> - 1) </a:t>
             </a:r>
             <a:r>
               <a:rPr lang="ko-KR" altLang="en-US" dirty="0"/>
@@ -26016,7 +27513,7 @@
           <a:p>
             <a:r>
               <a:rPr lang="en-US" altLang="ko-KR" dirty="0"/>
-              <a:t>  3) </a:t>
+              <a:t>   3) </a:t>
             </a:r>
             <a:r>
               <a:rPr lang="ko-KR" altLang="en-US" dirty="0"/>
